--- a/ux/details_panel.pptx
+++ b/ux/details_panel.pptx
@@ -5,7 +5,7 @@
     <p:sldMasterId id="2147483648" r:id="rId1"/>
   </p:sldMasterIdLst>
   <p:notesMasterIdLst>
-    <p:notesMasterId r:id="rId7"/>
+    <p:notesMasterId r:id="rId11"/>
   </p:notesMasterIdLst>
   <p:sldIdLst>
     <p:sldId id="256" r:id="rId2"/>
@@ -13,6 +13,10 @@
     <p:sldId id="258" r:id="rId4"/>
     <p:sldId id="259" r:id="rId5"/>
     <p:sldId id="260" r:id="rId6"/>
+    <p:sldId id="261" r:id="rId7"/>
+    <p:sldId id="262" r:id="rId8"/>
+    <p:sldId id="263" r:id="rId9"/>
+    <p:sldId id="264" r:id="rId10"/>
   </p:sldIdLst>
   <p:sldSz cx="9144000" cy="6858000" type="screen4x3"/>
   <p:notesSz cx="6858000" cy="9144000"/>
@@ -12561,6 +12565,230 @@
           </a:p>
         </p:txBody>
       </p:sp>
+      <p:grpSp>
+        <p:nvGrpSpPr>
+          <p:cNvPr id="14" name="Group 13"/>
+          <p:cNvGrpSpPr/>
+          <p:nvPr/>
+        </p:nvGrpSpPr>
+        <p:grpSpPr>
+          <a:xfrm>
+            <a:off x="5410200" y="2438400"/>
+            <a:ext cx="315506" cy="320040"/>
+            <a:chOff x="5410200" y="2438400"/>
+            <a:chExt cx="315506" cy="320040"/>
+          </a:xfrm>
+        </p:grpSpPr>
+        <p:sp>
+          <p:nvSpPr>
+            <p:cNvPr id="17" name="5-Point Star 16"/>
+            <p:cNvSpPr/>
+            <p:nvPr/>
+          </p:nvSpPr>
+          <p:spPr>
+            <a:xfrm>
+              <a:off x="5410200" y="2438400"/>
+              <a:ext cx="315506" cy="320040"/>
+            </a:xfrm>
+            <a:prstGeom prst="star5">
+              <a:avLst>
+                <a:gd name="adj" fmla="val 23103"/>
+                <a:gd name="hf" fmla="val 105146"/>
+                <a:gd name="vf" fmla="val 110557"/>
+              </a:avLst>
+            </a:prstGeom>
+            <a:solidFill>
+              <a:srgbClr val="FDD02B"/>
+            </a:solidFill>
+            <a:ln>
+              <a:noFill/>
+            </a:ln>
+            <a:effectLst>
+              <a:glow rad="88900">
+                <a:srgbClr val="FFD13F">
+                  <a:alpha val="51000"/>
+                </a:srgbClr>
+              </a:glow>
+            </a:effectLst>
+            <a:scene3d>
+              <a:camera prst="orthographicFront"/>
+              <a:lightRig rig="threePt" dir="t"/>
+            </a:scene3d>
+            <a:sp3d extrusionH="82550" contourW="6350" prstMaterial="flat">
+              <a:bevelT w="139700" h="139700" prst="divot"/>
+              <a:bevelB h="114300"/>
+              <a:extrusionClr>
+                <a:schemeClr val="bg1"/>
+              </a:extrusionClr>
+              <a:contourClr>
+                <a:srgbClr val="FFC000"/>
+              </a:contourClr>
+            </a:sp3d>
+          </p:spPr>
+          <p:style>
+            <a:lnRef idx="2">
+              <a:schemeClr val="accent1">
+                <a:shade val="50000"/>
+              </a:schemeClr>
+            </a:lnRef>
+            <a:fillRef idx="1">
+              <a:schemeClr val="accent1"/>
+            </a:fillRef>
+            <a:effectRef idx="0">
+              <a:schemeClr val="accent1"/>
+            </a:effectRef>
+            <a:fontRef idx="minor">
+              <a:schemeClr val="lt1"/>
+            </a:fontRef>
+          </p:style>
+          <p:txBody>
+            <a:bodyPr rtlCol="0" anchor="ctr"/>
+            <a:lstStyle/>
+            <a:p>
+              <a:pPr algn="ctr"/>
+              <a:endParaRPr lang="en-US"/>
+            </a:p>
+          </p:txBody>
+        </p:sp>
+        <p:sp>
+          <p:nvSpPr>
+            <p:cNvPr id="18" name="5-Point Star 17"/>
+            <p:cNvSpPr/>
+            <p:nvPr/>
+          </p:nvSpPr>
+          <p:spPr>
+            <a:xfrm>
+              <a:off x="5410200" y="2438400"/>
+              <a:ext cx="315506" cy="320040"/>
+            </a:xfrm>
+            <a:prstGeom prst="star5">
+              <a:avLst>
+                <a:gd name="adj" fmla="val 23103"/>
+                <a:gd name="hf" fmla="val 105146"/>
+                <a:gd name="vf" fmla="val 110557"/>
+              </a:avLst>
+            </a:prstGeom>
+            <a:noFill/>
+            <a:ln>
+              <a:noFill/>
+            </a:ln>
+            <a:effectLst>
+              <a:glow rad="88900">
+                <a:srgbClr val="FFD13F">
+                  <a:alpha val="51000"/>
+                </a:srgbClr>
+              </a:glow>
+            </a:effectLst>
+            <a:scene3d>
+              <a:camera prst="orthographicFront"/>
+              <a:lightRig rig="threePt" dir="t"/>
+            </a:scene3d>
+            <a:sp3d extrusionH="82550" contourW="6350" prstMaterial="matte">
+              <a:bevelT w="139700" h="139700" prst="divot"/>
+              <a:bevelB h="114300"/>
+              <a:extrusionClr>
+                <a:schemeClr val="bg1"/>
+              </a:extrusionClr>
+              <a:contourClr>
+                <a:srgbClr val="FFC000"/>
+              </a:contourClr>
+            </a:sp3d>
+          </p:spPr>
+          <p:style>
+            <a:lnRef idx="2">
+              <a:schemeClr val="accent1">
+                <a:shade val="50000"/>
+              </a:schemeClr>
+            </a:lnRef>
+            <a:fillRef idx="1">
+              <a:schemeClr val="accent1"/>
+            </a:fillRef>
+            <a:effectRef idx="0">
+              <a:schemeClr val="accent1"/>
+            </a:effectRef>
+            <a:fontRef idx="minor">
+              <a:schemeClr val="lt1"/>
+            </a:fontRef>
+          </p:style>
+          <p:txBody>
+            <a:bodyPr rtlCol="0" anchor="ctr"/>
+            <a:lstStyle/>
+            <a:p>
+              <a:pPr algn="ctr"/>
+              <a:endParaRPr lang="en-US"/>
+            </a:p>
+          </p:txBody>
+        </p:sp>
+      </p:grpSp>
+      <p:sp>
+        <p:nvSpPr>
+          <p:cNvPr id="23" name="Rounded Rectangle 22"/>
+          <p:cNvSpPr/>
+          <p:nvPr/>
+        </p:nvSpPr>
+        <p:spPr>
+          <a:xfrm>
+            <a:off x="3505200" y="4418015"/>
+            <a:ext cx="1752600" cy="616149"/>
+          </a:xfrm>
+          <a:prstGeom prst="roundRect">
+            <a:avLst>
+              <a:gd name="adj" fmla="val 11956"/>
+            </a:avLst>
+          </a:prstGeom>
+          <a:solidFill>
+            <a:schemeClr val="tx1">
+              <a:lumMod val="95000"/>
+              <a:lumOff val="5000"/>
+            </a:schemeClr>
+          </a:solidFill>
+          <a:ln>
+            <a:noFill/>
+          </a:ln>
+          <a:effectLst>
+            <a:outerShdw blurRad="44450" dist="27940" dir="5400000" algn="ctr">
+              <a:srgbClr val="000000">
+                <a:alpha val="32000"/>
+              </a:srgbClr>
+            </a:outerShdw>
+          </a:effectLst>
+          <a:scene3d>
+            <a:camera prst="orthographicFront">
+              <a:rot lat="0" lon="0" rev="0"/>
+            </a:camera>
+            <a:lightRig rig="balanced" dir="t">
+              <a:rot lat="0" lon="0" rev="8700000"/>
+            </a:lightRig>
+          </a:scene3d>
+          <a:sp3d>
+            <a:bevelT w="190500" h="38100"/>
+          </a:sp3d>
+        </p:spPr>
+        <p:style>
+          <a:lnRef idx="2">
+            <a:schemeClr val="accent1">
+              <a:shade val="50000"/>
+            </a:schemeClr>
+          </a:lnRef>
+          <a:fillRef idx="1">
+            <a:schemeClr val="accent1"/>
+          </a:fillRef>
+          <a:effectRef idx="0">
+            <a:schemeClr val="accent1"/>
+          </a:effectRef>
+          <a:fontRef idx="minor">
+            <a:schemeClr val="lt1"/>
+          </a:fontRef>
+        </p:style>
+        <p:txBody>
+          <a:bodyPr rtlCol="0" anchor="ctr"/>
+          <a:lstStyle/>
+          <a:p>
+            <a:pPr algn="ctr"/>
+            <a:endParaRPr lang="en-US" sz="2400" dirty="0"/>
+          </a:p>
+        </p:txBody>
+      </p:sp>
     </p:spTree>
     <p:extLst>
       <p:ext uri="{BB962C8B-B14F-4D97-AF65-F5344CB8AC3E}">
@@ -13622,14 +13850,4499 @@
           </a:p>
         </p:txBody>
       </p:sp>
+    </p:spTree>
+    <p:extLst>
+      <p:ext uri="{BB962C8B-B14F-4D97-AF65-F5344CB8AC3E}">
+        <p14:creationId xmlns:p14="http://schemas.microsoft.com/office/powerpoint/2010/main" val="176522958"/>
+      </p:ext>
+    </p:extLst>
+  </p:cSld>
+  <p:clrMapOvr>
+    <a:masterClrMapping/>
+  </p:clrMapOvr>
+</p:sld>
+</file>
+
+<file path=ppt/slides/slide6.xml><?xml version="1.0" encoding="utf-8"?>
+<p:sld xmlns:a="http://schemas.openxmlformats.org/drawingml/2006/main" xmlns:r="http://schemas.openxmlformats.org/officeDocument/2006/relationships" xmlns:p="http://schemas.openxmlformats.org/presentationml/2006/main">
+  <p:cSld>
+    <p:spTree>
+      <p:nvGrpSpPr>
+        <p:cNvPr id="1" name=""/>
+        <p:cNvGrpSpPr/>
+        <p:nvPr/>
+      </p:nvGrpSpPr>
+      <p:grpSpPr>
+        <a:xfrm>
+          <a:off x="0" y="0"/>
+          <a:ext cx="0" cy="0"/>
+          <a:chOff x="0" y="0"/>
+          <a:chExt cx="0" cy="0"/>
+        </a:xfrm>
+      </p:grpSpPr>
+      <p:pic>
+        <p:nvPicPr>
+          <p:cNvPr id="4098" name="Picture 2"/>
+          <p:cNvPicPr>
+            <a:picLocks noChangeAspect="1" noChangeArrowheads="1"/>
+          </p:cNvPicPr>
+          <p:nvPr/>
+        </p:nvPicPr>
+        <p:blipFill>
+          <a:blip r:embed="rId2">
+            <a:extLst>
+              <a:ext uri="{28A0092B-C50C-407E-A947-70E740481C1C}">
+                <a14:useLocalDpi xmlns:a14="http://schemas.microsoft.com/office/drawing/2010/main" val="0"/>
+              </a:ext>
+            </a:extLst>
+          </a:blip>
+          <a:srcRect/>
+          <a:stretch>
+            <a:fillRect/>
+          </a:stretch>
+        </p:blipFill>
+        <p:spPr bwMode="auto">
+          <a:xfrm>
+            <a:off x="4343400" y="3192066"/>
+            <a:ext cx="457200" cy="457200"/>
+          </a:xfrm>
+          <a:prstGeom prst="rect">
+            <a:avLst/>
+          </a:prstGeom>
+          <a:noFill/>
+          <a:ln>
+            <a:noFill/>
+          </a:ln>
+          <a:effectLst/>
+          <a:extLst>
+            <a:ext uri="{909E8E84-426E-40DD-AFC4-6F175D3DCCD1}">
+              <a14:hiddenFill xmlns:a14="http://schemas.microsoft.com/office/drawing/2010/main">
+                <a:solidFill>
+                  <a:schemeClr val="accent1"/>
+                </a:solidFill>
+              </a14:hiddenFill>
+            </a:ext>
+            <a:ext uri="{91240B29-F687-4F45-9708-019B960494DF}">
+              <a14:hiddenLine xmlns:a14="http://schemas.microsoft.com/office/drawing/2010/main" w="9525">
+                <a:solidFill>
+                  <a:schemeClr val="tx1"/>
+                </a:solidFill>
+                <a:miter lim="800000"/>
+                <a:headEnd/>
+                <a:tailEnd/>
+              </a14:hiddenLine>
+            </a:ext>
+            <a:ext uri="{AF507438-7753-43E0-B8FC-AC1667EBCBE1}">
+              <a14:hiddenEffects xmlns:a14="http://schemas.microsoft.com/office/drawing/2010/main">
+                <a:effectLst>
+                  <a:outerShdw dist="35921" dir="2700000" algn="ctr" rotWithShape="0">
+                    <a:schemeClr val="bg2"/>
+                  </a:outerShdw>
+                </a:effectLst>
+              </a14:hiddenEffects>
+            </a:ext>
+          </a:extLst>
+        </p:spPr>
+      </p:pic>
       <p:sp>
         <p:nvSpPr>
-          <p:cNvPr id="3" name="Content Placeholder 2"/>
+          <p:cNvPr id="5" name="Rectangle 4"/>
+          <p:cNvSpPr/>
+          <p:nvPr/>
+        </p:nvSpPr>
+        <p:spPr>
+          <a:xfrm>
+            <a:off x="4898231" y="3212302"/>
+            <a:ext cx="416720" cy="411956"/>
+          </a:xfrm>
+          <a:prstGeom prst="rect">
+            <a:avLst/>
+          </a:prstGeom>
+          <a:noFill/>
+          <a:ln w="3175"/>
+        </p:spPr>
+        <p:style>
+          <a:lnRef idx="2">
+            <a:schemeClr val="accent1">
+              <a:shade val="50000"/>
+            </a:schemeClr>
+          </a:lnRef>
+          <a:fillRef idx="1">
+            <a:schemeClr val="accent1"/>
+          </a:fillRef>
+          <a:effectRef idx="0">
+            <a:schemeClr val="accent1"/>
+          </a:effectRef>
+          <a:fontRef idx="minor">
+            <a:schemeClr val="lt1"/>
+          </a:fontRef>
+        </p:style>
+        <p:txBody>
+          <a:bodyPr rtlCol="0" anchor="ctr"/>
+          <a:lstStyle/>
+          <a:p>
+            <a:pPr algn="ctr"/>
+            <a:endParaRPr lang="en-US"/>
+          </a:p>
+        </p:txBody>
+      </p:sp>
+      <p:grpSp>
+        <p:nvGrpSpPr>
+          <p:cNvPr id="27" name="Group 26"/>
+          <p:cNvGrpSpPr/>
+          <p:nvPr/>
+        </p:nvGrpSpPr>
+        <p:grpSpPr>
+          <a:xfrm>
+            <a:off x="3748097" y="3240885"/>
+            <a:ext cx="402423" cy="383373"/>
+            <a:chOff x="3748097" y="3240885"/>
+            <a:chExt cx="402423" cy="383373"/>
+          </a:xfrm>
+        </p:grpSpPr>
+        <p:sp>
+          <p:nvSpPr>
+            <p:cNvPr id="6" name="Rectangle 5"/>
+            <p:cNvSpPr/>
+            <p:nvPr/>
+          </p:nvSpPr>
+          <p:spPr>
+            <a:xfrm>
+              <a:off x="3748097" y="3240885"/>
+              <a:ext cx="76200" cy="76200"/>
+            </a:xfrm>
+            <a:prstGeom prst="rect">
+              <a:avLst/>
+            </a:prstGeom>
+            <a:solidFill>
+              <a:schemeClr val="tx1"/>
+            </a:solidFill>
+            <a:ln>
+              <a:solidFill>
+                <a:schemeClr val="tx1"/>
+              </a:solidFill>
+            </a:ln>
+          </p:spPr>
+          <p:style>
+            <a:lnRef idx="2">
+              <a:schemeClr val="accent1">
+                <a:shade val="50000"/>
+              </a:schemeClr>
+            </a:lnRef>
+            <a:fillRef idx="1">
+              <a:schemeClr val="accent1"/>
+            </a:fillRef>
+            <a:effectRef idx="0">
+              <a:schemeClr val="accent1"/>
+            </a:effectRef>
+            <a:fontRef idx="minor">
+              <a:schemeClr val="lt1"/>
+            </a:fontRef>
+          </p:style>
+          <p:txBody>
+            <a:bodyPr rtlCol="0" anchor="ctr"/>
+            <a:lstStyle/>
+            <a:p>
+              <a:pPr algn="ctr"/>
+              <a:endParaRPr lang="en-US"/>
+            </a:p>
+          </p:txBody>
+        </p:sp>
+        <p:sp>
+          <p:nvSpPr>
+            <p:cNvPr id="11" name="Rectangle 10"/>
+            <p:cNvSpPr/>
+            <p:nvPr/>
+          </p:nvSpPr>
+          <p:spPr>
+            <a:xfrm>
+              <a:off x="3748102" y="3548058"/>
+              <a:ext cx="76200" cy="76200"/>
+            </a:xfrm>
+            <a:prstGeom prst="rect">
+              <a:avLst/>
+            </a:prstGeom>
+            <a:solidFill>
+              <a:schemeClr val="tx1"/>
+            </a:solidFill>
+            <a:ln>
+              <a:solidFill>
+                <a:schemeClr val="tx1"/>
+              </a:solidFill>
+            </a:ln>
+          </p:spPr>
+          <p:style>
+            <a:lnRef idx="2">
+              <a:schemeClr val="accent1">
+                <a:shade val="50000"/>
+              </a:schemeClr>
+            </a:lnRef>
+            <a:fillRef idx="1">
+              <a:schemeClr val="accent1"/>
+            </a:fillRef>
+            <a:effectRef idx="0">
+              <a:schemeClr val="accent1"/>
+            </a:effectRef>
+            <a:fontRef idx="minor">
+              <a:schemeClr val="lt1"/>
+            </a:fontRef>
+          </p:style>
+          <p:txBody>
+            <a:bodyPr rtlCol="0" anchor="ctr"/>
+            <a:lstStyle/>
+            <a:p>
+              <a:pPr algn="ctr"/>
+              <a:endParaRPr lang="en-US"/>
+            </a:p>
+          </p:txBody>
+        </p:sp>
+        <p:sp>
+          <p:nvSpPr>
+            <p:cNvPr id="12" name="Rectangle 11"/>
+            <p:cNvSpPr/>
+            <p:nvPr/>
+          </p:nvSpPr>
+          <p:spPr>
+            <a:xfrm>
+              <a:off x="3748102" y="3393285"/>
+              <a:ext cx="76200" cy="76200"/>
+            </a:xfrm>
+            <a:prstGeom prst="rect">
+              <a:avLst/>
+            </a:prstGeom>
+            <a:solidFill>
+              <a:schemeClr val="tx1"/>
+            </a:solidFill>
+            <a:ln>
+              <a:solidFill>
+                <a:schemeClr val="tx1"/>
+              </a:solidFill>
+            </a:ln>
+          </p:spPr>
+          <p:style>
+            <a:lnRef idx="2">
+              <a:schemeClr val="accent1">
+                <a:shade val="50000"/>
+              </a:schemeClr>
+            </a:lnRef>
+            <a:fillRef idx="1">
+              <a:schemeClr val="accent1"/>
+            </a:fillRef>
+            <a:effectRef idx="0">
+              <a:schemeClr val="accent1"/>
+            </a:effectRef>
+            <a:fontRef idx="minor">
+              <a:schemeClr val="lt1"/>
+            </a:fontRef>
+          </p:style>
+          <p:txBody>
+            <a:bodyPr rtlCol="0" anchor="ctr"/>
+            <a:lstStyle/>
+            <a:p>
+              <a:pPr algn="ctr"/>
+              <a:endParaRPr lang="en-US"/>
+            </a:p>
+          </p:txBody>
+        </p:sp>
+        <p:cxnSp>
+          <p:nvCxnSpPr>
+            <p:cNvPr id="22" name="Straight Connector 21"/>
+            <p:cNvCxnSpPr/>
+            <p:nvPr/>
+          </p:nvCxnSpPr>
+          <p:spPr>
+            <a:xfrm>
+              <a:off x="3883820" y="3278985"/>
+              <a:ext cx="266700" cy="1"/>
+            </a:xfrm>
+            <a:prstGeom prst="line">
+              <a:avLst/>
+            </a:prstGeom>
+            <a:ln w="38100">
+              <a:solidFill>
+                <a:schemeClr val="tx1"/>
+              </a:solidFill>
+            </a:ln>
+          </p:spPr>
+          <p:style>
+            <a:lnRef idx="1">
+              <a:schemeClr val="accent1"/>
+            </a:lnRef>
+            <a:fillRef idx="0">
+              <a:schemeClr val="accent1"/>
+            </a:fillRef>
+            <a:effectRef idx="0">
+              <a:schemeClr val="accent1"/>
+            </a:effectRef>
+            <a:fontRef idx="minor">
+              <a:schemeClr val="tx1"/>
+            </a:fontRef>
+          </p:style>
+        </p:cxnSp>
+        <p:cxnSp>
+          <p:nvCxnSpPr>
+            <p:cNvPr id="28" name="Straight Connector 27"/>
+            <p:cNvCxnSpPr/>
+            <p:nvPr/>
+          </p:nvCxnSpPr>
+          <p:spPr>
+            <a:xfrm>
+              <a:off x="3883820" y="3431384"/>
+              <a:ext cx="266700" cy="1"/>
+            </a:xfrm>
+            <a:prstGeom prst="line">
+              <a:avLst/>
+            </a:prstGeom>
+            <a:ln w="38100">
+              <a:solidFill>
+                <a:schemeClr val="tx1"/>
+              </a:solidFill>
+            </a:ln>
+          </p:spPr>
+          <p:style>
+            <a:lnRef idx="1">
+              <a:schemeClr val="accent1"/>
+            </a:lnRef>
+            <a:fillRef idx="0">
+              <a:schemeClr val="accent1"/>
+            </a:fillRef>
+            <a:effectRef idx="0">
+              <a:schemeClr val="accent1"/>
+            </a:effectRef>
+            <a:fontRef idx="minor">
+              <a:schemeClr val="tx1"/>
+            </a:fontRef>
+          </p:style>
+        </p:cxnSp>
+        <p:cxnSp>
+          <p:nvCxnSpPr>
+            <p:cNvPr id="29" name="Straight Connector 28"/>
+            <p:cNvCxnSpPr/>
+            <p:nvPr/>
+          </p:nvCxnSpPr>
+          <p:spPr>
+            <a:xfrm>
+              <a:off x="3883820" y="3586158"/>
+              <a:ext cx="266700" cy="1"/>
+            </a:xfrm>
+            <a:prstGeom prst="line">
+              <a:avLst/>
+            </a:prstGeom>
+            <a:ln w="38100">
+              <a:solidFill>
+                <a:schemeClr val="tx1"/>
+              </a:solidFill>
+            </a:ln>
+          </p:spPr>
+          <p:style>
+            <a:lnRef idx="1">
+              <a:schemeClr val="accent1"/>
+            </a:lnRef>
+            <a:fillRef idx="0">
+              <a:schemeClr val="accent1"/>
+            </a:fillRef>
+            <a:effectRef idx="0">
+              <a:schemeClr val="accent1"/>
+            </a:effectRef>
+            <a:fontRef idx="minor">
+              <a:schemeClr val="tx1"/>
+            </a:fontRef>
+          </p:style>
+        </p:cxnSp>
+      </p:grpSp>
+      <p:grpSp>
+        <p:nvGrpSpPr>
+          <p:cNvPr id="41" name="Group 40"/>
+          <p:cNvGrpSpPr/>
+          <p:nvPr/>
+        </p:nvGrpSpPr>
+        <p:grpSpPr>
+          <a:xfrm>
+            <a:off x="2436033" y="3649266"/>
+            <a:ext cx="404790" cy="381000"/>
+            <a:chOff x="2436033" y="3649266"/>
+            <a:chExt cx="404790" cy="381000"/>
+          </a:xfrm>
+        </p:grpSpPr>
+        <p:grpSp>
+          <p:nvGrpSpPr>
+            <p:cNvPr id="40" name="Group 39"/>
+            <p:cNvGrpSpPr/>
+            <p:nvPr/>
+          </p:nvGrpSpPr>
+          <p:grpSpPr>
+            <a:xfrm>
+              <a:off x="2438400" y="3649266"/>
+              <a:ext cx="402423" cy="76200"/>
+              <a:chOff x="2438400" y="3649266"/>
+              <a:chExt cx="402423" cy="76200"/>
+            </a:xfrm>
+          </p:grpSpPr>
+          <p:sp>
+            <p:nvSpPr>
+              <p:cNvPr id="32" name="Rectangle 31"/>
+              <p:cNvSpPr/>
+              <p:nvPr/>
+            </p:nvSpPr>
+            <p:spPr>
+              <a:xfrm>
+                <a:off x="2438400" y="3649266"/>
+                <a:ext cx="76200" cy="76200"/>
+              </a:xfrm>
+              <a:prstGeom prst="rect">
+                <a:avLst/>
+              </a:prstGeom>
+              <a:solidFill>
+                <a:schemeClr val="tx1"/>
+              </a:solidFill>
+              <a:ln>
+                <a:solidFill>
+                  <a:schemeClr val="tx1"/>
+                </a:solidFill>
+              </a:ln>
+            </p:spPr>
+            <p:style>
+              <a:lnRef idx="2">
+                <a:schemeClr val="accent1">
+                  <a:shade val="50000"/>
+                </a:schemeClr>
+              </a:lnRef>
+              <a:fillRef idx="1">
+                <a:schemeClr val="accent1"/>
+              </a:fillRef>
+              <a:effectRef idx="0">
+                <a:schemeClr val="accent1"/>
+              </a:effectRef>
+              <a:fontRef idx="minor">
+                <a:schemeClr val="lt1"/>
+              </a:fontRef>
+            </p:style>
+            <p:txBody>
+              <a:bodyPr rtlCol="0" anchor="ctr"/>
+              <a:lstStyle/>
+              <a:p>
+                <a:pPr algn="ctr"/>
+                <a:endParaRPr lang="en-US"/>
+              </a:p>
+            </p:txBody>
+          </p:sp>
+          <p:cxnSp>
+            <p:nvCxnSpPr>
+              <p:cNvPr id="35" name="Straight Connector 34"/>
+              <p:cNvCxnSpPr/>
+              <p:nvPr/>
+            </p:nvCxnSpPr>
+            <p:spPr>
+              <a:xfrm>
+                <a:off x="2574123" y="3671886"/>
+                <a:ext cx="266700" cy="1"/>
+              </a:xfrm>
+              <a:prstGeom prst="line">
+                <a:avLst/>
+              </a:prstGeom>
+              <a:ln w="38100">
+                <a:solidFill>
+                  <a:schemeClr val="tx1"/>
+                </a:solidFill>
+              </a:ln>
+            </p:spPr>
+            <p:style>
+              <a:lnRef idx="1">
+                <a:schemeClr val="accent1"/>
+              </a:lnRef>
+              <a:fillRef idx="0">
+                <a:schemeClr val="accent1"/>
+              </a:fillRef>
+              <a:effectRef idx="0">
+                <a:schemeClr val="accent1"/>
+              </a:effectRef>
+              <a:fontRef idx="minor">
+                <a:schemeClr val="tx1"/>
+              </a:fontRef>
+            </p:style>
+          </p:cxnSp>
+          <p:cxnSp>
+            <p:nvCxnSpPr>
+              <p:cNvPr id="38" name="Straight Connector 37"/>
+              <p:cNvCxnSpPr/>
+              <p:nvPr/>
+            </p:nvCxnSpPr>
+            <p:spPr>
+              <a:xfrm>
+                <a:off x="2574115" y="3718322"/>
+                <a:ext cx="266708" cy="0"/>
+              </a:xfrm>
+              <a:prstGeom prst="line">
+                <a:avLst/>
+              </a:prstGeom>
+              <a:ln w="15875">
+                <a:solidFill>
+                  <a:schemeClr val="tx1"/>
+                </a:solidFill>
+              </a:ln>
+            </p:spPr>
+            <p:style>
+              <a:lnRef idx="1">
+                <a:schemeClr val="accent1"/>
+              </a:lnRef>
+              <a:fillRef idx="0">
+                <a:schemeClr val="accent1"/>
+              </a:fillRef>
+              <a:effectRef idx="0">
+                <a:schemeClr val="accent1"/>
+              </a:effectRef>
+              <a:fontRef idx="minor">
+                <a:schemeClr val="tx1"/>
+              </a:fontRef>
+            </p:style>
+          </p:cxnSp>
+        </p:grpSp>
+        <p:grpSp>
+          <p:nvGrpSpPr>
+            <p:cNvPr id="42" name="Group 41"/>
+            <p:cNvGrpSpPr/>
+            <p:nvPr/>
+          </p:nvGrpSpPr>
+          <p:grpSpPr>
+            <a:xfrm>
+              <a:off x="2436033" y="3801666"/>
+              <a:ext cx="402423" cy="76200"/>
+              <a:chOff x="2438400" y="3649266"/>
+              <a:chExt cx="402423" cy="76200"/>
+            </a:xfrm>
+          </p:grpSpPr>
+          <p:sp>
+            <p:nvSpPr>
+              <p:cNvPr id="43" name="Rectangle 42"/>
+              <p:cNvSpPr/>
+              <p:nvPr/>
+            </p:nvSpPr>
+            <p:spPr>
+              <a:xfrm>
+                <a:off x="2438400" y="3649266"/>
+                <a:ext cx="76200" cy="76200"/>
+              </a:xfrm>
+              <a:prstGeom prst="rect">
+                <a:avLst/>
+              </a:prstGeom>
+              <a:solidFill>
+                <a:schemeClr val="tx1"/>
+              </a:solidFill>
+              <a:ln>
+                <a:solidFill>
+                  <a:schemeClr val="tx1"/>
+                </a:solidFill>
+              </a:ln>
+            </p:spPr>
+            <p:style>
+              <a:lnRef idx="2">
+                <a:schemeClr val="accent1">
+                  <a:shade val="50000"/>
+                </a:schemeClr>
+              </a:lnRef>
+              <a:fillRef idx="1">
+                <a:schemeClr val="accent1"/>
+              </a:fillRef>
+              <a:effectRef idx="0">
+                <a:schemeClr val="accent1"/>
+              </a:effectRef>
+              <a:fontRef idx="minor">
+                <a:schemeClr val="lt1"/>
+              </a:fontRef>
+            </p:style>
+            <p:txBody>
+              <a:bodyPr rtlCol="0" anchor="ctr"/>
+              <a:lstStyle/>
+              <a:p>
+                <a:pPr algn="ctr"/>
+                <a:endParaRPr lang="en-US"/>
+              </a:p>
+            </p:txBody>
+          </p:sp>
+          <p:cxnSp>
+            <p:nvCxnSpPr>
+              <p:cNvPr id="44" name="Straight Connector 43"/>
+              <p:cNvCxnSpPr/>
+              <p:nvPr/>
+            </p:nvCxnSpPr>
+            <p:spPr>
+              <a:xfrm>
+                <a:off x="2574123" y="3671886"/>
+                <a:ext cx="266700" cy="1"/>
+              </a:xfrm>
+              <a:prstGeom prst="line">
+                <a:avLst/>
+              </a:prstGeom>
+              <a:ln w="38100">
+                <a:solidFill>
+                  <a:schemeClr val="tx1"/>
+                </a:solidFill>
+              </a:ln>
+            </p:spPr>
+            <p:style>
+              <a:lnRef idx="1">
+                <a:schemeClr val="accent1"/>
+              </a:lnRef>
+              <a:fillRef idx="0">
+                <a:schemeClr val="accent1"/>
+              </a:fillRef>
+              <a:effectRef idx="0">
+                <a:schemeClr val="accent1"/>
+              </a:effectRef>
+              <a:fontRef idx="minor">
+                <a:schemeClr val="tx1"/>
+              </a:fontRef>
+            </p:style>
+          </p:cxnSp>
+          <p:cxnSp>
+            <p:nvCxnSpPr>
+              <p:cNvPr id="45" name="Straight Connector 44"/>
+              <p:cNvCxnSpPr/>
+              <p:nvPr/>
+            </p:nvCxnSpPr>
+            <p:spPr>
+              <a:xfrm>
+                <a:off x="2574115" y="3718322"/>
+                <a:ext cx="266708" cy="0"/>
+              </a:xfrm>
+              <a:prstGeom prst="line">
+                <a:avLst/>
+              </a:prstGeom>
+              <a:ln w="15875">
+                <a:solidFill>
+                  <a:schemeClr val="tx1"/>
+                </a:solidFill>
+              </a:ln>
+            </p:spPr>
+            <p:style>
+              <a:lnRef idx="1">
+                <a:schemeClr val="accent1"/>
+              </a:lnRef>
+              <a:fillRef idx="0">
+                <a:schemeClr val="accent1"/>
+              </a:fillRef>
+              <a:effectRef idx="0">
+                <a:schemeClr val="accent1"/>
+              </a:effectRef>
+              <a:fontRef idx="minor">
+                <a:schemeClr val="tx1"/>
+              </a:fontRef>
+            </p:style>
+          </p:cxnSp>
+        </p:grpSp>
+        <p:grpSp>
+          <p:nvGrpSpPr>
+            <p:cNvPr id="50" name="Group 49"/>
+            <p:cNvGrpSpPr/>
+            <p:nvPr/>
+          </p:nvGrpSpPr>
+          <p:grpSpPr>
+            <a:xfrm>
+              <a:off x="2438400" y="3954066"/>
+              <a:ext cx="402423" cy="76200"/>
+              <a:chOff x="2438400" y="3649266"/>
+              <a:chExt cx="402423" cy="76200"/>
+            </a:xfrm>
+          </p:grpSpPr>
+          <p:sp>
+            <p:nvSpPr>
+              <p:cNvPr id="51" name="Rectangle 50"/>
+              <p:cNvSpPr/>
+              <p:nvPr/>
+            </p:nvSpPr>
+            <p:spPr>
+              <a:xfrm>
+                <a:off x="2438400" y="3649266"/>
+                <a:ext cx="76200" cy="76200"/>
+              </a:xfrm>
+              <a:prstGeom prst="rect">
+                <a:avLst/>
+              </a:prstGeom>
+              <a:solidFill>
+                <a:schemeClr val="tx1"/>
+              </a:solidFill>
+              <a:ln>
+                <a:solidFill>
+                  <a:schemeClr val="tx1"/>
+                </a:solidFill>
+              </a:ln>
+            </p:spPr>
+            <p:style>
+              <a:lnRef idx="2">
+                <a:schemeClr val="accent1">
+                  <a:shade val="50000"/>
+                </a:schemeClr>
+              </a:lnRef>
+              <a:fillRef idx="1">
+                <a:schemeClr val="accent1"/>
+              </a:fillRef>
+              <a:effectRef idx="0">
+                <a:schemeClr val="accent1"/>
+              </a:effectRef>
+              <a:fontRef idx="minor">
+                <a:schemeClr val="lt1"/>
+              </a:fontRef>
+            </p:style>
+            <p:txBody>
+              <a:bodyPr rtlCol="0" anchor="ctr"/>
+              <a:lstStyle/>
+              <a:p>
+                <a:pPr algn="ctr"/>
+                <a:endParaRPr lang="en-US"/>
+              </a:p>
+            </p:txBody>
+          </p:sp>
+          <p:cxnSp>
+            <p:nvCxnSpPr>
+              <p:cNvPr id="52" name="Straight Connector 51"/>
+              <p:cNvCxnSpPr/>
+              <p:nvPr/>
+            </p:nvCxnSpPr>
+            <p:spPr>
+              <a:xfrm>
+                <a:off x="2574123" y="3671886"/>
+                <a:ext cx="266700" cy="1"/>
+              </a:xfrm>
+              <a:prstGeom prst="line">
+                <a:avLst/>
+              </a:prstGeom>
+              <a:ln w="38100">
+                <a:solidFill>
+                  <a:schemeClr val="tx1"/>
+                </a:solidFill>
+              </a:ln>
+            </p:spPr>
+            <p:style>
+              <a:lnRef idx="1">
+                <a:schemeClr val="accent1"/>
+              </a:lnRef>
+              <a:fillRef idx="0">
+                <a:schemeClr val="accent1"/>
+              </a:fillRef>
+              <a:effectRef idx="0">
+                <a:schemeClr val="accent1"/>
+              </a:effectRef>
+              <a:fontRef idx="minor">
+                <a:schemeClr val="tx1"/>
+              </a:fontRef>
+            </p:style>
+          </p:cxnSp>
+          <p:cxnSp>
+            <p:nvCxnSpPr>
+              <p:cNvPr id="53" name="Straight Connector 52"/>
+              <p:cNvCxnSpPr/>
+              <p:nvPr/>
+            </p:nvCxnSpPr>
+            <p:spPr>
+              <a:xfrm>
+                <a:off x="2574115" y="3718322"/>
+                <a:ext cx="266708" cy="0"/>
+              </a:xfrm>
+              <a:prstGeom prst="line">
+                <a:avLst/>
+              </a:prstGeom>
+              <a:ln w="15875">
+                <a:solidFill>
+                  <a:schemeClr val="tx1"/>
+                </a:solidFill>
+              </a:ln>
+            </p:spPr>
+            <p:style>
+              <a:lnRef idx="1">
+                <a:schemeClr val="accent1"/>
+              </a:lnRef>
+              <a:fillRef idx="0">
+                <a:schemeClr val="accent1"/>
+              </a:fillRef>
+              <a:effectRef idx="0">
+                <a:schemeClr val="accent1"/>
+              </a:effectRef>
+              <a:fontRef idx="minor">
+                <a:schemeClr val="tx1"/>
+              </a:fontRef>
+            </p:style>
+          </p:cxnSp>
+        </p:grpSp>
+      </p:grpSp>
+      <p:sp>
+        <p:nvSpPr>
+          <p:cNvPr id="57" name="Rectangle 56"/>
+          <p:cNvSpPr/>
+          <p:nvPr/>
+        </p:nvSpPr>
+        <p:spPr>
+          <a:xfrm>
+            <a:off x="1352330" y="4294584"/>
+            <a:ext cx="416720" cy="411956"/>
+          </a:xfrm>
+          <a:prstGeom prst="rect">
+            <a:avLst/>
+          </a:prstGeom>
+          <a:noFill/>
+          <a:ln w="3175"/>
+        </p:spPr>
+        <p:style>
+          <a:lnRef idx="2">
+            <a:schemeClr val="accent1">
+              <a:shade val="50000"/>
+            </a:schemeClr>
+          </a:lnRef>
+          <a:fillRef idx="1">
+            <a:schemeClr val="accent1"/>
+          </a:fillRef>
+          <a:effectRef idx="0">
+            <a:schemeClr val="accent1"/>
+          </a:effectRef>
+          <a:fontRef idx="minor">
+            <a:schemeClr val="lt1"/>
+          </a:fontRef>
+        </p:style>
+        <p:txBody>
+          <a:bodyPr rtlCol="0" anchor="ctr"/>
+          <a:lstStyle/>
+          <a:p>
+            <a:pPr algn="ctr"/>
+            <a:endParaRPr lang="en-US"/>
+          </a:p>
+        </p:txBody>
+      </p:sp>
+      <p:sp>
+        <p:nvSpPr>
+          <p:cNvPr id="58" name="Flowchart: Punched Tape 57"/>
+          <p:cNvSpPr/>
+          <p:nvPr/>
+        </p:nvSpPr>
+        <p:spPr>
+          <a:xfrm>
+            <a:off x="1769050" y="4291012"/>
+            <a:ext cx="378179" cy="373856"/>
+          </a:xfrm>
+          <a:prstGeom prst="flowChartPunchedTape">
+            <a:avLst/>
+          </a:prstGeom>
+          <a:noFill/>
+          <a:ln w="28575">
+            <a:solidFill>
+              <a:schemeClr val="tx1"/>
+            </a:solidFill>
+          </a:ln>
+          <a:effectLst>
+            <a:outerShdw blurRad="44450" dist="27940" dir="5400000" algn="ctr">
+              <a:srgbClr val="000000">
+                <a:alpha val="32000"/>
+              </a:srgbClr>
+            </a:outerShdw>
+          </a:effectLst>
+          <a:scene3d>
+            <a:camera prst="orthographicFront">
+              <a:rot lat="0" lon="0" rev="0"/>
+            </a:camera>
+            <a:lightRig rig="balanced" dir="t">
+              <a:rot lat="0" lon="0" rev="8700000"/>
+            </a:lightRig>
+          </a:scene3d>
+          <a:sp3d>
+            <a:bevelT w="190500" h="38100"/>
+          </a:sp3d>
+        </p:spPr>
+        <p:style>
+          <a:lnRef idx="2">
+            <a:schemeClr val="accent1">
+              <a:shade val="50000"/>
+            </a:schemeClr>
+          </a:lnRef>
+          <a:fillRef idx="1">
+            <a:schemeClr val="accent1"/>
+          </a:fillRef>
+          <a:effectRef idx="0">
+            <a:schemeClr val="accent1"/>
+          </a:effectRef>
+          <a:fontRef idx="minor">
+            <a:schemeClr val="lt1"/>
+          </a:fontRef>
+        </p:style>
+        <p:txBody>
+          <a:bodyPr rtlCol="0" anchor="ctr"/>
+          <a:lstStyle/>
+          <a:p>
+            <a:pPr algn="ctr"/>
+            <a:endParaRPr lang="en-US" sz="2400" dirty="0"/>
+          </a:p>
+        </p:txBody>
+      </p:sp>
+      <p:grpSp>
+        <p:nvGrpSpPr>
+          <p:cNvPr id="55" name="Group 54"/>
+          <p:cNvGrpSpPr/>
+          <p:nvPr/>
+        </p:nvGrpSpPr>
+        <p:grpSpPr>
+          <a:xfrm>
+            <a:off x="3219670" y="4362450"/>
+            <a:ext cx="378179" cy="373856"/>
+            <a:chOff x="3219670" y="4362450"/>
+            <a:chExt cx="378179" cy="373856"/>
+          </a:xfrm>
+        </p:grpSpPr>
+        <p:sp>
+          <p:nvSpPr>
+            <p:cNvPr id="54" name="Flowchart: Punched Tape 53"/>
+            <p:cNvSpPr/>
+            <p:nvPr/>
+          </p:nvSpPr>
+          <p:spPr>
+            <a:xfrm>
+              <a:off x="3219670" y="4362450"/>
+              <a:ext cx="378179" cy="373856"/>
+            </a:xfrm>
+            <a:prstGeom prst="flowChartPunchedTape">
+              <a:avLst/>
+            </a:prstGeom>
+            <a:noFill/>
+            <a:ln w="28575">
+              <a:solidFill>
+                <a:schemeClr val="tx1"/>
+              </a:solidFill>
+            </a:ln>
+            <a:effectLst/>
+            <a:scene3d>
+              <a:camera prst="orthographicFront">
+                <a:rot lat="0" lon="0" rev="0"/>
+              </a:camera>
+              <a:lightRig rig="balanced" dir="t">
+                <a:rot lat="0" lon="0" rev="8700000"/>
+              </a:lightRig>
+            </a:scene3d>
+            <a:sp3d>
+              <a:bevelT w="0" h="0"/>
+            </a:sp3d>
+          </p:spPr>
+          <p:style>
+            <a:lnRef idx="2">
+              <a:schemeClr val="accent1">
+                <a:shade val="50000"/>
+              </a:schemeClr>
+            </a:lnRef>
+            <a:fillRef idx="1">
+              <a:schemeClr val="accent1"/>
+            </a:fillRef>
+            <a:effectRef idx="0">
+              <a:schemeClr val="accent1"/>
+            </a:effectRef>
+            <a:fontRef idx="minor">
+              <a:schemeClr val="lt1"/>
+            </a:fontRef>
+          </p:style>
+          <p:txBody>
+            <a:bodyPr rtlCol="0" anchor="ctr"/>
+            <a:lstStyle/>
+            <a:p>
+              <a:pPr algn="ctr"/>
+              <a:endParaRPr lang="en-US" sz="2400" dirty="0"/>
+            </a:p>
+          </p:txBody>
+        </p:sp>
+        <p:sp>
+          <p:nvSpPr>
+            <p:cNvPr id="66" name="Rectangle 65"/>
+            <p:cNvSpPr/>
+            <p:nvPr/>
+          </p:nvSpPr>
+          <p:spPr>
+            <a:xfrm>
+              <a:off x="3276600" y="4639865"/>
+              <a:ext cx="50006" cy="50006"/>
+            </a:xfrm>
+            <a:prstGeom prst="rect">
+              <a:avLst/>
+            </a:prstGeom>
+            <a:solidFill>
+              <a:schemeClr val="tx1"/>
+            </a:solidFill>
+            <a:ln>
+              <a:solidFill>
+                <a:schemeClr val="tx1"/>
+              </a:solidFill>
+            </a:ln>
+          </p:spPr>
+          <p:style>
+            <a:lnRef idx="2">
+              <a:schemeClr val="accent1">
+                <a:shade val="50000"/>
+              </a:schemeClr>
+            </a:lnRef>
+            <a:fillRef idx="1">
+              <a:schemeClr val="accent1"/>
+            </a:fillRef>
+            <a:effectRef idx="0">
+              <a:schemeClr val="accent1"/>
+            </a:effectRef>
+            <a:fontRef idx="minor">
+              <a:schemeClr val="lt1"/>
+            </a:fontRef>
+          </p:style>
+          <p:txBody>
+            <a:bodyPr rtlCol="0" anchor="ctr"/>
+            <a:lstStyle/>
+            <a:p>
+              <a:pPr algn="ctr"/>
+              <a:endParaRPr lang="en-US"/>
+            </a:p>
+          </p:txBody>
+        </p:sp>
+        <p:sp>
+          <p:nvSpPr>
+            <p:cNvPr id="72" name="Rectangle 71"/>
+            <p:cNvSpPr/>
+            <p:nvPr/>
+          </p:nvSpPr>
+          <p:spPr>
+            <a:xfrm>
+              <a:off x="3479006" y="4424361"/>
+              <a:ext cx="50006" cy="50006"/>
+            </a:xfrm>
+            <a:prstGeom prst="rect">
+              <a:avLst/>
+            </a:prstGeom>
+            <a:solidFill>
+              <a:schemeClr val="tx1"/>
+            </a:solidFill>
+            <a:ln>
+              <a:solidFill>
+                <a:schemeClr val="tx1"/>
+              </a:solidFill>
+            </a:ln>
+          </p:spPr>
+          <p:style>
+            <a:lnRef idx="2">
+              <a:schemeClr val="accent1">
+                <a:shade val="50000"/>
+              </a:schemeClr>
+            </a:lnRef>
+            <a:fillRef idx="1">
+              <a:schemeClr val="accent1"/>
+            </a:fillRef>
+            <a:effectRef idx="0">
+              <a:schemeClr val="accent1"/>
+            </a:effectRef>
+            <a:fontRef idx="minor">
+              <a:schemeClr val="lt1"/>
+            </a:fontRef>
+          </p:style>
+          <p:txBody>
+            <a:bodyPr rtlCol="0" anchor="ctr"/>
+            <a:lstStyle/>
+            <a:p>
+              <a:pPr algn="ctr"/>
+              <a:endParaRPr lang="en-US"/>
+            </a:p>
+          </p:txBody>
+        </p:sp>
+        <p:sp>
+          <p:nvSpPr>
+            <p:cNvPr id="73" name="Rectangle 72"/>
+            <p:cNvSpPr/>
+            <p:nvPr/>
+          </p:nvSpPr>
+          <p:spPr>
+            <a:xfrm>
+              <a:off x="3226994" y="4477940"/>
+              <a:ext cx="45719" cy="48815"/>
+            </a:xfrm>
+            <a:prstGeom prst="rect">
+              <a:avLst/>
+            </a:prstGeom>
+            <a:solidFill>
+              <a:schemeClr val="tx1"/>
+            </a:solidFill>
+            <a:ln>
+              <a:solidFill>
+                <a:schemeClr val="tx1"/>
+              </a:solidFill>
+            </a:ln>
+          </p:spPr>
+          <p:style>
+            <a:lnRef idx="2">
+              <a:schemeClr val="accent1">
+                <a:shade val="50000"/>
+              </a:schemeClr>
+            </a:lnRef>
+            <a:fillRef idx="1">
+              <a:schemeClr val="accent1"/>
+            </a:fillRef>
+            <a:effectRef idx="0">
+              <a:schemeClr val="accent1"/>
+            </a:effectRef>
+            <a:fontRef idx="minor">
+              <a:schemeClr val="lt1"/>
+            </a:fontRef>
+          </p:style>
+          <p:txBody>
+            <a:bodyPr rtlCol="0" anchor="ctr"/>
+            <a:lstStyle/>
+            <a:p>
+              <a:pPr algn="ctr"/>
+              <a:endParaRPr lang="en-US"/>
+            </a:p>
+          </p:txBody>
+        </p:sp>
+        <p:sp>
+          <p:nvSpPr>
+            <p:cNvPr id="74" name="Rectangle 73"/>
+            <p:cNvSpPr/>
+            <p:nvPr/>
+          </p:nvSpPr>
+          <p:spPr>
+            <a:xfrm>
+              <a:off x="3378993" y="4524375"/>
+              <a:ext cx="50006" cy="50006"/>
+            </a:xfrm>
+            <a:prstGeom prst="rect">
+              <a:avLst/>
+            </a:prstGeom>
+            <a:solidFill>
+              <a:schemeClr val="tx1"/>
+            </a:solidFill>
+            <a:ln>
+              <a:solidFill>
+                <a:schemeClr val="tx1"/>
+              </a:solidFill>
+            </a:ln>
+          </p:spPr>
+          <p:style>
+            <a:lnRef idx="2">
+              <a:schemeClr val="accent1">
+                <a:shade val="50000"/>
+              </a:schemeClr>
+            </a:lnRef>
+            <a:fillRef idx="1">
+              <a:schemeClr val="accent1"/>
+            </a:fillRef>
+            <a:effectRef idx="0">
+              <a:schemeClr val="accent1"/>
+            </a:effectRef>
+            <a:fontRef idx="minor">
+              <a:schemeClr val="lt1"/>
+            </a:fontRef>
+          </p:style>
+          <p:txBody>
+            <a:bodyPr rtlCol="0" anchor="ctr"/>
+            <a:lstStyle/>
+            <a:p>
+              <a:pPr algn="ctr"/>
+              <a:endParaRPr lang="en-US"/>
+            </a:p>
+          </p:txBody>
+        </p:sp>
+        <p:sp>
+          <p:nvSpPr>
+            <p:cNvPr id="75" name="Rectangle 74"/>
+            <p:cNvSpPr/>
+            <p:nvPr/>
+          </p:nvSpPr>
+          <p:spPr>
+            <a:xfrm>
+              <a:off x="3543520" y="4564856"/>
+              <a:ext cx="50006" cy="50006"/>
+            </a:xfrm>
+            <a:prstGeom prst="rect">
+              <a:avLst/>
+            </a:prstGeom>
+            <a:solidFill>
+              <a:schemeClr val="tx1"/>
+            </a:solidFill>
+            <a:ln>
+              <a:solidFill>
+                <a:schemeClr val="tx1"/>
+              </a:solidFill>
+            </a:ln>
+          </p:spPr>
+          <p:style>
+            <a:lnRef idx="2">
+              <a:schemeClr val="accent1">
+                <a:shade val="50000"/>
+              </a:schemeClr>
+            </a:lnRef>
+            <a:fillRef idx="1">
+              <a:schemeClr val="accent1"/>
+            </a:fillRef>
+            <a:effectRef idx="0">
+              <a:schemeClr val="accent1"/>
+            </a:effectRef>
+            <a:fontRef idx="minor">
+              <a:schemeClr val="lt1"/>
+            </a:fontRef>
+          </p:style>
+          <p:txBody>
+            <a:bodyPr rtlCol="0" anchor="ctr"/>
+            <a:lstStyle/>
+            <a:p>
+              <a:pPr algn="ctr"/>
+              <a:endParaRPr lang="en-US"/>
+            </a:p>
+          </p:txBody>
+        </p:sp>
+      </p:grpSp>
+      <p:grpSp>
+        <p:nvGrpSpPr>
+          <p:cNvPr id="112" name="Group 111"/>
+          <p:cNvGrpSpPr/>
+          <p:nvPr/>
+        </p:nvGrpSpPr>
+        <p:grpSpPr>
+          <a:xfrm>
+            <a:off x="2743200" y="4898231"/>
+            <a:ext cx="378179" cy="373856"/>
+            <a:chOff x="3219670" y="4362450"/>
+            <a:chExt cx="378179" cy="373856"/>
+          </a:xfrm>
+        </p:grpSpPr>
+        <p:sp>
+          <p:nvSpPr>
+            <p:cNvPr id="113" name="Flowchart: Punched Tape 112"/>
+            <p:cNvSpPr/>
+            <p:nvPr/>
+          </p:nvSpPr>
+          <p:spPr>
+            <a:xfrm>
+              <a:off x="3219670" y="4362450"/>
+              <a:ext cx="378179" cy="373856"/>
+            </a:xfrm>
+            <a:prstGeom prst="flowChartPunchedTape">
+              <a:avLst/>
+            </a:prstGeom>
+            <a:noFill/>
+            <a:ln w="28575">
+              <a:solidFill>
+                <a:schemeClr val="tx1"/>
+              </a:solidFill>
+            </a:ln>
+            <a:effectLst/>
+            <a:scene3d>
+              <a:camera prst="orthographicFront">
+                <a:rot lat="0" lon="0" rev="0"/>
+              </a:camera>
+              <a:lightRig rig="balanced" dir="t">
+                <a:rot lat="0" lon="0" rev="8700000"/>
+              </a:lightRig>
+            </a:scene3d>
+            <a:sp3d>
+              <a:bevelT w="0" h="0"/>
+            </a:sp3d>
+          </p:spPr>
+          <p:style>
+            <a:lnRef idx="2">
+              <a:schemeClr val="accent1">
+                <a:shade val="50000"/>
+              </a:schemeClr>
+            </a:lnRef>
+            <a:fillRef idx="1">
+              <a:schemeClr val="accent1"/>
+            </a:fillRef>
+            <a:effectRef idx="0">
+              <a:schemeClr val="accent1"/>
+            </a:effectRef>
+            <a:fontRef idx="minor">
+              <a:schemeClr val="lt1"/>
+            </a:fontRef>
+          </p:style>
+          <p:txBody>
+            <a:bodyPr rtlCol="0" anchor="ctr"/>
+            <a:lstStyle/>
+            <a:p>
+              <a:pPr algn="ctr"/>
+              <a:endParaRPr lang="en-US" sz="2400" dirty="0"/>
+            </a:p>
+          </p:txBody>
+        </p:sp>
+        <p:sp>
+          <p:nvSpPr>
+            <p:cNvPr id="114" name="Rectangle 113"/>
+            <p:cNvSpPr/>
+            <p:nvPr/>
+          </p:nvSpPr>
+          <p:spPr>
+            <a:xfrm>
+              <a:off x="3276600" y="4639865"/>
+              <a:ext cx="50006" cy="50006"/>
+            </a:xfrm>
+            <a:prstGeom prst="rect">
+              <a:avLst/>
+            </a:prstGeom>
+            <a:solidFill>
+              <a:schemeClr val="tx1"/>
+            </a:solidFill>
+            <a:ln>
+              <a:solidFill>
+                <a:schemeClr val="tx1"/>
+              </a:solidFill>
+            </a:ln>
+          </p:spPr>
+          <p:style>
+            <a:lnRef idx="2">
+              <a:schemeClr val="accent1">
+                <a:shade val="50000"/>
+              </a:schemeClr>
+            </a:lnRef>
+            <a:fillRef idx="1">
+              <a:schemeClr val="accent1"/>
+            </a:fillRef>
+            <a:effectRef idx="0">
+              <a:schemeClr val="accent1"/>
+            </a:effectRef>
+            <a:fontRef idx="minor">
+              <a:schemeClr val="lt1"/>
+            </a:fontRef>
+          </p:style>
+          <p:txBody>
+            <a:bodyPr rtlCol="0" anchor="ctr"/>
+            <a:lstStyle/>
+            <a:p>
+              <a:pPr algn="ctr"/>
+              <a:endParaRPr lang="en-US"/>
+            </a:p>
+          </p:txBody>
+        </p:sp>
+        <p:sp>
+          <p:nvSpPr>
+            <p:cNvPr id="115" name="Rectangle 114"/>
+            <p:cNvSpPr/>
+            <p:nvPr/>
+          </p:nvSpPr>
+          <p:spPr>
+            <a:xfrm>
+              <a:off x="3479006" y="4424361"/>
+              <a:ext cx="50006" cy="50006"/>
+            </a:xfrm>
+            <a:prstGeom prst="rect">
+              <a:avLst/>
+            </a:prstGeom>
+            <a:solidFill>
+              <a:schemeClr val="tx1"/>
+            </a:solidFill>
+            <a:ln>
+              <a:solidFill>
+                <a:schemeClr val="tx1"/>
+              </a:solidFill>
+            </a:ln>
+          </p:spPr>
+          <p:style>
+            <a:lnRef idx="2">
+              <a:schemeClr val="accent1">
+                <a:shade val="50000"/>
+              </a:schemeClr>
+            </a:lnRef>
+            <a:fillRef idx="1">
+              <a:schemeClr val="accent1"/>
+            </a:fillRef>
+            <a:effectRef idx="0">
+              <a:schemeClr val="accent1"/>
+            </a:effectRef>
+            <a:fontRef idx="minor">
+              <a:schemeClr val="lt1"/>
+            </a:fontRef>
+          </p:style>
+          <p:txBody>
+            <a:bodyPr rtlCol="0" anchor="ctr"/>
+            <a:lstStyle/>
+            <a:p>
+              <a:pPr algn="ctr"/>
+              <a:endParaRPr lang="en-US"/>
+            </a:p>
+          </p:txBody>
+        </p:sp>
+        <p:sp>
+          <p:nvSpPr>
+            <p:cNvPr id="116" name="Rectangle 115"/>
+            <p:cNvSpPr/>
+            <p:nvPr/>
+          </p:nvSpPr>
+          <p:spPr>
+            <a:xfrm>
+              <a:off x="3226994" y="4477940"/>
+              <a:ext cx="45719" cy="48815"/>
+            </a:xfrm>
+            <a:prstGeom prst="rect">
+              <a:avLst/>
+            </a:prstGeom>
+            <a:solidFill>
+              <a:schemeClr val="tx1"/>
+            </a:solidFill>
+            <a:ln>
+              <a:solidFill>
+                <a:schemeClr val="tx1"/>
+              </a:solidFill>
+            </a:ln>
+          </p:spPr>
+          <p:style>
+            <a:lnRef idx="2">
+              <a:schemeClr val="accent1">
+                <a:shade val="50000"/>
+              </a:schemeClr>
+            </a:lnRef>
+            <a:fillRef idx="1">
+              <a:schemeClr val="accent1"/>
+            </a:fillRef>
+            <a:effectRef idx="0">
+              <a:schemeClr val="accent1"/>
+            </a:effectRef>
+            <a:fontRef idx="minor">
+              <a:schemeClr val="lt1"/>
+            </a:fontRef>
+          </p:style>
+          <p:txBody>
+            <a:bodyPr rtlCol="0" anchor="ctr"/>
+            <a:lstStyle/>
+            <a:p>
+              <a:pPr algn="ctr"/>
+              <a:endParaRPr lang="en-US"/>
+            </a:p>
+          </p:txBody>
+        </p:sp>
+        <p:sp>
+          <p:nvSpPr>
+            <p:cNvPr id="117" name="Rectangle 116"/>
+            <p:cNvSpPr/>
+            <p:nvPr/>
+          </p:nvSpPr>
+          <p:spPr>
+            <a:xfrm>
+              <a:off x="3378993" y="4524375"/>
+              <a:ext cx="50006" cy="50006"/>
+            </a:xfrm>
+            <a:prstGeom prst="rect">
+              <a:avLst/>
+            </a:prstGeom>
+            <a:solidFill>
+              <a:schemeClr val="tx1"/>
+            </a:solidFill>
+            <a:ln>
+              <a:solidFill>
+                <a:schemeClr val="tx1"/>
+              </a:solidFill>
+            </a:ln>
+          </p:spPr>
+          <p:style>
+            <a:lnRef idx="2">
+              <a:schemeClr val="accent1">
+                <a:shade val="50000"/>
+              </a:schemeClr>
+            </a:lnRef>
+            <a:fillRef idx="1">
+              <a:schemeClr val="accent1"/>
+            </a:fillRef>
+            <a:effectRef idx="0">
+              <a:schemeClr val="accent1"/>
+            </a:effectRef>
+            <a:fontRef idx="minor">
+              <a:schemeClr val="lt1"/>
+            </a:fontRef>
+          </p:style>
+          <p:txBody>
+            <a:bodyPr rtlCol="0" anchor="ctr"/>
+            <a:lstStyle/>
+            <a:p>
+              <a:pPr algn="ctr"/>
+              <a:endParaRPr lang="en-US"/>
+            </a:p>
+          </p:txBody>
+        </p:sp>
+        <p:sp>
+          <p:nvSpPr>
+            <p:cNvPr id="118" name="Rectangle 117"/>
+            <p:cNvSpPr/>
+            <p:nvPr/>
+          </p:nvSpPr>
+          <p:spPr>
+            <a:xfrm>
+              <a:off x="3543520" y="4564856"/>
+              <a:ext cx="50006" cy="50006"/>
+            </a:xfrm>
+            <a:prstGeom prst="rect">
+              <a:avLst/>
+            </a:prstGeom>
+            <a:solidFill>
+              <a:schemeClr val="tx1"/>
+            </a:solidFill>
+            <a:ln>
+              <a:solidFill>
+                <a:schemeClr val="tx1"/>
+              </a:solidFill>
+            </a:ln>
+          </p:spPr>
+          <p:style>
+            <a:lnRef idx="2">
+              <a:schemeClr val="accent1">
+                <a:shade val="50000"/>
+              </a:schemeClr>
+            </a:lnRef>
+            <a:fillRef idx="1">
+              <a:schemeClr val="accent1"/>
+            </a:fillRef>
+            <a:effectRef idx="0">
+              <a:schemeClr val="accent1"/>
+            </a:effectRef>
+            <a:fontRef idx="minor">
+              <a:schemeClr val="lt1"/>
+            </a:fontRef>
+          </p:style>
+          <p:txBody>
+            <a:bodyPr rtlCol="0" anchor="ctr"/>
+            <a:lstStyle/>
+            <a:p>
+              <a:pPr algn="ctr"/>
+              <a:endParaRPr lang="en-US"/>
+            </a:p>
+          </p:txBody>
+        </p:sp>
+      </p:grpSp>
+      <p:sp>
+        <p:nvSpPr>
+          <p:cNvPr id="4120" name="Freeform 4119"/>
+          <p:cNvSpPr/>
+          <p:nvPr/>
+        </p:nvSpPr>
+        <p:spPr>
+          <a:xfrm>
+            <a:off x="2757049" y="5098256"/>
+            <a:ext cx="321468" cy="95250"/>
+          </a:xfrm>
+          <a:custGeom>
+            <a:avLst/>
+            <a:gdLst>
+              <a:gd name="connsiteX0" fmla="*/ 321468 w 321468"/>
+              <a:gd name="connsiteY0" fmla="*/ 28575 h 95250"/>
+              <a:gd name="connsiteX1" fmla="*/ 300037 w 321468"/>
+              <a:gd name="connsiteY1" fmla="*/ 23813 h 95250"/>
+              <a:gd name="connsiteX2" fmla="*/ 292893 w 321468"/>
+              <a:gd name="connsiteY2" fmla="*/ 21431 h 95250"/>
+              <a:gd name="connsiteX3" fmla="*/ 283368 w 321468"/>
+              <a:gd name="connsiteY3" fmla="*/ 19050 h 95250"/>
+              <a:gd name="connsiteX4" fmla="*/ 276225 w 321468"/>
+              <a:gd name="connsiteY4" fmla="*/ 16669 h 95250"/>
+              <a:gd name="connsiteX5" fmla="*/ 252412 w 321468"/>
+              <a:gd name="connsiteY5" fmla="*/ 9525 h 95250"/>
+              <a:gd name="connsiteX6" fmla="*/ 230981 w 321468"/>
+              <a:gd name="connsiteY6" fmla="*/ 2381 h 95250"/>
+              <a:gd name="connsiteX7" fmla="*/ 223837 w 321468"/>
+              <a:gd name="connsiteY7" fmla="*/ 0 h 95250"/>
+              <a:gd name="connsiteX8" fmla="*/ 138112 w 321468"/>
+              <a:gd name="connsiteY8" fmla="*/ 2381 h 95250"/>
+              <a:gd name="connsiteX9" fmla="*/ 130968 w 321468"/>
+              <a:gd name="connsiteY9" fmla="*/ 4763 h 95250"/>
+              <a:gd name="connsiteX10" fmla="*/ 114300 w 321468"/>
+              <a:gd name="connsiteY10" fmla="*/ 9525 h 95250"/>
+              <a:gd name="connsiteX11" fmla="*/ 109537 w 321468"/>
+              <a:gd name="connsiteY11" fmla="*/ 16669 h 95250"/>
+              <a:gd name="connsiteX12" fmla="*/ 102393 w 321468"/>
+              <a:gd name="connsiteY12" fmla="*/ 21431 h 95250"/>
+              <a:gd name="connsiteX13" fmla="*/ 100012 w 321468"/>
+              <a:gd name="connsiteY13" fmla="*/ 28575 h 95250"/>
+              <a:gd name="connsiteX14" fmla="*/ 88106 w 321468"/>
+              <a:gd name="connsiteY14" fmla="*/ 40481 h 95250"/>
+              <a:gd name="connsiteX15" fmla="*/ 76200 w 321468"/>
+              <a:gd name="connsiteY15" fmla="*/ 61913 h 95250"/>
+              <a:gd name="connsiteX16" fmla="*/ 71437 w 321468"/>
+              <a:gd name="connsiteY16" fmla="*/ 69056 h 95250"/>
+              <a:gd name="connsiteX17" fmla="*/ 59531 w 321468"/>
+              <a:gd name="connsiteY17" fmla="*/ 90488 h 95250"/>
+              <a:gd name="connsiteX18" fmla="*/ 52387 w 321468"/>
+              <a:gd name="connsiteY18" fmla="*/ 95250 h 95250"/>
+              <a:gd name="connsiteX19" fmla="*/ 19050 w 321468"/>
+              <a:gd name="connsiteY19" fmla="*/ 92869 h 95250"/>
+              <a:gd name="connsiteX20" fmla="*/ 4762 w 321468"/>
+              <a:gd name="connsiteY20" fmla="*/ 85725 h 95250"/>
+              <a:gd name="connsiteX21" fmla="*/ 0 w 321468"/>
+              <a:gd name="connsiteY21" fmla="*/ 83344 h 95250"/>
+            </a:gdLst>
+            <a:ahLst/>
+            <a:cxnLst>
+              <a:cxn ang="0">
+                <a:pos x="connsiteX0" y="connsiteY0"/>
+              </a:cxn>
+              <a:cxn ang="0">
+                <a:pos x="connsiteX1" y="connsiteY1"/>
+              </a:cxn>
+              <a:cxn ang="0">
+                <a:pos x="connsiteX2" y="connsiteY2"/>
+              </a:cxn>
+              <a:cxn ang="0">
+                <a:pos x="connsiteX3" y="connsiteY3"/>
+              </a:cxn>
+              <a:cxn ang="0">
+                <a:pos x="connsiteX4" y="connsiteY4"/>
+              </a:cxn>
+              <a:cxn ang="0">
+                <a:pos x="connsiteX5" y="connsiteY5"/>
+              </a:cxn>
+              <a:cxn ang="0">
+                <a:pos x="connsiteX6" y="connsiteY6"/>
+              </a:cxn>
+              <a:cxn ang="0">
+                <a:pos x="connsiteX7" y="connsiteY7"/>
+              </a:cxn>
+              <a:cxn ang="0">
+                <a:pos x="connsiteX8" y="connsiteY8"/>
+              </a:cxn>
+              <a:cxn ang="0">
+                <a:pos x="connsiteX9" y="connsiteY9"/>
+              </a:cxn>
+              <a:cxn ang="0">
+                <a:pos x="connsiteX10" y="connsiteY10"/>
+              </a:cxn>
+              <a:cxn ang="0">
+                <a:pos x="connsiteX11" y="connsiteY11"/>
+              </a:cxn>
+              <a:cxn ang="0">
+                <a:pos x="connsiteX12" y="connsiteY12"/>
+              </a:cxn>
+              <a:cxn ang="0">
+                <a:pos x="connsiteX13" y="connsiteY13"/>
+              </a:cxn>
+              <a:cxn ang="0">
+                <a:pos x="connsiteX14" y="connsiteY14"/>
+              </a:cxn>
+              <a:cxn ang="0">
+                <a:pos x="connsiteX15" y="connsiteY15"/>
+              </a:cxn>
+              <a:cxn ang="0">
+                <a:pos x="connsiteX16" y="connsiteY16"/>
+              </a:cxn>
+              <a:cxn ang="0">
+                <a:pos x="connsiteX17" y="connsiteY17"/>
+              </a:cxn>
+              <a:cxn ang="0">
+                <a:pos x="connsiteX18" y="connsiteY18"/>
+              </a:cxn>
+              <a:cxn ang="0">
+                <a:pos x="connsiteX19" y="connsiteY19"/>
+              </a:cxn>
+              <a:cxn ang="0">
+                <a:pos x="connsiteX20" y="connsiteY20"/>
+              </a:cxn>
+              <a:cxn ang="0">
+                <a:pos x="connsiteX21" y="connsiteY21"/>
+              </a:cxn>
+            </a:cxnLst>
+            <a:rect l="l" t="t" r="r" b="b"/>
+            <a:pathLst>
+              <a:path w="321468" h="95250">
+                <a:moveTo>
+                  <a:pt x="321468" y="28575"/>
+                </a:moveTo>
+                <a:cubicBezTo>
+                  <a:pt x="313291" y="26940"/>
+                  <a:pt x="307878" y="26054"/>
+                  <a:pt x="300037" y="23813"/>
+                </a:cubicBezTo>
+                <a:cubicBezTo>
+                  <a:pt x="297623" y="23123"/>
+                  <a:pt x="295307" y="22121"/>
+                  <a:pt x="292893" y="21431"/>
+                </a:cubicBezTo>
+                <a:cubicBezTo>
+                  <a:pt x="289746" y="20532"/>
+                  <a:pt x="286515" y="19949"/>
+                  <a:pt x="283368" y="19050"/>
+                </a:cubicBezTo>
+                <a:cubicBezTo>
+                  <a:pt x="280955" y="18361"/>
+                  <a:pt x="278638" y="17358"/>
+                  <a:pt x="276225" y="16669"/>
+                </a:cubicBezTo>
+                <a:cubicBezTo>
+                  <a:pt x="251029" y="9470"/>
+                  <a:pt x="286374" y="20846"/>
+                  <a:pt x="252412" y="9525"/>
+                </a:cubicBezTo>
+                <a:lnTo>
+                  <a:pt x="230981" y="2381"/>
+                </a:lnTo>
+                <a:lnTo>
+                  <a:pt x="223837" y="0"/>
+                </a:lnTo>
+                <a:cubicBezTo>
+                  <a:pt x="195262" y="794"/>
+                  <a:pt x="166660" y="917"/>
+                  <a:pt x="138112" y="2381"/>
+                </a:cubicBezTo>
+                <a:cubicBezTo>
+                  <a:pt x="135605" y="2510"/>
+                  <a:pt x="133382" y="4073"/>
+                  <a:pt x="130968" y="4763"/>
+                </a:cubicBezTo>
+                <a:cubicBezTo>
+                  <a:pt x="110020" y="10749"/>
+                  <a:pt x="131440" y="3812"/>
+                  <a:pt x="114300" y="9525"/>
+                </a:cubicBezTo>
+                <a:cubicBezTo>
+                  <a:pt x="112712" y="11906"/>
+                  <a:pt x="111561" y="14645"/>
+                  <a:pt x="109537" y="16669"/>
+                </a:cubicBezTo>
+                <a:cubicBezTo>
+                  <a:pt x="107513" y="18693"/>
+                  <a:pt x="104181" y="19196"/>
+                  <a:pt x="102393" y="21431"/>
+                </a:cubicBezTo>
+                <a:cubicBezTo>
+                  <a:pt x="100825" y="23391"/>
+                  <a:pt x="101134" y="26330"/>
+                  <a:pt x="100012" y="28575"/>
+                </a:cubicBezTo>
+                <a:cubicBezTo>
+                  <a:pt x="96043" y="36513"/>
+                  <a:pt x="95251" y="35719"/>
+                  <a:pt x="88106" y="40481"/>
+                </a:cubicBezTo>
+                <a:cubicBezTo>
+                  <a:pt x="83916" y="53054"/>
+                  <a:pt x="87116" y="45539"/>
+                  <a:pt x="76200" y="61913"/>
+                </a:cubicBezTo>
+                <a:lnTo>
+                  <a:pt x="71437" y="69056"/>
+                </a:lnTo>
+                <a:cubicBezTo>
+                  <a:pt x="68956" y="76500"/>
+                  <a:pt x="66549" y="85810"/>
+                  <a:pt x="59531" y="90488"/>
+                </a:cubicBezTo>
+                <a:lnTo>
+                  <a:pt x="52387" y="95250"/>
+                </a:lnTo>
+                <a:cubicBezTo>
+                  <a:pt x="41275" y="94456"/>
+                  <a:pt x="30114" y="94171"/>
+                  <a:pt x="19050" y="92869"/>
+                </a:cubicBezTo>
+                <a:cubicBezTo>
+                  <a:pt x="12479" y="92096"/>
+                  <a:pt x="10245" y="89015"/>
+                  <a:pt x="4762" y="85725"/>
+                </a:cubicBezTo>
+                <a:cubicBezTo>
+                  <a:pt x="3240" y="84812"/>
+                  <a:pt x="1587" y="84138"/>
+                  <a:pt x="0" y="83344"/>
+                </a:cubicBezTo>
+              </a:path>
+            </a:pathLst>
+          </a:custGeom>
+          <a:noFill/>
+          <a:ln w="9525">
+            <a:solidFill>
+              <a:schemeClr val="tx1"/>
+            </a:solidFill>
+            <a:prstDash val="sysDot"/>
+          </a:ln>
+          <a:effectLst/>
+        </p:spPr>
+        <p:style>
+          <a:lnRef idx="2">
+            <a:schemeClr val="accent1">
+              <a:shade val="50000"/>
+            </a:schemeClr>
+          </a:lnRef>
+          <a:fillRef idx="1">
+            <a:schemeClr val="accent1"/>
+          </a:fillRef>
+          <a:effectRef idx="0">
+            <a:schemeClr val="accent1"/>
+          </a:effectRef>
+          <a:fontRef idx="minor">
+            <a:schemeClr val="lt1"/>
+          </a:fontRef>
+        </p:style>
+        <p:txBody>
+          <a:bodyPr rtlCol="0" anchor="ctr"/>
+          <a:lstStyle/>
+          <a:p>
+            <a:pPr algn="ctr"/>
+            <a:endParaRPr lang="en-US"/>
+          </a:p>
+        </p:txBody>
+      </p:sp>
+      <p:sp>
+        <p:nvSpPr>
+          <p:cNvPr id="4121" name="Freeform 4120"/>
+          <p:cNvSpPr/>
+          <p:nvPr/>
+        </p:nvSpPr>
+        <p:spPr>
+          <a:xfrm>
+            <a:off x="2892780" y="4976812"/>
+            <a:ext cx="16669" cy="276225"/>
+          </a:xfrm>
+          <a:custGeom>
+            <a:avLst/>
+            <a:gdLst>
+              <a:gd name="connsiteX0" fmla="*/ 0 w 16669"/>
+              <a:gd name="connsiteY0" fmla="*/ 0 h 276225"/>
+              <a:gd name="connsiteX1" fmla="*/ 4762 w 16669"/>
+              <a:gd name="connsiteY1" fmla="*/ 11907 h 276225"/>
+              <a:gd name="connsiteX2" fmla="*/ 7144 w 16669"/>
+              <a:gd name="connsiteY2" fmla="*/ 19050 h 276225"/>
+              <a:gd name="connsiteX3" fmla="*/ 11906 w 16669"/>
+              <a:gd name="connsiteY3" fmla="*/ 26194 h 276225"/>
+              <a:gd name="connsiteX4" fmla="*/ 16669 w 16669"/>
+              <a:gd name="connsiteY4" fmla="*/ 40482 h 276225"/>
+              <a:gd name="connsiteX5" fmla="*/ 14287 w 16669"/>
+              <a:gd name="connsiteY5" fmla="*/ 154782 h 276225"/>
+              <a:gd name="connsiteX6" fmla="*/ 11906 w 16669"/>
+              <a:gd name="connsiteY6" fmla="*/ 190500 h 276225"/>
+              <a:gd name="connsiteX7" fmla="*/ 7144 w 16669"/>
+              <a:gd name="connsiteY7" fmla="*/ 204788 h 276225"/>
+              <a:gd name="connsiteX8" fmla="*/ 4762 w 16669"/>
+              <a:gd name="connsiteY8" fmla="*/ 211932 h 276225"/>
+              <a:gd name="connsiteX9" fmla="*/ 9525 w 16669"/>
+              <a:gd name="connsiteY9" fmla="*/ 242888 h 276225"/>
+              <a:gd name="connsiteX10" fmla="*/ 11906 w 16669"/>
+              <a:gd name="connsiteY10" fmla="*/ 250032 h 276225"/>
+              <a:gd name="connsiteX11" fmla="*/ 14287 w 16669"/>
+              <a:gd name="connsiteY11" fmla="*/ 261938 h 276225"/>
+              <a:gd name="connsiteX12" fmla="*/ 16669 w 16669"/>
+              <a:gd name="connsiteY12" fmla="*/ 271463 h 276225"/>
+              <a:gd name="connsiteX13" fmla="*/ 14287 w 16669"/>
+              <a:gd name="connsiteY13" fmla="*/ 276225 h 276225"/>
+            </a:gdLst>
+            <a:ahLst/>
+            <a:cxnLst>
+              <a:cxn ang="0">
+                <a:pos x="connsiteX0" y="connsiteY0"/>
+              </a:cxn>
+              <a:cxn ang="0">
+                <a:pos x="connsiteX1" y="connsiteY1"/>
+              </a:cxn>
+              <a:cxn ang="0">
+                <a:pos x="connsiteX2" y="connsiteY2"/>
+              </a:cxn>
+              <a:cxn ang="0">
+                <a:pos x="connsiteX3" y="connsiteY3"/>
+              </a:cxn>
+              <a:cxn ang="0">
+                <a:pos x="connsiteX4" y="connsiteY4"/>
+              </a:cxn>
+              <a:cxn ang="0">
+                <a:pos x="connsiteX5" y="connsiteY5"/>
+              </a:cxn>
+              <a:cxn ang="0">
+                <a:pos x="connsiteX6" y="connsiteY6"/>
+              </a:cxn>
+              <a:cxn ang="0">
+                <a:pos x="connsiteX7" y="connsiteY7"/>
+              </a:cxn>
+              <a:cxn ang="0">
+                <a:pos x="connsiteX8" y="connsiteY8"/>
+              </a:cxn>
+              <a:cxn ang="0">
+                <a:pos x="connsiteX9" y="connsiteY9"/>
+              </a:cxn>
+              <a:cxn ang="0">
+                <a:pos x="connsiteX10" y="connsiteY10"/>
+              </a:cxn>
+              <a:cxn ang="0">
+                <a:pos x="connsiteX11" y="connsiteY11"/>
+              </a:cxn>
+              <a:cxn ang="0">
+                <a:pos x="connsiteX12" y="connsiteY12"/>
+              </a:cxn>
+              <a:cxn ang="0">
+                <a:pos x="connsiteX13" y="connsiteY13"/>
+              </a:cxn>
+            </a:cxnLst>
+            <a:rect l="l" t="t" r="r" b="b"/>
+            <a:pathLst>
+              <a:path w="16669" h="276225">
+                <a:moveTo>
+                  <a:pt x="0" y="0"/>
+                </a:moveTo>
+                <a:cubicBezTo>
+                  <a:pt x="1587" y="3969"/>
+                  <a:pt x="3261" y="7905"/>
+                  <a:pt x="4762" y="11907"/>
+                </a:cubicBezTo>
+                <a:cubicBezTo>
+                  <a:pt x="5643" y="14257"/>
+                  <a:pt x="6021" y="16805"/>
+                  <a:pt x="7144" y="19050"/>
+                </a:cubicBezTo>
+                <a:cubicBezTo>
+                  <a:pt x="8424" y="21610"/>
+                  <a:pt x="10744" y="23579"/>
+                  <a:pt x="11906" y="26194"/>
+                </a:cubicBezTo>
+                <a:cubicBezTo>
+                  <a:pt x="13945" y="30782"/>
+                  <a:pt x="16669" y="40482"/>
+                  <a:pt x="16669" y="40482"/>
+                </a:cubicBezTo>
+                <a:cubicBezTo>
+                  <a:pt x="15875" y="78582"/>
+                  <a:pt x="15496" y="116693"/>
+                  <a:pt x="14287" y="154782"/>
+                </a:cubicBezTo>
+                <a:cubicBezTo>
+                  <a:pt x="13908" y="166708"/>
+                  <a:pt x="13593" y="178687"/>
+                  <a:pt x="11906" y="190500"/>
+                </a:cubicBezTo>
+                <a:cubicBezTo>
+                  <a:pt x="11196" y="195470"/>
+                  <a:pt x="8732" y="200025"/>
+                  <a:pt x="7144" y="204788"/>
+                </a:cubicBezTo>
+                <a:lnTo>
+                  <a:pt x="4762" y="211932"/>
+                </a:lnTo>
+                <a:cubicBezTo>
+                  <a:pt x="5520" y="217235"/>
+                  <a:pt x="8206" y="236953"/>
+                  <a:pt x="9525" y="242888"/>
+                </a:cubicBezTo>
+                <a:cubicBezTo>
+                  <a:pt x="10069" y="245338"/>
+                  <a:pt x="11297" y="247597"/>
+                  <a:pt x="11906" y="250032"/>
+                </a:cubicBezTo>
+                <a:cubicBezTo>
+                  <a:pt x="12888" y="253958"/>
+                  <a:pt x="13409" y="257987"/>
+                  <a:pt x="14287" y="261938"/>
+                </a:cubicBezTo>
+                <a:cubicBezTo>
+                  <a:pt x="14997" y="265133"/>
+                  <a:pt x="16669" y="268190"/>
+                  <a:pt x="16669" y="271463"/>
+                </a:cubicBezTo>
+                <a:cubicBezTo>
+                  <a:pt x="16669" y="273238"/>
+                  <a:pt x="15081" y="274638"/>
+                  <a:pt x="14287" y="276225"/>
+                </a:cubicBezTo>
+              </a:path>
+            </a:pathLst>
+          </a:custGeom>
+          <a:noFill/>
+          <a:ln w="9525">
+            <a:solidFill>
+              <a:schemeClr val="tx1"/>
+            </a:solidFill>
+            <a:prstDash val="sysDot"/>
+          </a:ln>
+          <a:effectLst/>
+        </p:spPr>
+        <p:style>
+          <a:lnRef idx="2">
+            <a:schemeClr val="accent1">
+              <a:shade val="50000"/>
+            </a:schemeClr>
+          </a:lnRef>
+          <a:fillRef idx="1">
+            <a:schemeClr val="accent1"/>
+          </a:fillRef>
+          <a:effectRef idx="0">
+            <a:schemeClr val="accent1"/>
+          </a:effectRef>
+          <a:fontRef idx="minor">
+            <a:schemeClr val="lt1"/>
+          </a:fontRef>
+        </p:style>
+        <p:txBody>
+          <a:bodyPr rtlCol="0" anchor="ctr"/>
+          <a:lstStyle/>
+          <a:p>
+            <a:pPr algn="ctr"/>
+            <a:endParaRPr lang="en-US"/>
+          </a:p>
+        </p:txBody>
+      </p:sp>
+      <p:sp>
+        <p:nvSpPr>
+          <p:cNvPr id="4122" name="Freeform 4121"/>
+          <p:cNvSpPr/>
+          <p:nvPr/>
+        </p:nvSpPr>
+        <p:spPr>
+          <a:xfrm>
+            <a:off x="3009461" y="4991100"/>
+            <a:ext cx="104775" cy="28575"/>
+          </a:xfrm>
+          <a:custGeom>
+            <a:avLst/>
+            <a:gdLst>
+              <a:gd name="connsiteX0" fmla="*/ 104775 w 104775"/>
+              <a:gd name="connsiteY0" fmla="*/ 28575 h 28575"/>
+              <a:gd name="connsiteX1" fmla="*/ 92869 w 104775"/>
+              <a:gd name="connsiteY1" fmla="*/ 26194 h 28575"/>
+              <a:gd name="connsiteX2" fmla="*/ 90488 w 104775"/>
+              <a:gd name="connsiteY2" fmla="*/ 19050 h 28575"/>
+              <a:gd name="connsiteX3" fmla="*/ 83344 w 104775"/>
+              <a:gd name="connsiteY3" fmla="*/ 16669 h 28575"/>
+              <a:gd name="connsiteX4" fmla="*/ 76200 w 104775"/>
+              <a:gd name="connsiteY4" fmla="*/ 11906 h 28575"/>
+              <a:gd name="connsiteX5" fmla="*/ 52388 w 104775"/>
+              <a:gd name="connsiteY5" fmla="*/ 4762 h 28575"/>
+              <a:gd name="connsiteX6" fmla="*/ 38100 w 104775"/>
+              <a:gd name="connsiteY6" fmla="*/ 0 h 28575"/>
+              <a:gd name="connsiteX7" fmla="*/ 0 w 104775"/>
+              <a:gd name="connsiteY7" fmla="*/ 0 h 28575"/>
+            </a:gdLst>
+            <a:ahLst/>
+            <a:cxnLst>
+              <a:cxn ang="0">
+                <a:pos x="connsiteX0" y="connsiteY0"/>
+              </a:cxn>
+              <a:cxn ang="0">
+                <a:pos x="connsiteX1" y="connsiteY1"/>
+              </a:cxn>
+              <a:cxn ang="0">
+                <a:pos x="connsiteX2" y="connsiteY2"/>
+              </a:cxn>
+              <a:cxn ang="0">
+                <a:pos x="connsiteX3" y="connsiteY3"/>
+              </a:cxn>
+              <a:cxn ang="0">
+                <a:pos x="connsiteX4" y="connsiteY4"/>
+              </a:cxn>
+              <a:cxn ang="0">
+                <a:pos x="connsiteX5" y="connsiteY5"/>
+              </a:cxn>
+              <a:cxn ang="0">
+                <a:pos x="connsiteX6" y="connsiteY6"/>
+              </a:cxn>
+              <a:cxn ang="0">
+                <a:pos x="connsiteX7" y="connsiteY7"/>
+              </a:cxn>
+            </a:cxnLst>
+            <a:rect l="l" t="t" r="r" b="b"/>
+            <a:pathLst>
+              <a:path w="104775" h="28575">
+                <a:moveTo>
+                  <a:pt x="104775" y="28575"/>
+                </a:moveTo>
+                <a:cubicBezTo>
+                  <a:pt x="100806" y="27781"/>
+                  <a:pt x="96236" y="28439"/>
+                  <a:pt x="92869" y="26194"/>
+                </a:cubicBezTo>
+                <a:cubicBezTo>
+                  <a:pt x="90780" y="24802"/>
+                  <a:pt x="92263" y="20825"/>
+                  <a:pt x="90488" y="19050"/>
+                </a:cubicBezTo>
+                <a:cubicBezTo>
+                  <a:pt x="88713" y="17275"/>
+                  <a:pt x="85725" y="17463"/>
+                  <a:pt x="83344" y="16669"/>
+                </a:cubicBezTo>
+                <a:cubicBezTo>
+                  <a:pt x="80963" y="15081"/>
+                  <a:pt x="78815" y="13068"/>
+                  <a:pt x="76200" y="11906"/>
+                </a:cubicBezTo>
+                <a:cubicBezTo>
+                  <a:pt x="64558" y="6732"/>
+                  <a:pt x="63034" y="7956"/>
+                  <a:pt x="52388" y="4762"/>
+                </a:cubicBezTo>
+                <a:cubicBezTo>
+                  <a:pt x="47580" y="3319"/>
+                  <a:pt x="43120" y="0"/>
+                  <a:pt x="38100" y="0"/>
+                </a:cubicBezTo>
+                <a:lnTo>
+                  <a:pt x="0" y="0"/>
+                </a:lnTo>
+              </a:path>
+            </a:pathLst>
+          </a:custGeom>
+          <a:noFill/>
+          <a:ln w="9525">
+            <a:solidFill>
+              <a:schemeClr val="tx1"/>
+            </a:solidFill>
+            <a:prstDash val="sysDot"/>
+          </a:ln>
+          <a:effectLst/>
+        </p:spPr>
+        <p:style>
+          <a:lnRef idx="2">
+            <a:schemeClr val="accent1">
+              <a:shade val="50000"/>
+            </a:schemeClr>
+          </a:lnRef>
+          <a:fillRef idx="1">
+            <a:schemeClr val="accent1"/>
+          </a:fillRef>
+          <a:effectRef idx="0">
+            <a:schemeClr val="accent1"/>
+          </a:effectRef>
+          <a:fontRef idx="minor">
+            <a:schemeClr val="lt1"/>
+          </a:fontRef>
+        </p:style>
+        <p:txBody>
+          <a:bodyPr rtlCol="0" anchor="ctr"/>
+          <a:lstStyle/>
+          <a:p>
+            <a:pPr algn="ctr"/>
+            <a:endParaRPr lang="en-US"/>
+          </a:p>
+        </p:txBody>
+      </p:sp>
+      <p:sp>
+        <p:nvSpPr>
+          <p:cNvPr id="4123" name="Freeform 4122"/>
+          <p:cNvSpPr/>
+          <p:nvPr/>
+        </p:nvSpPr>
+        <p:spPr>
+          <a:xfrm>
+            <a:off x="2768955" y="4988719"/>
+            <a:ext cx="233362" cy="50318"/>
+          </a:xfrm>
+          <a:custGeom>
+            <a:avLst/>
+            <a:gdLst>
+              <a:gd name="connsiteX0" fmla="*/ 233362 w 233362"/>
+              <a:gd name="connsiteY0" fmla="*/ 0 h 50318"/>
+              <a:gd name="connsiteX1" fmla="*/ 202406 w 233362"/>
+              <a:gd name="connsiteY1" fmla="*/ 4762 h 50318"/>
+              <a:gd name="connsiteX2" fmla="*/ 195262 w 233362"/>
+              <a:gd name="connsiteY2" fmla="*/ 9525 h 50318"/>
+              <a:gd name="connsiteX3" fmla="*/ 188119 w 233362"/>
+              <a:gd name="connsiteY3" fmla="*/ 16668 h 50318"/>
+              <a:gd name="connsiteX4" fmla="*/ 173831 w 233362"/>
+              <a:gd name="connsiteY4" fmla="*/ 21431 h 50318"/>
+              <a:gd name="connsiteX5" fmla="*/ 159544 w 233362"/>
+              <a:gd name="connsiteY5" fmla="*/ 26193 h 50318"/>
+              <a:gd name="connsiteX6" fmla="*/ 152400 w 233362"/>
+              <a:gd name="connsiteY6" fmla="*/ 28575 h 50318"/>
+              <a:gd name="connsiteX7" fmla="*/ 138112 w 233362"/>
+              <a:gd name="connsiteY7" fmla="*/ 35718 h 50318"/>
+              <a:gd name="connsiteX8" fmla="*/ 130969 w 233362"/>
+              <a:gd name="connsiteY8" fmla="*/ 40481 h 50318"/>
+              <a:gd name="connsiteX9" fmla="*/ 123825 w 233362"/>
+              <a:gd name="connsiteY9" fmla="*/ 42862 h 50318"/>
+              <a:gd name="connsiteX10" fmla="*/ 71437 w 233362"/>
+              <a:gd name="connsiteY10" fmla="*/ 45243 h 50318"/>
+              <a:gd name="connsiteX11" fmla="*/ 61912 w 233362"/>
+              <a:gd name="connsiteY11" fmla="*/ 47625 h 50318"/>
+              <a:gd name="connsiteX12" fmla="*/ 54769 w 233362"/>
+              <a:gd name="connsiteY12" fmla="*/ 50006 h 50318"/>
+              <a:gd name="connsiteX13" fmla="*/ 0 w 233362"/>
+              <a:gd name="connsiteY13" fmla="*/ 50006 h 50318"/>
+            </a:gdLst>
+            <a:ahLst/>
+            <a:cxnLst>
+              <a:cxn ang="0">
+                <a:pos x="connsiteX0" y="connsiteY0"/>
+              </a:cxn>
+              <a:cxn ang="0">
+                <a:pos x="connsiteX1" y="connsiteY1"/>
+              </a:cxn>
+              <a:cxn ang="0">
+                <a:pos x="connsiteX2" y="connsiteY2"/>
+              </a:cxn>
+              <a:cxn ang="0">
+                <a:pos x="connsiteX3" y="connsiteY3"/>
+              </a:cxn>
+              <a:cxn ang="0">
+                <a:pos x="connsiteX4" y="connsiteY4"/>
+              </a:cxn>
+              <a:cxn ang="0">
+                <a:pos x="connsiteX5" y="connsiteY5"/>
+              </a:cxn>
+              <a:cxn ang="0">
+                <a:pos x="connsiteX6" y="connsiteY6"/>
+              </a:cxn>
+              <a:cxn ang="0">
+                <a:pos x="connsiteX7" y="connsiteY7"/>
+              </a:cxn>
+              <a:cxn ang="0">
+                <a:pos x="connsiteX8" y="connsiteY8"/>
+              </a:cxn>
+              <a:cxn ang="0">
+                <a:pos x="connsiteX9" y="connsiteY9"/>
+              </a:cxn>
+              <a:cxn ang="0">
+                <a:pos x="connsiteX10" y="connsiteY10"/>
+              </a:cxn>
+              <a:cxn ang="0">
+                <a:pos x="connsiteX11" y="connsiteY11"/>
+              </a:cxn>
+              <a:cxn ang="0">
+                <a:pos x="connsiteX12" y="connsiteY12"/>
+              </a:cxn>
+              <a:cxn ang="0">
+                <a:pos x="connsiteX13" y="connsiteY13"/>
+              </a:cxn>
+            </a:cxnLst>
+            <a:rect l="l" t="t" r="r" b="b"/>
+            <a:pathLst>
+              <a:path w="233362" h="50318">
+                <a:moveTo>
+                  <a:pt x="233362" y="0"/>
+                </a:moveTo>
+                <a:cubicBezTo>
+                  <a:pt x="226538" y="682"/>
+                  <a:pt x="210986" y="472"/>
+                  <a:pt x="202406" y="4762"/>
+                </a:cubicBezTo>
+                <a:cubicBezTo>
+                  <a:pt x="199846" y="6042"/>
+                  <a:pt x="197461" y="7693"/>
+                  <a:pt x="195262" y="9525"/>
+                </a:cubicBezTo>
+                <a:cubicBezTo>
+                  <a:pt x="192675" y="11681"/>
+                  <a:pt x="191063" y="15033"/>
+                  <a:pt x="188119" y="16668"/>
+                </a:cubicBezTo>
+                <a:cubicBezTo>
+                  <a:pt x="183730" y="19106"/>
+                  <a:pt x="178594" y="19843"/>
+                  <a:pt x="173831" y="21431"/>
+                </a:cubicBezTo>
+                <a:lnTo>
+                  <a:pt x="159544" y="26193"/>
+                </a:lnTo>
+                <a:cubicBezTo>
+                  <a:pt x="157163" y="26987"/>
+                  <a:pt x="154489" y="27183"/>
+                  <a:pt x="152400" y="28575"/>
+                </a:cubicBezTo>
+                <a:cubicBezTo>
+                  <a:pt x="143167" y="34729"/>
+                  <a:pt x="147971" y="32432"/>
+                  <a:pt x="138112" y="35718"/>
+                </a:cubicBezTo>
+                <a:cubicBezTo>
+                  <a:pt x="135731" y="37306"/>
+                  <a:pt x="133529" y="39201"/>
+                  <a:pt x="130969" y="40481"/>
+                </a:cubicBezTo>
+                <a:cubicBezTo>
+                  <a:pt x="128724" y="41604"/>
+                  <a:pt x="126327" y="42662"/>
+                  <a:pt x="123825" y="42862"/>
+                </a:cubicBezTo>
+                <a:cubicBezTo>
+                  <a:pt x="106400" y="44256"/>
+                  <a:pt x="88900" y="44449"/>
+                  <a:pt x="71437" y="45243"/>
+                </a:cubicBezTo>
+                <a:cubicBezTo>
+                  <a:pt x="68262" y="46037"/>
+                  <a:pt x="65059" y="46726"/>
+                  <a:pt x="61912" y="47625"/>
+                </a:cubicBezTo>
+                <a:cubicBezTo>
+                  <a:pt x="59499" y="48315"/>
+                  <a:pt x="57277" y="49910"/>
+                  <a:pt x="54769" y="50006"/>
+                </a:cubicBezTo>
+                <a:cubicBezTo>
+                  <a:pt x="36526" y="50708"/>
+                  <a:pt x="18256" y="50006"/>
+                  <a:pt x="0" y="50006"/>
+                </a:cubicBezTo>
+              </a:path>
+            </a:pathLst>
+          </a:custGeom>
+          <a:noFill/>
+          <a:ln w="9525">
+            <a:solidFill>
+              <a:schemeClr val="tx1"/>
+            </a:solidFill>
+            <a:prstDash val="sysDot"/>
+          </a:ln>
+          <a:effectLst/>
+        </p:spPr>
+        <p:style>
+          <a:lnRef idx="2">
+            <a:schemeClr val="accent1">
+              <a:shade val="50000"/>
+            </a:schemeClr>
+          </a:lnRef>
+          <a:fillRef idx="1">
+            <a:schemeClr val="accent1"/>
+          </a:fillRef>
+          <a:effectRef idx="0">
+            <a:schemeClr val="accent1"/>
+          </a:effectRef>
+          <a:fontRef idx="minor">
+            <a:schemeClr val="lt1"/>
+          </a:fontRef>
+        </p:style>
+        <p:txBody>
+          <a:bodyPr rtlCol="0" anchor="ctr"/>
+          <a:lstStyle/>
+          <a:p>
+            <a:pPr algn="ctr"/>
+            <a:endParaRPr lang="en-US"/>
+          </a:p>
+        </p:txBody>
+      </p:sp>
+      <p:sp>
+        <p:nvSpPr>
+          <p:cNvPr id="4124" name="Freeform 4123"/>
+          <p:cNvSpPr/>
+          <p:nvPr/>
+        </p:nvSpPr>
+        <p:spPr>
+          <a:xfrm>
+            <a:off x="3003111" y="4910931"/>
+            <a:ext cx="25400" cy="279400"/>
+          </a:xfrm>
+          <a:custGeom>
+            <a:avLst/>
+            <a:gdLst>
+              <a:gd name="connsiteX0" fmla="*/ 22225 w 25400"/>
+              <a:gd name="connsiteY0" fmla="*/ 0 h 279400"/>
+              <a:gd name="connsiteX1" fmla="*/ 19050 w 25400"/>
+              <a:gd name="connsiteY1" fmla="*/ 76200 h 279400"/>
+              <a:gd name="connsiteX2" fmla="*/ 15875 w 25400"/>
+              <a:gd name="connsiteY2" fmla="*/ 92075 h 279400"/>
+              <a:gd name="connsiteX3" fmla="*/ 12700 w 25400"/>
+              <a:gd name="connsiteY3" fmla="*/ 117475 h 279400"/>
+              <a:gd name="connsiteX4" fmla="*/ 3175 w 25400"/>
+              <a:gd name="connsiteY4" fmla="*/ 149225 h 279400"/>
+              <a:gd name="connsiteX5" fmla="*/ 0 w 25400"/>
+              <a:gd name="connsiteY5" fmla="*/ 158750 h 279400"/>
+              <a:gd name="connsiteX6" fmla="*/ 3175 w 25400"/>
+              <a:gd name="connsiteY6" fmla="*/ 193675 h 279400"/>
+              <a:gd name="connsiteX7" fmla="*/ 6350 w 25400"/>
+              <a:gd name="connsiteY7" fmla="*/ 203200 h 279400"/>
+              <a:gd name="connsiteX8" fmla="*/ 9525 w 25400"/>
+              <a:gd name="connsiteY8" fmla="*/ 215900 h 279400"/>
+              <a:gd name="connsiteX9" fmla="*/ 12700 w 25400"/>
+              <a:gd name="connsiteY9" fmla="*/ 225425 h 279400"/>
+              <a:gd name="connsiteX10" fmla="*/ 22225 w 25400"/>
+              <a:gd name="connsiteY10" fmla="*/ 257175 h 279400"/>
+              <a:gd name="connsiteX11" fmla="*/ 25400 w 25400"/>
+              <a:gd name="connsiteY11" fmla="*/ 266700 h 279400"/>
+              <a:gd name="connsiteX12" fmla="*/ 25400 w 25400"/>
+              <a:gd name="connsiteY12" fmla="*/ 279400 h 279400"/>
+            </a:gdLst>
+            <a:ahLst/>
+            <a:cxnLst>
+              <a:cxn ang="0">
+                <a:pos x="connsiteX0" y="connsiteY0"/>
+              </a:cxn>
+              <a:cxn ang="0">
+                <a:pos x="connsiteX1" y="connsiteY1"/>
+              </a:cxn>
+              <a:cxn ang="0">
+                <a:pos x="connsiteX2" y="connsiteY2"/>
+              </a:cxn>
+              <a:cxn ang="0">
+                <a:pos x="connsiteX3" y="connsiteY3"/>
+              </a:cxn>
+              <a:cxn ang="0">
+                <a:pos x="connsiteX4" y="connsiteY4"/>
+              </a:cxn>
+              <a:cxn ang="0">
+                <a:pos x="connsiteX5" y="connsiteY5"/>
+              </a:cxn>
+              <a:cxn ang="0">
+                <a:pos x="connsiteX6" y="connsiteY6"/>
+              </a:cxn>
+              <a:cxn ang="0">
+                <a:pos x="connsiteX7" y="connsiteY7"/>
+              </a:cxn>
+              <a:cxn ang="0">
+                <a:pos x="connsiteX8" y="connsiteY8"/>
+              </a:cxn>
+              <a:cxn ang="0">
+                <a:pos x="connsiteX9" y="connsiteY9"/>
+              </a:cxn>
+              <a:cxn ang="0">
+                <a:pos x="connsiteX10" y="connsiteY10"/>
+              </a:cxn>
+              <a:cxn ang="0">
+                <a:pos x="connsiteX11" y="connsiteY11"/>
+              </a:cxn>
+              <a:cxn ang="0">
+                <a:pos x="connsiteX12" y="connsiteY12"/>
+              </a:cxn>
+            </a:cxnLst>
+            <a:rect l="l" t="t" r="r" b="b"/>
+            <a:pathLst>
+              <a:path w="25400" h="279400">
+                <a:moveTo>
+                  <a:pt x="22225" y="0"/>
+                </a:moveTo>
+                <a:cubicBezTo>
+                  <a:pt x="21167" y="25400"/>
+                  <a:pt x="20799" y="50838"/>
+                  <a:pt x="19050" y="76200"/>
+                </a:cubicBezTo>
+                <a:cubicBezTo>
+                  <a:pt x="18679" y="81584"/>
+                  <a:pt x="16696" y="86741"/>
+                  <a:pt x="15875" y="92075"/>
+                </a:cubicBezTo>
+                <a:cubicBezTo>
+                  <a:pt x="14578" y="100508"/>
+                  <a:pt x="14103" y="109059"/>
+                  <a:pt x="12700" y="117475"/>
+                </a:cubicBezTo>
+                <a:cubicBezTo>
+                  <a:pt x="11101" y="127072"/>
+                  <a:pt x="5998" y="140756"/>
+                  <a:pt x="3175" y="149225"/>
+                </a:cubicBezTo>
+                <a:lnTo>
+                  <a:pt x="0" y="158750"/>
+                </a:lnTo>
+                <a:cubicBezTo>
+                  <a:pt x="1058" y="170392"/>
+                  <a:pt x="1522" y="182103"/>
+                  <a:pt x="3175" y="193675"/>
+                </a:cubicBezTo>
+                <a:cubicBezTo>
+                  <a:pt x="3648" y="196988"/>
+                  <a:pt x="5431" y="199982"/>
+                  <a:pt x="6350" y="203200"/>
+                </a:cubicBezTo>
+                <a:cubicBezTo>
+                  <a:pt x="7549" y="207396"/>
+                  <a:pt x="8326" y="211704"/>
+                  <a:pt x="9525" y="215900"/>
+                </a:cubicBezTo>
+                <a:cubicBezTo>
+                  <a:pt x="10444" y="219118"/>
+                  <a:pt x="11781" y="222207"/>
+                  <a:pt x="12700" y="225425"/>
+                </a:cubicBezTo>
+                <a:cubicBezTo>
+                  <a:pt x="22297" y="259014"/>
+                  <a:pt x="7135" y="211904"/>
+                  <a:pt x="22225" y="257175"/>
+                </a:cubicBezTo>
+                <a:cubicBezTo>
+                  <a:pt x="23283" y="260350"/>
+                  <a:pt x="25400" y="263353"/>
+                  <a:pt x="25400" y="266700"/>
+                </a:cubicBezTo>
+                <a:lnTo>
+                  <a:pt x="25400" y="279400"/>
+                </a:lnTo>
+              </a:path>
+            </a:pathLst>
+          </a:custGeom>
+          <a:noFill/>
+          <a:ln w="9525">
+            <a:solidFill>
+              <a:schemeClr val="tx1"/>
+            </a:solidFill>
+            <a:prstDash val="sysDot"/>
+          </a:ln>
+          <a:effectLst/>
+        </p:spPr>
+        <p:style>
+          <a:lnRef idx="2">
+            <a:schemeClr val="accent1">
+              <a:shade val="50000"/>
+            </a:schemeClr>
+          </a:lnRef>
+          <a:fillRef idx="1">
+            <a:schemeClr val="accent1"/>
+          </a:fillRef>
+          <a:effectRef idx="0">
+            <a:schemeClr val="accent1"/>
+          </a:effectRef>
+          <a:fontRef idx="minor">
+            <a:schemeClr val="lt1"/>
+          </a:fontRef>
+        </p:style>
+        <p:txBody>
+          <a:bodyPr rtlCol="0" anchor="ctr"/>
+          <a:lstStyle/>
+          <a:p>
+            <a:pPr algn="ctr"/>
+            <a:endParaRPr lang="en-US"/>
+          </a:p>
+        </p:txBody>
+      </p:sp>
+      <p:sp>
+        <p:nvSpPr>
+          <p:cNvPr id="4125" name="Freeform 4124"/>
+          <p:cNvSpPr/>
+          <p:nvPr/>
+        </p:nvSpPr>
+        <p:spPr>
+          <a:xfrm>
+            <a:off x="2778480" y="4972050"/>
+            <a:ext cx="28754" cy="285750"/>
+          </a:xfrm>
+          <a:custGeom>
+            <a:avLst/>
+            <a:gdLst>
+              <a:gd name="connsiteX0" fmla="*/ 0 w 28754"/>
+              <a:gd name="connsiteY0" fmla="*/ 0 h 285750"/>
+              <a:gd name="connsiteX1" fmla="*/ 2381 w 28754"/>
+              <a:gd name="connsiteY1" fmla="*/ 11906 h 285750"/>
+              <a:gd name="connsiteX2" fmla="*/ 4762 w 28754"/>
+              <a:gd name="connsiteY2" fmla="*/ 19050 h 285750"/>
+              <a:gd name="connsiteX3" fmla="*/ 7144 w 28754"/>
+              <a:gd name="connsiteY3" fmla="*/ 126206 h 285750"/>
+              <a:gd name="connsiteX4" fmla="*/ 14287 w 28754"/>
+              <a:gd name="connsiteY4" fmla="*/ 150019 h 285750"/>
+              <a:gd name="connsiteX5" fmla="*/ 21431 w 28754"/>
+              <a:gd name="connsiteY5" fmla="*/ 173831 h 285750"/>
+              <a:gd name="connsiteX6" fmla="*/ 26194 w 28754"/>
+              <a:gd name="connsiteY6" fmla="*/ 180975 h 285750"/>
+              <a:gd name="connsiteX7" fmla="*/ 28575 w 28754"/>
+              <a:gd name="connsiteY7" fmla="*/ 188119 h 285750"/>
+              <a:gd name="connsiteX8" fmla="*/ 23812 w 28754"/>
+              <a:gd name="connsiteY8" fmla="*/ 252412 h 285750"/>
+              <a:gd name="connsiteX9" fmla="*/ 19050 w 28754"/>
+              <a:gd name="connsiteY9" fmla="*/ 266700 h 285750"/>
+              <a:gd name="connsiteX10" fmla="*/ 16669 w 28754"/>
+              <a:gd name="connsiteY10" fmla="*/ 273844 h 285750"/>
+              <a:gd name="connsiteX11" fmla="*/ 14287 w 28754"/>
+              <a:gd name="connsiteY11" fmla="*/ 285750 h 285750"/>
+            </a:gdLst>
+            <a:ahLst/>
+            <a:cxnLst>
+              <a:cxn ang="0">
+                <a:pos x="connsiteX0" y="connsiteY0"/>
+              </a:cxn>
+              <a:cxn ang="0">
+                <a:pos x="connsiteX1" y="connsiteY1"/>
+              </a:cxn>
+              <a:cxn ang="0">
+                <a:pos x="connsiteX2" y="connsiteY2"/>
+              </a:cxn>
+              <a:cxn ang="0">
+                <a:pos x="connsiteX3" y="connsiteY3"/>
+              </a:cxn>
+              <a:cxn ang="0">
+                <a:pos x="connsiteX4" y="connsiteY4"/>
+              </a:cxn>
+              <a:cxn ang="0">
+                <a:pos x="connsiteX5" y="connsiteY5"/>
+              </a:cxn>
+              <a:cxn ang="0">
+                <a:pos x="connsiteX6" y="connsiteY6"/>
+              </a:cxn>
+              <a:cxn ang="0">
+                <a:pos x="connsiteX7" y="connsiteY7"/>
+              </a:cxn>
+              <a:cxn ang="0">
+                <a:pos x="connsiteX8" y="connsiteY8"/>
+              </a:cxn>
+              <a:cxn ang="0">
+                <a:pos x="connsiteX9" y="connsiteY9"/>
+              </a:cxn>
+              <a:cxn ang="0">
+                <a:pos x="connsiteX10" y="connsiteY10"/>
+              </a:cxn>
+              <a:cxn ang="0">
+                <a:pos x="connsiteX11" y="connsiteY11"/>
+              </a:cxn>
+            </a:cxnLst>
+            <a:rect l="l" t="t" r="r" b="b"/>
+            <a:pathLst>
+              <a:path w="28754" h="285750">
+                <a:moveTo>
+                  <a:pt x="0" y="0"/>
+                </a:moveTo>
+                <a:cubicBezTo>
+                  <a:pt x="794" y="3969"/>
+                  <a:pt x="1399" y="7980"/>
+                  <a:pt x="2381" y="11906"/>
+                </a:cubicBezTo>
+                <a:cubicBezTo>
+                  <a:pt x="2990" y="14341"/>
+                  <a:pt x="4657" y="16542"/>
+                  <a:pt x="4762" y="19050"/>
+                </a:cubicBezTo>
+                <a:cubicBezTo>
+                  <a:pt x="6250" y="54747"/>
+                  <a:pt x="5687" y="90508"/>
+                  <a:pt x="7144" y="126206"/>
+                </a:cubicBezTo>
+                <a:cubicBezTo>
+                  <a:pt x="7328" y="130722"/>
+                  <a:pt x="13727" y="147781"/>
+                  <a:pt x="14287" y="150019"/>
+                </a:cubicBezTo>
+                <a:cubicBezTo>
+                  <a:pt x="15618" y="155340"/>
+                  <a:pt x="19115" y="170357"/>
+                  <a:pt x="21431" y="173831"/>
+                </a:cubicBezTo>
+                <a:lnTo>
+                  <a:pt x="26194" y="180975"/>
+                </a:lnTo>
+                <a:cubicBezTo>
+                  <a:pt x="26988" y="183356"/>
+                  <a:pt x="28575" y="185609"/>
+                  <a:pt x="28575" y="188119"/>
+                </a:cubicBezTo>
+                <a:cubicBezTo>
+                  <a:pt x="28575" y="212424"/>
+                  <a:pt x="30175" y="231201"/>
+                  <a:pt x="23812" y="252412"/>
+                </a:cubicBezTo>
+                <a:cubicBezTo>
+                  <a:pt x="22369" y="257220"/>
+                  <a:pt x="20637" y="261937"/>
+                  <a:pt x="19050" y="266700"/>
+                </a:cubicBezTo>
+                <a:cubicBezTo>
+                  <a:pt x="18256" y="269081"/>
+                  <a:pt x="17161" y="271383"/>
+                  <a:pt x="16669" y="273844"/>
+                </a:cubicBezTo>
+                <a:lnTo>
+                  <a:pt x="14287" y="285750"/>
+                </a:lnTo>
+              </a:path>
+            </a:pathLst>
+          </a:custGeom>
+          <a:noFill/>
+          <a:ln w="9525">
+            <a:solidFill>
+              <a:schemeClr val="tx1"/>
+            </a:solidFill>
+            <a:prstDash val="sysDot"/>
+          </a:ln>
+          <a:effectLst/>
+        </p:spPr>
+        <p:style>
+          <a:lnRef idx="2">
+            <a:schemeClr val="accent1">
+              <a:shade val="50000"/>
+            </a:schemeClr>
+          </a:lnRef>
+          <a:fillRef idx="1">
+            <a:schemeClr val="accent1"/>
+          </a:fillRef>
+          <a:effectRef idx="0">
+            <a:schemeClr val="accent1"/>
+          </a:effectRef>
+          <a:fontRef idx="minor">
+            <a:schemeClr val="lt1"/>
+          </a:fontRef>
+        </p:style>
+        <p:txBody>
+          <a:bodyPr rtlCol="0" anchor="ctr"/>
+          <a:lstStyle/>
+          <a:p>
+            <a:pPr algn="ctr"/>
+            <a:endParaRPr lang="en-US"/>
+          </a:p>
+        </p:txBody>
+      </p:sp>
+      <p:grpSp>
+        <p:nvGrpSpPr>
+          <p:cNvPr id="90" name="Group 89"/>
+          <p:cNvGrpSpPr/>
+          <p:nvPr/>
+        </p:nvGrpSpPr>
+        <p:grpSpPr>
+          <a:xfrm>
+            <a:off x="1867996" y="1219200"/>
+            <a:ext cx="2122758" cy="1239379"/>
+            <a:chOff x="4337521" y="5040694"/>
+            <a:chExt cx="588816" cy="343782"/>
+          </a:xfrm>
+        </p:grpSpPr>
+        <p:sp>
+          <p:nvSpPr>
+            <p:cNvPr id="4127" name="Parallelogram 4126"/>
+            <p:cNvSpPr/>
+            <p:nvPr/>
+          </p:nvSpPr>
+          <p:spPr>
+            <a:xfrm rot="20918055">
+              <a:off x="4337521" y="5040694"/>
+              <a:ext cx="220518" cy="324768"/>
+            </a:xfrm>
+            <a:prstGeom prst="parallelogram">
+              <a:avLst>
+                <a:gd name="adj" fmla="val 30661"/>
+              </a:avLst>
+            </a:prstGeom>
+            <a:solidFill>
+              <a:schemeClr val="tx1"/>
+            </a:solidFill>
+            <a:ln w="9525">
+              <a:noFill/>
+              <a:prstDash val="solid"/>
+            </a:ln>
+            <a:effectLst/>
+          </p:spPr>
+          <p:style>
+            <a:lnRef idx="2">
+              <a:schemeClr val="accent1">
+                <a:shade val="50000"/>
+              </a:schemeClr>
+            </a:lnRef>
+            <a:fillRef idx="1">
+              <a:schemeClr val="accent1"/>
+            </a:fillRef>
+            <a:effectRef idx="0">
+              <a:schemeClr val="accent1"/>
+            </a:effectRef>
+            <a:fontRef idx="minor">
+              <a:schemeClr val="lt1"/>
+            </a:fontRef>
+          </p:style>
+          <p:txBody>
+            <a:bodyPr rot="0" spcFirstLastPara="0" vertOverflow="overflow" horzOverflow="overflow" vert="horz" wrap="square" lIns="91440" tIns="45720" rIns="91440" bIns="45720" numCol="1" spcCol="0" rtlCol="0" fromWordArt="0" anchor="ctr" anchorCtr="0" forceAA="0" compatLnSpc="1">
+              <a:prstTxWarp prst="textNoShape">
+                <a:avLst/>
+              </a:prstTxWarp>
+              <a:noAutofit/>
+            </a:bodyPr>
+            <a:lstStyle/>
+            <a:p>
+              <a:pPr algn="ctr"/>
+              <a:endParaRPr lang="en-US"/>
+            </a:p>
+          </p:txBody>
+        </p:sp>
+        <p:sp>
+          <p:nvSpPr>
+            <p:cNvPr id="127" name="Parallelogram 126"/>
+            <p:cNvSpPr/>
+            <p:nvPr/>
+          </p:nvSpPr>
+          <p:spPr>
+            <a:xfrm rot="874604" flipH="1">
+              <a:off x="4496609" y="5049861"/>
+              <a:ext cx="267427" cy="324768"/>
+            </a:xfrm>
+            <a:prstGeom prst="parallelogram">
+              <a:avLst>
+                <a:gd name="adj" fmla="val 30209"/>
+              </a:avLst>
+            </a:prstGeom>
+            <a:solidFill>
+              <a:schemeClr val="tx1"/>
+            </a:solidFill>
+            <a:ln w="9525">
+              <a:noFill/>
+              <a:prstDash val="solid"/>
+            </a:ln>
+            <a:effectLst/>
+          </p:spPr>
+          <p:style>
+            <a:lnRef idx="2">
+              <a:schemeClr val="accent1">
+                <a:shade val="50000"/>
+              </a:schemeClr>
+            </a:lnRef>
+            <a:fillRef idx="1">
+              <a:schemeClr val="accent1"/>
+            </a:fillRef>
+            <a:effectRef idx="0">
+              <a:schemeClr val="accent1"/>
+            </a:effectRef>
+            <a:fontRef idx="minor">
+              <a:schemeClr val="lt1"/>
+            </a:fontRef>
+          </p:style>
+          <p:txBody>
+            <a:bodyPr rot="0" spcFirstLastPara="0" vertOverflow="overflow" horzOverflow="overflow" vert="horz" wrap="square" lIns="91440" tIns="45720" rIns="91440" bIns="45720" numCol="1" spcCol="0" rtlCol="0" fromWordArt="0" anchor="ctr" anchorCtr="0" forceAA="0" compatLnSpc="1">
+              <a:prstTxWarp prst="textNoShape">
+                <a:avLst/>
+              </a:prstTxWarp>
+              <a:noAutofit/>
+            </a:bodyPr>
+            <a:lstStyle/>
+            <a:p>
+              <a:pPr algn="ctr"/>
+              <a:endParaRPr lang="en-US"/>
+            </a:p>
+          </p:txBody>
+        </p:sp>
+        <p:sp>
+          <p:nvSpPr>
+            <p:cNvPr id="128" name="Parallelogram 127"/>
+            <p:cNvSpPr/>
+            <p:nvPr/>
+          </p:nvSpPr>
+          <p:spPr>
+            <a:xfrm rot="20984158">
+              <a:off x="4705819" y="5059708"/>
+              <a:ext cx="220518" cy="324768"/>
+            </a:xfrm>
+            <a:prstGeom prst="parallelogram">
+              <a:avLst>
+                <a:gd name="adj" fmla="val 27478"/>
+              </a:avLst>
+            </a:prstGeom>
+            <a:solidFill>
+              <a:schemeClr val="tx1"/>
+            </a:solidFill>
+            <a:ln w="9525">
+              <a:noFill/>
+              <a:prstDash val="solid"/>
+            </a:ln>
+            <a:effectLst/>
+          </p:spPr>
+          <p:style>
+            <a:lnRef idx="2">
+              <a:schemeClr val="accent1">
+                <a:shade val="50000"/>
+              </a:schemeClr>
+            </a:lnRef>
+            <a:fillRef idx="1">
+              <a:schemeClr val="accent1"/>
+            </a:fillRef>
+            <a:effectRef idx="0">
+              <a:schemeClr val="accent1"/>
+            </a:effectRef>
+            <a:fontRef idx="minor">
+              <a:schemeClr val="lt1"/>
+            </a:fontRef>
+          </p:style>
+          <p:txBody>
+            <a:bodyPr rot="0" spcFirstLastPara="0" vertOverflow="overflow" horzOverflow="overflow" vert="horz" wrap="square" lIns="91440" tIns="45720" rIns="91440" bIns="45720" numCol="1" spcCol="0" rtlCol="0" fromWordArt="0" anchor="ctr" anchorCtr="0" forceAA="0" compatLnSpc="1">
+              <a:prstTxWarp prst="textNoShape">
+                <a:avLst/>
+              </a:prstTxWarp>
+              <a:noAutofit/>
+            </a:bodyPr>
+            <a:lstStyle/>
+            <a:p>
+              <a:pPr algn="ctr"/>
+              <a:endParaRPr lang="en-US"/>
+            </a:p>
+          </p:txBody>
+        </p:sp>
+      </p:grpSp>
+      <p:grpSp>
+        <p:nvGrpSpPr>
+          <p:cNvPr id="129" name="Group 128"/>
+          <p:cNvGrpSpPr/>
+          <p:nvPr/>
+        </p:nvGrpSpPr>
+        <p:grpSpPr>
+          <a:xfrm>
+            <a:off x="3681412" y="5222081"/>
+            <a:ext cx="378179" cy="373856"/>
+            <a:chOff x="3972364" y="5029200"/>
+            <a:chExt cx="378179" cy="373856"/>
+          </a:xfrm>
+        </p:grpSpPr>
+        <p:grpSp>
+          <p:nvGrpSpPr>
+            <p:cNvPr id="130" name="Group 129"/>
+            <p:cNvGrpSpPr/>
+            <p:nvPr/>
+          </p:nvGrpSpPr>
+          <p:grpSpPr>
+            <a:xfrm>
+              <a:off x="3972364" y="5029200"/>
+              <a:ext cx="378179" cy="373856"/>
+              <a:chOff x="3219670" y="4362450"/>
+              <a:chExt cx="378179" cy="373856"/>
+            </a:xfrm>
+          </p:grpSpPr>
+          <p:sp>
+            <p:nvSpPr>
+              <p:cNvPr id="137" name="Flowchart: Punched Tape 136"/>
+              <p:cNvSpPr/>
+              <p:nvPr/>
+            </p:nvSpPr>
+            <p:spPr>
+              <a:xfrm>
+                <a:off x="3219670" y="4362450"/>
+                <a:ext cx="378179" cy="373856"/>
+              </a:xfrm>
+              <a:prstGeom prst="flowChartPunchedTape">
+                <a:avLst/>
+              </a:prstGeom>
+              <a:noFill/>
+              <a:ln w="28575">
+                <a:solidFill>
+                  <a:schemeClr val="tx1"/>
+                </a:solidFill>
+              </a:ln>
+              <a:effectLst/>
+              <a:scene3d>
+                <a:camera prst="orthographicFront">
+                  <a:rot lat="0" lon="0" rev="0"/>
+                </a:camera>
+                <a:lightRig rig="balanced" dir="t">
+                  <a:rot lat="0" lon="0" rev="8700000"/>
+                </a:lightRig>
+              </a:scene3d>
+              <a:sp3d>
+                <a:bevelT w="0" h="0"/>
+              </a:sp3d>
+            </p:spPr>
+            <p:style>
+              <a:lnRef idx="2">
+                <a:schemeClr val="accent1">
+                  <a:shade val="50000"/>
+                </a:schemeClr>
+              </a:lnRef>
+              <a:fillRef idx="1">
+                <a:schemeClr val="accent1"/>
+              </a:fillRef>
+              <a:effectRef idx="0">
+                <a:schemeClr val="accent1"/>
+              </a:effectRef>
+              <a:fontRef idx="minor">
+                <a:schemeClr val="lt1"/>
+              </a:fontRef>
+            </p:style>
+            <p:txBody>
+              <a:bodyPr rtlCol="0" anchor="ctr"/>
+              <a:lstStyle/>
+              <a:p>
+                <a:pPr algn="ctr"/>
+                <a:endParaRPr lang="en-US" sz="2400" dirty="0"/>
+              </a:p>
+            </p:txBody>
+          </p:sp>
+          <p:sp>
+            <p:nvSpPr>
+              <p:cNvPr id="138" name="Rectangle 137"/>
+              <p:cNvSpPr/>
+              <p:nvPr/>
+            </p:nvSpPr>
+            <p:spPr>
+              <a:xfrm>
+                <a:off x="3276600" y="4639865"/>
+                <a:ext cx="50006" cy="50006"/>
+              </a:xfrm>
+              <a:prstGeom prst="rect">
+                <a:avLst/>
+              </a:prstGeom>
+              <a:solidFill>
+                <a:schemeClr val="tx1"/>
+              </a:solidFill>
+              <a:ln>
+                <a:solidFill>
+                  <a:schemeClr val="tx1"/>
+                </a:solidFill>
+              </a:ln>
+            </p:spPr>
+            <p:style>
+              <a:lnRef idx="2">
+                <a:schemeClr val="accent1">
+                  <a:shade val="50000"/>
+                </a:schemeClr>
+              </a:lnRef>
+              <a:fillRef idx="1">
+                <a:schemeClr val="accent1"/>
+              </a:fillRef>
+              <a:effectRef idx="0">
+                <a:schemeClr val="accent1"/>
+              </a:effectRef>
+              <a:fontRef idx="minor">
+                <a:schemeClr val="lt1"/>
+              </a:fontRef>
+            </p:style>
+            <p:txBody>
+              <a:bodyPr rtlCol="0" anchor="ctr"/>
+              <a:lstStyle/>
+              <a:p>
+                <a:pPr algn="ctr"/>
+                <a:endParaRPr lang="en-US"/>
+              </a:p>
+            </p:txBody>
+          </p:sp>
+          <p:sp>
+            <p:nvSpPr>
+              <p:cNvPr id="139" name="Rectangle 138"/>
+              <p:cNvSpPr/>
+              <p:nvPr/>
+            </p:nvSpPr>
+            <p:spPr>
+              <a:xfrm>
+                <a:off x="3479006" y="4424361"/>
+                <a:ext cx="50006" cy="50006"/>
+              </a:xfrm>
+              <a:prstGeom prst="rect">
+                <a:avLst/>
+              </a:prstGeom>
+              <a:solidFill>
+                <a:schemeClr val="tx1"/>
+              </a:solidFill>
+              <a:ln>
+                <a:solidFill>
+                  <a:schemeClr val="tx1"/>
+                </a:solidFill>
+              </a:ln>
+            </p:spPr>
+            <p:style>
+              <a:lnRef idx="2">
+                <a:schemeClr val="accent1">
+                  <a:shade val="50000"/>
+                </a:schemeClr>
+              </a:lnRef>
+              <a:fillRef idx="1">
+                <a:schemeClr val="accent1"/>
+              </a:fillRef>
+              <a:effectRef idx="0">
+                <a:schemeClr val="accent1"/>
+              </a:effectRef>
+              <a:fontRef idx="minor">
+                <a:schemeClr val="lt1"/>
+              </a:fontRef>
+            </p:style>
+            <p:txBody>
+              <a:bodyPr rtlCol="0" anchor="ctr"/>
+              <a:lstStyle/>
+              <a:p>
+                <a:pPr algn="ctr"/>
+                <a:endParaRPr lang="en-US"/>
+              </a:p>
+            </p:txBody>
+          </p:sp>
+          <p:sp>
+            <p:nvSpPr>
+              <p:cNvPr id="140" name="Rectangle 139"/>
+              <p:cNvSpPr/>
+              <p:nvPr/>
+            </p:nvSpPr>
+            <p:spPr>
+              <a:xfrm>
+                <a:off x="3226994" y="4477940"/>
+                <a:ext cx="45719" cy="48815"/>
+              </a:xfrm>
+              <a:prstGeom prst="rect">
+                <a:avLst/>
+              </a:prstGeom>
+              <a:solidFill>
+                <a:schemeClr val="tx1"/>
+              </a:solidFill>
+              <a:ln>
+                <a:solidFill>
+                  <a:schemeClr val="tx1"/>
+                </a:solidFill>
+              </a:ln>
+            </p:spPr>
+            <p:style>
+              <a:lnRef idx="2">
+                <a:schemeClr val="accent1">
+                  <a:shade val="50000"/>
+                </a:schemeClr>
+              </a:lnRef>
+              <a:fillRef idx="1">
+                <a:schemeClr val="accent1"/>
+              </a:fillRef>
+              <a:effectRef idx="0">
+                <a:schemeClr val="accent1"/>
+              </a:effectRef>
+              <a:fontRef idx="minor">
+                <a:schemeClr val="lt1"/>
+              </a:fontRef>
+            </p:style>
+            <p:txBody>
+              <a:bodyPr rtlCol="0" anchor="ctr"/>
+              <a:lstStyle/>
+              <a:p>
+                <a:pPr algn="ctr"/>
+                <a:endParaRPr lang="en-US"/>
+              </a:p>
+            </p:txBody>
+          </p:sp>
+          <p:sp>
+            <p:nvSpPr>
+              <p:cNvPr id="141" name="Rectangle 140"/>
+              <p:cNvSpPr/>
+              <p:nvPr/>
+            </p:nvSpPr>
+            <p:spPr>
+              <a:xfrm>
+                <a:off x="3378993" y="4524375"/>
+                <a:ext cx="50006" cy="50006"/>
+              </a:xfrm>
+              <a:prstGeom prst="rect">
+                <a:avLst/>
+              </a:prstGeom>
+              <a:solidFill>
+                <a:schemeClr val="tx1"/>
+              </a:solidFill>
+              <a:ln>
+                <a:solidFill>
+                  <a:schemeClr val="tx1"/>
+                </a:solidFill>
+              </a:ln>
+            </p:spPr>
+            <p:style>
+              <a:lnRef idx="2">
+                <a:schemeClr val="accent1">
+                  <a:shade val="50000"/>
+                </a:schemeClr>
+              </a:lnRef>
+              <a:fillRef idx="1">
+                <a:schemeClr val="accent1"/>
+              </a:fillRef>
+              <a:effectRef idx="0">
+                <a:schemeClr val="accent1"/>
+              </a:effectRef>
+              <a:fontRef idx="minor">
+                <a:schemeClr val="lt1"/>
+              </a:fontRef>
+            </p:style>
+            <p:txBody>
+              <a:bodyPr rtlCol="0" anchor="ctr"/>
+              <a:lstStyle/>
+              <a:p>
+                <a:pPr algn="ctr"/>
+                <a:endParaRPr lang="en-US"/>
+              </a:p>
+            </p:txBody>
+          </p:sp>
+          <p:sp>
+            <p:nvSpPr>
+              <p:cNvPr id="142" name="Rectangle 141"/>
+              <p:cNvSpPr/>
+              <p:nvPr/>
+            </p:nvSpPr>
+            <p:spPr>
+              <a:xfrm>
+                <a:off x="3543520" y="4564856"/>
+                <a:ext cx="50006" cy="50006"/>
+              </a:xfrm>
+              <a:prstGeom prst="rect">
+                <a:avLst/>
+              </a:prstGeom>
+              <a:solidFill>
+                <a:schemeClr val="tx1"/>
+              </a:solidFill>
+              <a:ln>
+                <a:solidFill>
+                  <a:schemeClr val="tx1"/>
+                </a:solidFill>
+              </a:ln>
+            </p:spPr>
+            <p:style>
+              <a:lnRef idx="2">
+                <a:schemeClr val="accent1">
+                  <a:shade val="50000"/>
+                </a:schemeClr>
+              </a:lnRef>
+              <a:fillRef idx="1">
+                <a:schemeClr val="accent1"/>
+              </a:fillRef>
+              <a:effectRef idx="0">
+                <a:schemeClr val="accent1"/>
+              </a:effectRef>
+              <a:fontRef idx="minor">
+                <a:schemeClr val="lt1"/>
+              </a:fontRef>
+            </p:style>
+            <p:txBody>
+              <a:bodyPr rtlCol="0" anchor="ctr"/>
+              <a:lstStyle/>
+              <a:p>
+                <a:pPr algn="ctr"/>
+                <a:endParaRPr lang="en-US"/>
+              </a:p>
+            </p:txBody>
+          </p:sp>
+        </p:grpSp>
+        <p:sp>
+          <p:nvSpPr>
+            <p:cNvPr id="131" name="Freeform 130"/>
+            <p:cNvSpPr/>
+            <p:nvPr/>
+          </p:nvSpPr>
+          <p:spPr>
+            <a:xfrm>
+              <a:off x="3986213" y="5229225"/>
+              <a:ext cx="321468" cy="95250"/>
+            </a:xfrm>
+            <a:custGeom>
+              <a:avLst/>
+              <a:gdLst>
+                <a:gd name="connsiteX0" fmla="*/ 321468 w 321468"/>
+                <a:gd name="connsiteY0" fmla="*/ 28575 h 95250"/>
+                <a:gd name="connsiteX1" fmla="*/ 300037 w 321468"/>
+                <a:gd name="connsiteY1" fmla="*/ 23813 h 95250"/>
+                <a:gd name="connsiteX2" fmla="*/ 292893 w 321468"/>
+                <a:gd name="connsiteY2" fmla="*/ 21431 h 95250"/>
+                <a:gd name="connsiteX3" fmla="*/ 283368 w 321468"/>
+                <a:gd name="connsiteY3" fmla="*/ 19050 h 95250"/>
+                <a:gd name="connsiteX4" fmla="*/ 276225 w 321468"/>
+                <a:gd name="connsiteY4" fmla="*/ 16669 h 95250"/>
+                <a:gd name="connsiteX5" fmla="*/ 252412 w 321468"/>
+                <a:gd name="connsiteY5" fmla="*/ 9525 h 95250"/>
+                <a:gd name="connsiteX6" fmla="*/ 230981 w 321468"/>
+                <a:gd name="connsiteY6" fmla="*/ 2381 h 95250"/>
+                <a:gd name="connsiteX7" fmla="*/ 223837 w 321468"/>
+                <a:gd name="connsiteY7" fmla="*/ 0 h 95250"/>
+                <a:gd name="connsiteX8" fmla="*/ 138112 w 321468"/>
+                <a:gd name="connsiteY8" fmla="*/ 2381 h 95250"/>
+                <a:gd name="connsiteX9" fmla="*/ 130968 w 321468"/>
+                <a:gd name="connsiteY9" fmla="*/ 4763 h 95250"/>
+                <a:gd name="connsiteX10" fmla="*/ 114300 w 321468"/>
+                <a:gd name="connsiteY10" fmla="*/ 9525 h 95250"/>
+                <a:gd name="connsiteX11" fmla="*/ 109537 w 321468"/>
+                <a:gd name="connsiteY11" fmla="*/ 16669 h 95250"/>
+                <a:gd name="connsiteX12" fmla="*/ 102393 w 321468"/>
+                <a:gd name="connsiteY12" fmla="*/ 21431 h 95250"/>
+                <a:gd name="connsiteX13" fmla="*/ 100012 w 321468"/>
+                <a:gd name="connsiteY13" fmla="*/ 28575 h 95250"/>
+                <a:gd name="connsiteX14" fmla="*/ 88106 w 321468"/>
+                <a:gd name="connsiteY14" fmla="*/ 40481 h 95250"/>
+                <a:gd name="connsiteX15" fmla="*/ 76200 w 321468"/>
+                <a:gd name="connsiteY15" fmla="*/ 61913 h 95250"/>
+                <a:gd name="connsiteX16" fmla="*/ 71437 w 321468"/>
+                <a:gd name="connsiteY16" fmla="*/ 69056 h 95250"/>
+                <a:gd name="connsiteX17" fmla="*/ 59531 w 321468"/>
+                <a:gd name="connsiteY17" fmla="*/ 90488 h 95250"/>
+                <a:gd name="connsiteX18" fmla="*/ 52387 w 321468"/>
+                <a:gd name="connsiteY18" fmla="*/ 95250 h 95250"/>
+                <a:gd name="connsiteX19" fmla="*/ 19050 w 321468"/>
+                <a:gd name="connsiteY19" fmla="*/ 92869 h 95250"/>
+                <a:gd name="connsiteX20" fmla="*/ 4762 w 321468"/>
+                <a:gd name="connsiteY20" fmla="*/ 85725 h 95250"/>
+                <a:gd name="connsiteX21" fmla="*/ 0 w 321468"/>
+                <a:gd name="connsiteY21" fmla="*/ 83344 h 95250"/>
+              </a:gdLst>
+              <a:ahLst/>
+              <a:cxnLst>
+                <a:cxn ang="0">
+                  <a:pos x="connsiteX0" y="connsiteY0"/>
+                </a:cxn>
+                <a:cxn ang="0">
+                  <a:pos x="connsiteX1" y="connsiteY1"/>
+                </a:cxn>
+                <a:cxn ang="0">
+                  <a:pos x="connsiteX2" y="connsiteY2"/>
+                </a:cxn>
+                <a:cxn ang="0">
+                  <a:pos x="connsiteX3" y="connsiteY3"/>
+                </a:cxn>
+                <a:cxn ang="0">
+                  <a:pos x="connsiteX4" y="connsiteY4"/>
+                </a:cxn>
+                <a:cxn ang="0">
+                  <a:pos x="connsiteX5" y="connsiteY5"/>
+                </a:cxn>
+                <a:cxn ang="0">
+                  <a:pos x="connsiteX6" y="connsiteY6"/>
+                </a:cxn>
+                <a:cxn ang="0">
+                  <a:pos x="connsiteX7" y="connsiteY7"/>
+                </a:cxn>
+                <a:cxn ang="0">
+                  <a:pos x="connsiteX8" y="connsiteY8"/>
+                </a:cxn>
+                <a:cxn ang="0">
+                  <a:pos x="connsiteX9" y="connsiteY9"/>
+                </a:cxn>
+                <a:cxn ang="0">
+                  <a:pos x="connsiteX10" y="connsiteY10"/>
+                </a:cxn>
+                <a:cxn ang="0">
+                  <a:pos x="connsiteX11" y="connsiteY11"/>
+                </a:cxn>
+                <a:cxn ang="0">
+                  <a:pos x="connsiteX12" y="connsiteY12"/>
+                </a:cxn>
+                <a:cxn ang="0">
+                  <a:pos x="connsiteX13" y="connsiteY13"/>
+                </a:cxn>
+                <a:cxn ang="0">
+                  <a:pos x="connsiteX14" y="connsiteY14"/>
+                </a:cxn>
+                <a:cxn ang="0">
+                  <a:pos x="connsiteX15" y="connsiteY15"/>
+                </a:cxn>
+                <a:cxn ang="0">
+                  <a:pos x="connsiteX16" y="connsiteY16"/>
+                </a:cxn>
+                <a:cxn ang="0">
+                  <a:pos x="connsiteX17" y="connsiteY17"/>
+                </a:cxn>
+                <a:cxn ang="0">
+                  <a:pos x="connsiteX18" y="connsiteY18"/>
+                </a:cxn>
+                <a:cxn ang="0">
+                  <a:pos x="connsiteX19" y="connsiteY19"/>
+                </a:cxn>
+                <a:cxn ang="0">
+                  <a:pos x="connsiteX20" y="connsiteY20"/>
+                </a:cxn>
+                <a:cxn ang="0">
+                  <a:pos x="connsiteX21" y="connsiteY21"/>
+                </a:cxn>
+              </a:cxnLst>
+              <a:rect l="l" t="t" r="r" b="b"/>
+              <a:pathLst>
+                <a:path w="321468" h="95250">
+                  <a:moveTo>
+                    <a:pt x="321468" y="28575"/>
+                  </a:moveTo>
+                  <a:cubicBezTo>
+                    <a:pt x="313291" y="26940"/>
+                    <a:pt x="307878" y="26054"/>
+                    <a:pt x="300037" y="23813"/>
+                  </a:cubicBezTo>
+                  <a:cubicBezTo>
+                    <a:pt x="297623" y="23123"/>
+                    <a:pt x="295307" y="22121"/>
+                    <a:pt x="292893" y="21431"/>
+                  </a:cubicBezTo>
+                  <a:cubicBezTo>
+                    <a:pt x="289746" y="20532"/>
+                    <a:pt x="286515" y="19949"/>
+                    <a:pt x="283368" y="19050"/>
+                  </a:cubicBezTo>
+                  <a:cubicBezTo>
+                    <a:pt x="280955" y="18361"/>
+                    <a:pt x="278638" y="17358"/>
+                    <a:pt x="276225" y="16669"/>
+                  </a:cubicBezTo>
+                  <a:cubicBezTo>
+                    <a:pt x="251029" y="9470"/>
+                    <a:pt x="286374" y="20846"/>
+                    <a:pt x="252412" y="9525"/>
+                  </a:cubicBezTo>
+                  <a:lnTo>
+                    <a:pt x="230981" y="2381"/>
+                  </a:lnTo>
+                  <a:lnTo>
+                    <a:pt x="223837" y="0"/>
+                  </a:lnTo>
+                  <a:cubicBezTo>
+                    <a:pt x="195262" y="794"/>
+                    <a:pt x="166660" y="917"/>
+                    <a:pt x="138112" y="2381"/>
+                  </a:cubicBezTo>
+                  <a:cubicBezTo>
+                    <a:pt x="135605" y="2510"/>
+                    <a:pt x="133382" y="4073"/>
+                    <a:pt x="130968" y="4763"/>
+                  </a:cubicBezTo>
+                  <a:cubicBezTo>
+                    <a:pt x="110020" y="10749"/>
+                    <a:pt x="131440" y="3812"/>
+                    <a:pt x="114300" y="9525"/>
+                  </a:cubicBezTo>
+                  <a:cubicBezTo>
+                    <a:pt x="112712" y="11906"/>
+                    <a:pt x="111561" y="14645"/>
+                    <a:pt x="109537" y="16669"/>
+                  </a:cubicBezTo>
+                  <a:cubicBezTo>
+                    <a:pt x="107513" y="18693"/>
+                    <a:pt x="104181" y="19196"/>
+                    <a:pt x="102393" y="21431"/>
+                  </a:cubicBezTo>
+                  <a:cubicBezTo>
+                    <a:pt x="100825" y="23391"/>
+                    <a:pt x="101134" y="26330"/>
+                    <a:pt x="100012" y="28575"/>
+                  </a:cubicBezTo>
+                  <a:cubicBezTo>
+                    <a:pt x="96043" y="36513"/>
+                    <a:pt x="95251" y="35719"/>
+                    <a:pt x="88106" y="40481"/>
+                  </a:cubicBezTo>
+                  <a:cubicBezTo>
+                    <a:pt x="83916" y="53054"/>
+                    <a:pt x="87116" y="45539"/>
+                    <a:pt x="76200" y="61913"/>
+                  </a:cubicBezTo>
+                  <a:lnTo>
+                    <a:pt x="71437" y="69056"/>
+                  </a:lnTo>
+                  <a:cubicBezTo>
+                    <a:pt x="68956" y="76500"/>
+                    <a:pt x="66549" y="85810"/>
+                    <a:pt x="59531" y="90488"/>
+                  </a:cubicBezTo>
+                  <a:lnTo>
+                    <a:pt x="52387" y="95250"/>
+                  </a:lnTo>
+                  <a:cubicBezTo>
+                    <a:pt x="41275" y="94456"/>
+                    <a:pt x="30114" y="94171"/>
+                    <a:pt x="19050" y="92869"/>
+                  </a:cubicBezTo>
+                  <a:cubicBezTo>
+                    <a:pt x="12479" y="92096"/>
+                    <a:pt x="10245" y="89015"/>
+                    <a:pt x="4762" y="85725"/>
+                  </a:cubicBezTo>
+                  <a:cubicBezTo>
+                    <a:pt x="3240" y="84812"/>
+                    <a:pt x="1587" y="84138"/>
+                    <a:pt x="0" y="83344"/>
+                  </a:cubicBezTo>
+                </a:path>
+              </a:pathLst>
+            </a:custGeom>
+            <a:noFill/>
+            <a:ln w="9525">
+              <a:solidFill>
+                <a:schemeClr val="tx1"/>
+              </a:solidFill>
+              <a:prstDash val="sysDot"/>
+            </a:ln>
+            <a:effectLst/>
+          </p:spPr>
+          <p:style>
+            <a:lnRef idx="2">
+              <a:schemeClr val="accent1">
+                <a:shade val="50000"/>
+              </a:schemeClr>
+            </a:lnRef>
+            <a:fillRef idx="1">
+              <a:schemeClr val="accent1"/>
+            </a:fillRef>
+            <a:effectRef idx="0">
+              <a:schemeClr val="accent1"/>
+            </a:effectRef>
+            <a:fontRef idx="minor">
+              <a:schemeClr val="lt1"/>
+            </a:fontRef>
+          </p:style>
+          <p:txBody>
+            <a:bodyPr rtlCol="0" anchor="ctr"/>
+            <a:lstStyle/>
+            <a:p>
+              <a:pPr algn="ctr"/>
+              <a:endParaRPr lang="en-US"/>
+            </a:p>
+          </p:txBody>
+        </p:sp>
+        <p:sp>
+          <p:nvSpPr>
+            <p:cNvPr id="132" name="Freeform 131"/>
+            <p:cNvSpPr/>
+            <p:nvPr/>
+          </p:nvSpPr>
+          <p:spPr>
+            <a:xfrm>
+              <a:off x="4121944" y="5107781"/>
+              <a:ext cx="16669" cy="276225"/>
+            </a:xfrm>
+            <a:custGeom>
+              <a:avLst/>
+              <a:gdLst>
+                <a:gd name="connsiteX0" fmla="*/ 0 w 16669"/>
+                <a:gd name="connsiteY0" fmla="*/ 0 h 276225"/>
+                <a:gd name="connsiteX1" fmla="*/ 4762 w 16669"/>
+                <a:gd name="connsiteY1" fmla="*/ 11907 h 276225"/>
+                <a:gd name="connsiteX2" fmla="*/ 7144 w 16669"/>
+                <a:gd name="connsiteY2" fmla="*/ 19050 h 276225"/>
+                <a:gd name="connsiteX3" fmla="*/ 11906 w 16669"/>
+                <a:gd name="connsiteY3" fmla="*/ 26194 h 276225"/>
+                <a:gd name="connsiteX4" fmla="*/ 16669 w 16669"/>
+                <a:gd name="connsiteY4" fmla="*/ 40482 h 276225"/>
+                <a:gd name="connsiteX5" fmla="*/ 14287 w 16669"/>
+                <a:gd name="connsiteY5" fmla="*/ 154782 h 276225"/>
+                <a:gd name="connsiteX6" fmla="*/ 11906 w 16669"/>
+                <a:gd name="connsiteY6" fmla="*/ 190500 h 276225"/>
+                <a:gd name="connsiteX7" fmla="*/ 7144 w 16669"/>
+                <a:gd name="connsiteY7" fmla="*/ 204788 h 276225"/>
+                <a:gd name="connsiteX8" fmla="*/ 4762 w 16669"/>
+                <a:gd name="connsiteY8" fmla="*/ 211932 h 276225"/>
+                <a:gd name="connsiteX9" fmla="*/ 9525 w 16669"/>
+                <a:gd name="connsiteY9" fmla="*/ 242888 h 276225"/>
+                <a:gd name="connsiteX10" fmla="*/ 11906 w 16669"/>
+                <a:gd name="connsiteY10" fmla="*/ 250032 h 276225"/>
+                <a:gd name="connsiteX11" fmla="*/ 14287 w 16669"/>
+                <a:gd name="connsiteY11" fmla="*/ 261938 h 276225"/>
+                <a:gd name="connsiteX12" fmla="*/ 16669 w 16669"/>
+                <a:gd name="connsiteY12" fmla="*/ 271463 h 276225"/>
+                <a:gd name="connsiteX13" fmla="*/ 14287 w 16669"/>
+                <a:gd name="connsiteY13" fmla="*/ 276225 h 276225"/>
+              </a:gdLst>
+              <a:ahLst/>
+              <a:cxnLst>
+                <a:cxn ang="0">
+                  <a:pos x="connsiteX0" y="connsiteY0"/>
+                </a:cxn>
+                <a:cxn ang="0">
+                  <a:pos x="connsiteX1" y="connsiteY1"/>
+                </a:cxn>
+                <a:cxn ang="0">
+                  <a:pos x="connsiteX2" y="connsiteY2"/>
+                </a:cxn>
+                <a:cxn ang="0">
+                  <a:pos x="connsiteX3" y="connsiteY3"/>
+                </a:cxn>
+                <a:cxn ang="0">
+                  <a:pos x="connsiteX4" y="connsiteY4"/>
+                </a:cxn>
+                <a:cxn ang="0">
+                  <a:pos x="connsiteX5" y="connsiteY5"/>
+                </a:cxn>
+                <a:cxn ang="0">
+                  <a:pos x="connsiteX6" y="connsiteY6"/>
+                </a:cxn>
+                <a:cxn ang="0">
+                  <a:pos x="connsiteX7" y="connsiteY7"/>
+                </a:cxn>
+                <a:cxn ang="0">
+                  <a:pos x="connsiteX8" y="connsiteY8"/>
+                </a:cxn>
+                <a:cxn ang="0">
+                  <a:pos x="connsiteX9" y="connsiteY9"/>
+                </a:cxn>
+                <a:cxn ang="0">
+                  <a:pos x="connsiteX10" y="connsiteY10"/>
+                </a:cxn>
+                <a:cxn ang="0">
+                  <a:pos x="connsiteX11" y="connsiteY11"/>
+                </a:cxn>
+                <a:cxn ang="0">
+                  <a:pos x="connsiteX12" y="connsiteY12"/>
+                </a:cxn>
+                <a:cxn ang="0">
+                  <a:pos x="connsiteX13" y="connsiteY13"/>
+                </a:cxn>
+              </a:cxnLst>
+              <a:rect l="l" t="t" r="r" b="b"/>
+              <a:pathLst>
+                <a:path w="16669" h="276225">
+                  <a:moveTo>
+                    <a:pt x="0" y="0"/>
+                  </a:moveTo>
+                  <a:cubicBezTo>
+                    <a:pt x="1587" y="3969"/>
+                    <a:pt x="3261" y="7905"/>
+                    <a:pt x="4762" y="11907"/>
+                  </a:cubicBezTo>
+                  <a:cubicBezTo>
+                    <a:pt x="5643" y="14257"/>
+                    <a:pt x="6021" y="16805"/>
+                    <a:pt x="7144" y="19050"/>
+                  </a:cubicBezTo>
+                  <a:cubicBezTo>
+                    <a:pt x="8424" y="21610"/>
+                    <a:pt x="10744" y="23579"/>
+                    <a:pt x="11906" y="26194"/>
+                  </a:cubicBezTo>
+                  <a:cubicBezTo>
+                    <a:pt x="13945" y="30782"/>
+                    <a:pt x="16669" y="40482"/>
+                    <a:pt x="16669" y="40482"/>
+                  </a:cubicBezTo>
+                  <a:cubicBezTo>
+                    <a:pt x="15875" y="78582"/>
+                    <a:pt x="15496" y="116693"/>
+                    <a:pt x="14287" y="154782"/>
+                  </a:cubicBezTo>
+                  <a:cubicBezTo>
+                    <a:pt x="13908" y="166708"/>
+                    <a:pt x="13593" y="178687"/>
+                    <a:pt x="11906" y="190500"/>
+                  </a:cubicBezTo>
+                  <a:cubicBezTo>
+                    <a:pt x="11196" y="195470"/>
+                    <a:pt x="8732" y="200025"/>
+                    <a:pt x="7144" y="204788"/>
+                  </a:cubicBezTo>
+                  <a:lnTo>
+                    <a:pt x="4762" y="211932"/>
+                  </a:lnTo>
+                  <a:cubicBezTo>
+                    <a:pt x="5520" y="217235"/>
+                    <a:pt x="8206" y="236953"/>
+                    <a:pt x="9525" y="242888"/>
+                  </a:cubicBezTo>
+                  <a:cubicBezTo>
+                    <a:pt x="10069" y="245338"/>
+                    <a:pt x="11297" y="247597"/>
+                    <a:pt x="11906" y="250032"/>
+                  </a:cubicBezTo>
+                  <a:cubicBezTo>
+                    <a:pt x="12888" y="253958"/>
+                    <a:pt x="13409" y="257987"/>
+                    <a:pt x="14287" y="261938"/>
+                  </a:cubicBezTo>
+                  <a:cubicBezTo>
+                    <a:pt x="14997" y="265133"/>
+                    <a:pt x="16669" y="268190"/>
+                    <a:pt x="16669" y="271463"/>
+                  </a:cubicBezTo>
+                  <a:cubicBezTo>
+                    <a:pt x="16669" y="273238"/>
+                    <a:pt x="15081" y="274638"/>
+                    <a:pt x="14287" y="276225"/>
+                  </a:cubicBezTo>
+                </a:path>
+              </a:pathLst>
+            </a:custGeom>
+            <a:noFill/>
+            <a:ln w="9525">
+              <a:solidFill>
+                <a:schemeClr val="tx1"/>
+              </a:solidFill>
+              <a:prstDash val="sysDot"/>
+            </a:ln>
+            <a:effectLst/>
+          </p:spPr>
+          <p:style>
+            <a:lnRef idx="2">
+              <a:schemeClr val="accent1">
+                <a:shade val="50000"/>
+              </a:schemeClr>
+            </a:lnRef>
+            <a:fillRef idx="1">
+              <a:schemeClr val="accent1"/>
+            </a:fillRef>
+            <a:effectRef idx="0">
+              <a:schemeClr val="accent1"/>
+            </a:effectRef>
+            <a:fontRef idx="minor">
+              <a:schemeClr val="lt1"/>
+            </a:fontRef>
+          </p:style>
+          <p:txBody>
+            <a:bodyPr rtlCol="0" anchor="ctr"/>
+            <a:lstStyle/>
+            <a:p>
+              <a:pPr algn="ctr"/>
+              <a:endParaRPr lang="en-US"/>
+            </a:p>
+          </p:txBody>
+        </p:sp>
+        <p:sp>
+          <p:nvSpPr>
+            <p:cNvPr id="133" name="Freeform 132"/>
+            <p:cNvSpPr/>
+            <p:nvPr/>
+          </p:nvSpPr>
+          <p:spPr>
+            <a:xfrm>
+              <a:off x="4238625" y="5122069"/>
+              <a:ext cx="104775" cy="28575"/>
+            </a:xfrm>
+            <a:custGeom>
+              <a:avLst/>
+              <a:gdLst>
+                <a:gd name="connsiteX0" fmla="*/ 104775 w 104775"/>
+                <a:gd name="connsiteY0" fmla="*/ 28575 h 28575"/>
+                <a:gd name="connsiteX1" fmla="*/ 92869 w 104775"/>
+                <a:gd name="connsiteY1" fmla="*/ 26194 h 28575"/>
+                <a:gd name="connsiteX2" fmla="*/ 90488 w 104775"/>
+                <a:gd name="connsiteY2" fmla="*/ 19050 h 28575"/>
+                <a:gd name="connsiteX3" fmla="*/ 83344 w 104775"/>
+                <a:gd name="connsiteY3" fmla="*/ 16669 h 28575"/>
+                <a:gd name="connsiteX4" fmla="*/ 76200 w 104775"/>
+                <a:gd name="connsiteY4" fmla="*/ 11906 h 28575"/>
+                <a:gd name="connsiteX5" fmla="*/ 52388 w 104775"/>
+                <a:gd name="connsiteY5" fmla="*/ 4762 h 28575"/>
+                <a:gd name="connsiteX6" fmla="*/ 38100 w 104775"/>
+                <a:gd name="connsiteY6" fmla="*/ 0 h 28575"/>
+                <a:gd name="connsiteX7" fmla="*/ 0 w 104775"/>
+                <a:gd name="connsiteY7" fmla="*/ 0 h 28575"/>
+              </a:gdLst>
+              <a:ahLst/>
+              <a:cxnLst>
+                <a:cxn ang="0">
+                  <a:pos x="connsiteX0" y="connsiteY0"/>
+                </a:cxn>
+                <a:cxn ang="0">
+                  <a:pos x="connsiteX1" y="connsiteY1"/>
+                </a:cxn>
+                <a:cxn ang="0">
+                  <a:pos x="connsiteX2" y="connsiteY2"/>
+                </a:cxn>
+                <a:cxn ang="0">
+                  <a:pos x="connsiteX3" y="connsiteY3"/>
+                </a:cxn>
+                <a:cxn ang="0">
+                  <a:pos x="connsiteX4" y="connsiteY4"/>
+                </a:cxn>
+                <a:cxn ang="0">
+                  <a:pos x="connsiteX5" y="connsiteY5"/>
+                </a:cxn>
+                <a:cxn ang="0">
+                  <a:pos x="connsiteX6" y="connsiteY6"/>
+                </a:cxn>
+                <a:cxn ang="0">
+                  <a:pos x="connsiteX7" y="connsiteY7"/>
+                </a:cxn>
+              </a:cxnLst>
+              <a:rect l="l" t="t" r="r" b="b"/>
+              <a:pathLst>
+                <a:path w="104775" h="28575">
+                  <a:moveTo>
+                    <a:pt x="104775" y="28575"/>
+                  </a:moveTo>
+                  <a:cubicBezTo>
+                    <a:pt x="100806" y="27781"/>
+                    <a:pt x="96236" y="28439"/>
+                    <a:pt x="92869" y="26194"/>
+                  </a:cubicBezTo>
+                  <a:cubicBezTo>
+                    <a:pt x="90780" y="24802"/>
+                    <a:pt x="92263" y="20825"/>
+                    <a:pt x="90488" y="19050"/>
+                  </a:cubicBezTo>
+                  <a:cubicBezTo>
+                    <a:pt x="88713" y="17275"/>
+                    <a:pt x="85725" y="17463"/>
+                    <a:pt x="83344" y="16669"/>
+                  </a:cubicBezTo>
+                  <a:cubicBezTo>
+                    <a:pt x="80963" y="15081"/>
+                    <a:pt x="78815" y="13068"/>
+                    <a:pt x="76200" y="11906"/>
+                  </a:cubicBezTo>
+                  <a:cubicBezTo>
+                    <a:pt x="64558" y="6732"/>
+                    <a:pt x="63034" y="7956"/>
+                    <a:pt x="52388" y="4762"/>
+                  </a:cubicBezTo>
+                  <a:cubicBezTo>
+                    <a:pt x="47580" y="3319"/>
+                    <a:pt x="43120" y="0"/>
+                    <a:pt x="38100" y="0"/>
+                  </a:cubicBezTo>
+                  <a:lnTo>
+                    <a:pt x="0" y="0"/>
+                  </a:lnTo>
+                </a:path>
+              </a:pathLst>
+            </a:custGeom>
+            <a:noFill/>
+            <a:ln w="9525">
+              <a:solidFill>
+                <a:schemeClr val="tx1"/>
+              </a:solidFill>
+              <a:prstDash val="sysDot"/>
+            </a:ln>
+            <a:effectLst/>
+          </p:spPr>
+          <p:style>
+            <a:lnRef idx="2">
+              <a:schemeClr val="accent1">
+                <a:shade val="50000"/>
+              </a:schemeClr>
+            </a:lnRef>
+            <a:fillRef idx="1">
+              <a:schemeClr val="accent1"/>
+            </a:fillRef>
+            <a:effectRef idx="0">
+              <a:schemeClr val="accent1"/>
+            </a:effectRef>
+            <a:fontRef idx="minor">
+              <a:schemeClr val="lt1"/>
+            </a:fontRef>
+          </p:style>
+          <p:txBody>
+            <a:bodyPr rtlCol="0" anchor="ctr"/>
+            <a:lstStyle/>
+            <a:p>
+              <a:pPr algn="ctr"/>
+              <a:endParaRPr lang="en-US"/>
+            </a:p>
+          </p:txBody>
+        </p:sp>
+        <p:sp>
+          <p:nvSpPr>
+            <p:cNvPr id="134" name="Freeform 133"/>
+            <p:cNvSpPr/>
+            <p:nvPr/>
+          </p:nvSpPr>
+          <p:spPr>
+            <a:xfrm>
+              <a:off x="3998119" y="5119688"/>
+              <a:ext cx="233362" cy="50318"/>
+            </a:xfrm>
+            <a:custGeom>
+              <a:avLst/>
+              <a:gdLst>
+                <a:gd name="connsiteX0" fmla="*/ 233362 w 233362"/>
+                <a:gd name="connsiteY0" fmla="*/ 0 h 50318"/>
+                <a:gd name="connsiteX1" fmla="*/ 202406 w 233362"/>
+                <a:gd name="connsiteY1" fmla="*/ 4762 h 50318"/>
+                <a:gd name="connsiteX2" fmla="*/ 195262 w 233362"/>
+                <a:gd name="connsiteY2" fmla="*/ 9525 h 50318"/>
+                <a:gd name="connsiteX3" fmla="*/ 188119 w 233362"/>
+                <a:gd name="connsiteY3" fmla="*/ 16668 h 50318"/>
+                <a:gd name="connsiteX4" fmla="*/ 173831 w 233362"/>
+                <a:gd name="connsiteY4" fmla="*/ 21431 h 50318"/>
+                <a:gd name="connsiteX5" fmla="*/ 159544 w 233362"/>
+                <a:gd name="connsiteY5" fmla="*/ 26193 h 50318"/>
+                <a:gd name="connsiteX6" fmla="*/ 152400 w 233362"/>
+                <a:gd name="connsiteY6" fmla="*/ 28575 h 50318"/>
+                <a:gd name="connsiteX7" fmla="*/ 138112 w 233362"/>
+                <a:gd name="connsiteY7" fmla="*/ 35718 h 50318"/>
+                <a:gd name="connsiteX8" fmla="*/ 130969 w 233362"/>
+                <a:gd name="connsiteY8" fmla="*/ 40481 h 50318"/>
+                <a:gd name="connsiteX9" fmla="*/ 123825 w 233362"/>
+                <a:gd name="connsiteY9" fmla="*/ 42862 h 50318"/>
+                <a:gd name="connsiteX10" fmla="*/ 71437 w 233362"/>
+                <a:gd name="connsiteY10" fmla="*/ 45243 h 50318"/>
+                <a:gd name="connsiteX11" fmla="*/ 61912 w 233362"/>
+                <a:gd name="connsiteY11" fmla="*/ 47625 h 50318"/>
+                <a:gd name="connsiteX12" fmla="*/ 54769 w 233362"/>
+                <a:gd name="connsiteY12" fmla="*/ 50006 h 50318"/>
+                <a:gd name="connsiteX13" fmla="*/ 0 w 233362"/>
+                <a:gd name="connsiteY13" fmla="*/ 50006 h 50318"/>
+              </a:gdLst>
+              <a:ahLst/>
+              <a:cxnLst>
+                <a:cxn ang="0">
+                  <a:pos x="connsiteX0" y="connsiteY0"/>
+                </a:cxn>
+                <a:cxn ang="0">
+                  <a:pos x="connsiteX1" y="connsiteY1"/>
+                </a:cxn>
+                <a:cxn ang="0">
+                  <a:pos x="connsiteX2" y="connsiteY2"/>
+                </a:cxn>
+                <a:cxn ang="0">
+                  <a:pos x="connsiteX3" y="connsiteY3"/>
+                </a:cxn>
+                <a:cxn ang="0">
+                  <a:pos x="connsiteX4" y="connsiteY4"/>
+                </a:cxn>
+                <a:cxn ang="0">
+                  <a:pos x="connsiteX5" y="connsiteY5"/>
+                </a:cxn>
+                <a:cxn ang="0">
+                  <a:pos x="connsiteX6" y="connsiteY6"/>
+                </a:cxn>
+                <a:cxn ang="0">
+                  <a:pos x="connsiteX7" y="connsiteY7"/>
+                </a:cxn>
+                <a:cxn ang="0">
+                  <a:pos x="connsiteX8" y="connsiteY8"/>
+                </a:cxn>
+                <a:cxn ang="0">
+                  <a:pos x="connsiteX9" y="connsiteY9"/>
+                </a:cxn>
+                <a:cxn ang="0">
+                  <a:pos x="connsiteX10" y="connsiteY10"/>
+                </a:cxn>
+                <a:cxn ang="0">
+                  <a:pos x="connsiteX11" y="connsiteY11"/>
+                </a:cxn>
+                <a:cxn ang="0">
+                  <a:pos x="connsiteX12" y="connsiteY12"/>
+                </a:cxn>
+                <a:cxn ang="0">
+                  <a:pos x="connsiteX13" y="connsiteY13"/>
+                </a:cxn>
+              </a:cxnLst>
+              <a:rect l="l" t="t" r="r" b="b"/>
+              <a:pathLst>
+                <a:path w="233362" h="50318">
+                  <a:moveTo>
+                    <a:pt x="233362" y="0"/>
+                  </a:moveTo>
+                  <a:cubicBezTo>
+                    <a:pt x="226538" y="682"/>
+                    <a:pt x="210986" y="472"/>
+                    <a:pt x="202406" y="4762"/>
+                  </a:cubicBezTo>
+                  <a:cubicBezTo>
+                    <a:pt x="199846" y="6042"/>
+                    <a:pt x="197461" y="7693"/>
+                    <a:pt x="195262" y="9525"/>
+                  </a:cubicBezTo>
+                  <a:cubicBezTo>
+                    <a:pt x="192675" y="11681"/>
+                    <a:pt x="191063" y="15033"/>
+                    <a:pt x="188119" y="16668"/>
+                  </a:cubicBezTo>
+                  <a:cubicBezTo>
+                    <a:pt x="183730" y="19106"/>
+                    <a:pt x="178594" y="19843"/>
+                    <a:pt x="173831" y="21431"/>
+                  </a:cubicBezTo>
+                  <a:lnTo>
+                    <a:pt x="159544" y="26193"/>
+                  </a:lnTo>
+                  <a:cubicBezTo>
+                    <a:pt x="157163" y="26987"/>
+                    <a:pt x="154489" y="27183"/>
+                    <a:pt x="152400" y="28575"/>
+                  </a:cubicBezTo>
+                  <a:cubicBezTo>
+                    <a:pt x="143167" y="34729"/>
+                    <a:pt x="147971" y="32432"/>
+                    <a:pt x="138112" y="35718"/>
+                  </a:cubicBezTo>
+                  <a:cubicBezTo>
+                    <a:pt x="135731" y="37306"/>
+                    <a:pt x="133529" y="39201"/>
+                    <a:pt x="130969" y="40481"/>
+                  </a:cubicBezTo>
+                  <a:cubicBezTo>
+                    <a:pt x="128724" y="41604"/>
+                    <a:pt x="126327" y="42662"/>
+                    <a:pt x="123825" y="42862"/>
+                  </a:cubicBezTo>
+                  <a:cubicBezTo>
+                    <a:pt x="106400" y="44256"/>
+                    <a:pt x="88900" y="44449"/>
+                    <a:pt x="71437" y="45243"/>
+                  </a:cubicBezTo>
+                  <a:cubicBezTo>
+                    <a:pt x="68262" y="46037"/>
+                    <a:pt x="65059" y="46726"/>
+                    <a:pt x="61912" y="47625"/>
+                  </a:cubicBezTo>
+                  <a:cubicBezTo>
+                    <a:pt x="59499" y="48315"/>
+                    <a:pt x="57277" y="49910"/>
+                    <a:pt x="54769" y="50006"/>
+                  </a:cubicBezTo>
+                  <a:cubicBezTo>
+                    <a:pt x="36526" y="50708"/>
+                    <a:pt x="18256" y="50006"/>
+                    <a:pt x="0" y="50006"/>
+                  </a:cubicBezTo>
+                </a:path>
+              </a:pathLst>
+            </a:custGeom>
+            <a:noFill/>
+            <a:ln w="9525">
+              <a:solidFill>
+                <a:schemeClr val="tx1"/>
+              </a:solidFill>
+              <a:prstDash val="sysDot"/>
+            </a:ln>
+            <a:effectLst/>
+          </p:spPr>
+          <p:style>
+            <a:lnRef idx="2">
+              <a:schemeClr val="accent1">
+                <a:shade val="50000"/>
+              </a:schemeClr>
+            </a:lnRef>
+            <a:fillRef idx="1">
+              <a:schemeClr val="accent1"/>
+            </a:fillRef>
+            <a:effectRef idx="0">
+              <a:schemeClr val="accent1"/>
+            </a:effectRef>
+            <a:fontRef idx="minor">
+              <a:schemeClr val="lt1"/>
+            </a:fontRef>
+          </p:style>
+          <p:txBody>
+            <a:bodyPr rtlCol="0" anchor="ctr"/>
+            <a:lstStyle/>
+            <a:p>
+              <a:pPr algn="ctr"/>
+              <a:endParaRPr lang="en-US"/>
+            </a:p>
+          </p:txBody>
+        </p:sp>
+        <p:sp>
+          <p:nvSpPr>
+            <p:cNvPr id="135" name="Freeform 134"/>
+            <p:cNvSpPr/>
+            <p:nvPr/>
+          </p:nvSpPr>
+          <p:spPr>
+            <a:xfrm>
+              <a:off x="4232275" y="5041900"/>
+              <a:ext cx="25400" cy="279400"/>
+            </a:xfrm>
+            <a:custGeom>
+              <a:avLst/>
+              <a:gdLst>
+                <a:gd name="connsiteX0" fmla="*/ 22225 w 25400"/>
+                <a:gd name="connsiteY0" fmla="*/ 0 h 279400"/>
+                <a:gd name="connsiteX1" fmla="*/ 19050 w 25400"/>
+                <a:gd name="connsiteY1" fmla="*/ 76200 h 279400"/>
+                <a:gd name="connsiteX2" fmla="*/ 15875 w 25400"/>
+                <a:gd name="connsiteY2" fmla="*/ 92075 h 279400"/>
+                <a:gd name="connsiteX3" fmla="*/ 12700 w 25400"/>
+                <a:gd name="connsiteY3" fmla="*/ 117475 h 279400"/>
+                <a:gd name="connsiteX4" fmla="*/ 3175 w 25400"/>
+                <a:gd name="connsiteY4" fmla="*/ 149225 h 279400"/>
+                <a:gd name="connsiteX5" fmla="*/ 0 w 25400"/>
+                <a:gd name="connsiteY5" fmla="*/ 158750 h 279400"/>
+                <a:gd name="connsiteX6" fmla="*/ 3175 w 25400"/>
+                <a:gd name="connsiteY6" fmla="*/ 193675 h 279400"/>
+                <a:gd name="connsiteX7" fmla="*/ 6350 w 25400"/>
+                <a:gd name="connsiteY7" fmla="*/ 203200 h 279400"/>
+                <a:gd name="connsiteX8" fmla="*/ 9525 w 25400"/>
+                <a:gd name="connsiteY8" fmla="*/ 215900 h 279400"/>
+                <a:gd name="connsiteX9" fmla="*/ 12700 w 25400"/>
+                <a:gd name="connsiteY9" fmla="*/ 225425 h 279400"/>
+                <a:gd name="connsiteX10" fmla="*/ 22225 w 25400"/>
+                <a:gd name="connsiteY10" fmla="*/ 257175 h 279400"/>
+                <a:gd name="connsiteX11" fmla="*/ 25400 w 25400"/>
+                <a:gd name="connsiteY11" fmla="*/ 266700 h 279400"/>
+                <a:gd name="connsiteX12" fmla="*/ 25400 w 25400"/>
+                <a:gd name="connsiteY12" fmla="*/ 279400 h 279400"/>
+              </a:gdLst>
+              <a:ahLst/>
+              <a:cxnLst>
+                <a:cxn ang="0">
+                  <a:pos x="connsiteX0" y="connsiteY0"/>
+                </a:cxn>
+                <a:cxn ang="0">
+                  <a:pos x="connsiteX1" y="connsiteY1"/>
+                </a:cxn>
+                <a:cxn ang="0">
+                  <a:pos x="connsiteX2" y="connsiteY2"/>
+                </a:cxn>
+                <a:cxn ang="0">
+                  <a:pos x="connsiteX3" y="connsiteY3"/>
+                </a:cxn>
+                <a:cxn ang="0">
+                  <a:pos x="connsiteX4" y="connsiteY4"/>
+                </a:cxn>
+                <a:cxn ang="0">
+                  <a:pos x="connsiteX5" y="connsiteY5"/>
+                </a:cxn>
+                <a:cxn ang="0">
+                  <a:pos x="connsiteX6" y="connsiteY6"/>
+                </a:cxn>
+                <a:cxn ang="0">
+                  <a:pos x="connsiteX7" y="connsiteY7"/>
+                </a:cxn>
+                <a:cxn ang="0">
+                  <a:pos x="connsiteX8" y="connsiteY8"/>
+                </a:cxn>
+                <a:cxn ang="0">
+                  <a:pos x="connsiteX9" y="connsiteY9"/>
+                </a:cxn>
+                <a:cxn ang="0">
+                  <a:pos x="connsiteX10" y="connsiteY10"/>
+                </a:cxn>
+                <a:cxn ang="0">
+                  <a:pos x="connsiteX11" y="connsiteY11"/>
+                </a:cxn>
+                <a:cxn ang="0">
+                  <a:pos x="connsiteX12" y="connsiteY12"/>
+                </a:cxn>
+              </a:cxnLst>
+              <a:rect l="l" t="t" r="r" b="b"/>
+              <a:pathLst>
+                <a:path w="25400" h="279400">
+                  <a:moveTo>
+                    <a:pt x="22225" y="0"/>
+                  </a:moveTo>
+                  <a:cubicBezTo>
+                    <a:pt x="21167" y="25400"/>
+                    <a:pt x="20799" y="50838"/>
+                    <a:pt x="19050" y="76200"/>
+                  </a:cubicBezTo>
+                  <a:cubicBezTo>
+                    <a:pt x="18679" y="81584"/>
+                    <a:pt x="16696" y="86741"/>
+                    <a:pt x="15875" y="92075"/>
+                  </a:cubicBezTo>
+                  <a:cubicBezTo>
+                    <a:pt x="14578" y="100508"/>
+                    <a:pt x="14103" y="109059"/>
+                    <a:pt x="12700" y="117475"/>
+                  </a:cubicBezTo>
+                  <a:cubicBezTo>
+                    <a:pt x="11101" y="127072"/>
+                    <a:pt x="5998" y="140756"/>
+                    <a:pt x="3175" y="149225"/>
+                  </a:cubicBezTo>
+                  <a:lnTo>
+                    <a:pt x="0" y="158750"/>
+                  </a:lnTo>
+                  <a:cubicBezTo>
+                    <a:pt x="1058" y="170392"/>
+                    <a:pt x="1522" y="182103"/>
+                    <a:pt x="3175" y="193675"/>
+                  </a:cubicBezTo>
+                  <a:cubicBezTo>
+                    <a:pt x="3648" y="196988"/>
+                    <a:pt x="5431" y="199982"/>
+                    <a:pt x="6350" y="203200"/>
+                  </a:cubicBezTo>
+                  <a:cubicBezTo>
+                    <a:pt x="7549" y="207396"/>
+                    <a:pt x="8326" y="211704"/>
+                    <a:pt x="9525" y="215900"/>
+                  </a:cubicBezTo>
+                  <a:cubicBezTo>
+                    <a:pt x="10444" y="219118"/>
+                    <a:pt x="11781" y="222207"/>
+                    <a:pt x="12700" y="225425"/>
+                  </a:cubicBezTo>
+                  <a:cubicBezTo>
+                    <a:pt x="22297" y="259014"/>
+                    <a:pt x="7135" y="211904"/>
+                    <a:pt x="22225" y="257175"/>
+                  </a:cubicBezTo>
+                  <a:cubicBezTo>
+                    <a:pt x="23283" y="260350"/>
+                    <a:pt x="25400" y="263353"/>
+                    <a:pt x="25400" y="266700"/>
+                  </a:cubicBezTo>
+                  <a:lnTo>
+                    <a:pt x="25400" y="279400"/>
+                  </a:lnTo>
+                </a:path>
+              </a:pathLst>
+            </a:custGeom>
+            <a:noFill/>
+            <a:ln w="9525">
+              <a:solidFill>
+                <a:schemeClr val="tx1"/>
+              </a:solidFill>
+              <a:prstDash val="sysDot"/>
+            </a:ln>
+            <a:effectLst/>
+          </p:spPr>
+          <p:style>
+            <a:lnRef idx="2">
+              <a:schemeClr val="accent1">
+                <a:shade val="50000"/>
+              </a:schemeClr>
+            </a:lnRef>
+            <a:fillRef idx="1">
+              <a:schemeClr val="accent1"/>
+            </a:fillRef>
+            <a:effectRef idx="0">
+              <a:schemeClr val="accent1"/>
+            </a:effectRef>
+            <a:fontRef idx="minor">
+              <a:schemeClr val="lt1"/>
+            </a:fontRef>
+          </p:style>
+          <p:txBody>
+            <a:bodyPr rtlCol="0" anchor="ctr"/>
+            <a:lstStyle/>
+            <a:p>
+              <a:pPr algn="ctr"/>
+              <a:endParaRPr lang="en-US"/>
+            </a:p>
+          </p:txBody>
+        </p:sp>
+        <p:sp>
+          <p:nvSpPr>
+            <p:cNvPr id="136" name="Freeform 135"/>
+            <p:cNvSpPr/>
+            <p:nvPr/>
+          </p:nvSpPr>
+          <p:spPr>
+            <a:xfrm>
+              <a:off x="4007644" y="5103019"/>
+              <a:ext cx="28754" cy="285750"/>
+            </a:xfrm>
+            <a:custGeom>
+              <a:avLst/>
+              <a:gdLst>
+                <a:gd name="connsiteX0" fmla="*/ 0 w 28754"/>
+                <a:gd name="connsiteY0" fmla="*/ 0 h 285750"/>
+                <a:gd name="connsiteX1" fmla="*/ 2381 w 28754"/>
+                <a:gd name="connsiteY1" fmla="*/ 11906 h 285750"/>
+                <a:gd name="connsiteX2" fmla="*/ 4762 w 28754"/>
+                <a:gd name="connsiteY2" fmla="*/ 19050 h 285750"/>
+                <a:gd name="connsiteX3" fmla="*/ 7144 w 28754"/>
+                <a:gd name="connsiteY3" fmla="*/ 126206 h 285750"/>
+                <a:gd name="connsiteX4" fmla="*/ 14287 w 28754"/>
+                <a:gd name="connsiteY4" fmla="*/ 150019 h 285750"/>
+                <a:gd name="connsiteX5" fmla="*/ 21431 w 28754"/>
+                <a:gd name="connsiteY5" fmla="*/ 173831 h 285750"/>
+                <a:gd name="connsiteX6" fmla="*/ 26194 w 28754"/>
+                <a:gd name="connsiteY6" fmla="*/ 180975 h 285750"/>
+                <a:gd name="connsiteX7" fmla="*/ 28575 w 28754"/>
+                <a:gd name="connsiteY7" fmla="*/ 188119 h 285750"/>
+                <a:gd name="connsiteX8" fmla="*/ 23812 w 28754"/>
+                <a:gd name="connsiteY8" fmla="*/ 252412 h 285750"/>
+                <a:gd name="connsiteX9" fmla="*/ 19050 w 28754"/>
+                <a:gd name="connsiteY9" fmla="*/ 266700 h 285750"/>
+                <a:gd name="connsiteX10" fmla="*/ 16669 w 28754"/>
+                <a:gd name="connsiteY10" fmla="*/ 273844 h 285750"/>
+                <a:gd name="connsiteX11" fmla="*/ 14287 w 28754"/>
+                <a:gd name="connsiteY11" fmla="*/ 285750 h 285750"/>
+              </a:gdLst>
+              <a:ahLst/>
+              <a:cxnLst>
+                <a:cxn ang="0">
+                  <a:pos x="connsiteX0" y="connsiteY0"/>
+                </a:cxn>
+                <a:cxn ang="0">
+                  <a:pos x="connsiteX1" y="connsiteY1"/>
+                </a:cxn>
+                <a:cxn ang="0">
+                  <a:pos x="connsiteX2" y="connsiteY2"/>
+                </a:cxn>
+                <a:cxn ang="0">
+                  <a:pos x="connsiteX3" y="connsiteY3"/>
+                </a:cxn>
+                <a:cxn ang="0">
+                  <a:pos x="connsiteX4" y="connsiteY4"/>
+                </a:cxn>
+                <a:cxn ang="0">
+                  <a:pos x="connsiteX5" y="connsiteY5"/>
+                </a:cxn>
+                <a:cxn ang="0">
+                  <a:pos x="connsiteX6" y="connsiteY6"/>
+                </a:cxn>
+                <a:cxn ang="0">
+                  <a:pos x="connsiteX7" y="connsiteY7"/>
+                </a:cxn>
+                <a:cxn ang="0">
+                  <a:pos x="connsiteX8" y="connsiteY8"/>
+                </a:cxn>
+                <a:cxn ang="0">
+                  <a:pos x="connsiteX9" y="connsiteY9"/>
+                </a:cxn>
+                <a:cxn ang="0">
+                  <a:pos x="connsiteX10" y="connsiteY10"/>
+                </a:cxn>
+                <a:cxn ang="0">
+                  <a:pos x="connsiteX11" y="connsiteY11"/>
+                </a:cxn>
+              </a:cxnLst>
+              <a:rect l="l" t="t" r="r" b="b"/>
+              <a:pathLst>
+                <a:path w="28754" h="285750">
+                  <a:moveTo>
+                    <a:pt x="0" y="0"/>
+                  </a:moveTo>
+                  <a:cubicBezTo>
+                    <a:pt x="794" y="3969"/>
+                    <a:pt x="1399" y="7980"/>
+                    <a:pt x="2381" y="11906"/>
+                  </a:cubicBezTo>
+                  <a:cubicBezTo>
+                    <a:pt x="2990" y="14341"/>
+                    <a:pt x="4657" y="16542"/>
+                    <a:pt x="4762" y="19050"/>
+                  </a:cubicBezTo>
+                  <a:cubicBezTo>
+                    <a:pt x="6250" y="54747"/>
+                    <a:pt x="5687" y="90508"/>
+                    <a:pt x="7144" y="126206"/>
+                  </a:cubicBezTo>
+                  <a:cubicBezTo>
+                    <a:pt x="7328" y="130722"/>
+                    <a:pt x="13727" y="147781"/>
+                    <a:pt x="14287" y="150019"/>
+                  </a:cubicBezTo>
+                  <a:cubicBezTo>
+                    <a:pt x="15618" y="155340"/>
+                    <a:pt x="19115" y="170357"/>
+                    <a:pt x="21431" y="173831"/>
+                  </a:cubicBezTo>
+                  <a:lnTo>
+                    <a:pt x="26194" y="180975"/>
+                  </a:lnTo>
+                  <a:cubicBezTo>
+                    <a:pt x="26988" y="183356"/>
+                    <a:pt x="28575" y="185609"/>
+                    <a:pt x="28575" y="188119"/>
+                  </a:cubicBezTo>
+                  <a:cubicBezTo>
+                    <a:pt x="28575" y="212424"/>
+                    <a:pt x="30175" y="231201"/>
+                    <a:pt x="23812" y="252412"/>
+                  </a:cubicBezTo>
+                  <a:cubicBezTo>
+                    <a:pt x="22369" y="257220"/>
+                    <a:pt x="20637" y="261937"/>
+                    <a:pt x="19050" y="266700"/>
+                  </a:cubicBezTo>
+                  <a:cubicBezTo>
+                    <a:pt x="18256" y="269081"/>
+                    <a:pt x="17161" y="271383"/>
+                    <a:pt x="16669" y="273844"/>
+                  </a:cubicBezTo>
+                  <a:lnTo>
+                    <a:pt x="14287" y="285750"/>
+                  </a:lnTo>
+                </a:path>
+              </a:pathLst>
+            </a:custGeom>
+            <a:noFill/>
+            <a:ln w="9525">
+              <a:solidFill>
+                <a:schemeClr val="tx1"/>
+              </a:solidFill>
+              <a:prstDash val="sysDot"/>
+            </a:ln>
+            <a:effectLst/>
+          </p:spPr>
+          <p:style>
+            <a:lnRef idx="2">
+              <a:schemeClr val="accent1">
+                <a:shade val="50000"/>
+              </a:schemeClr>
+            </a:lnRef>
+            <a:fillRef idx="1">
+              <a:schemeClr val="accent1"/>
+            </a:fillRef>
+            <a:effectRef idx="0">
+              <a:schemeClr val="accent1"/>
+            </a:effectRef>
+            <a:fontRef idx="minor">
+              <a:schemeClr val="lt1"/>
+            </a:fontRef>
+          </p:style>
+          <p:txBody>
+            <a:bodyPr rtlCol="0" anchor="ctr"/>
+            <a:lstStyle/>
+            <a:p>
+              <a:pPr algn="ctr"/>
+              <a:endParaRPr lang="en-US"/>
+            </a:p>
+          </p:txBody>
+        </p:sp>
+      </p:grpSp>
+      <p:sp>
+        <p:nvSpPr>
+          <p:cNvPr id="156" name="Parallelogram 155"/>
+          <p:cNvSpPr/>
+          <p:nvPr/>
+        </p:nvSpPr>
+        <p:spPr>
+          <a:xfrm rot="20918055">
+            <a:off x="5099050" y="3777820"/>
+            <a:ext cx="1075609" cy="1584104"/>
+          </a:xfrm>
+          <a:prstGeom prst="parallelogram">
+            <a:avLst>
+              <a:gd name="adj" fmla="val 30661"/>
+            </a:avLst>
+          </a:prstGeom>
+          <a:solidFill>
+            <a:schemeClr val="accent6"/>
+          </a:solidFill>
+          <a:ln w="9525">
+            <a:noFill/>
+            <a:prstDash val="solid"/>
+          </a:ln>
+          <a:effectLst/>
+        </p:spPr>
+        <p:style>
+          <a:lnRef idx="2">
+            <a:schemeClr val="accent1">
+              <a:shade val="50000"/>
+            </a:schemeClr>
+          </a:lnRef>
+          <a:fillRef idx="1">
+            <a:schemeClr val="accent1"/>
+          </a:fillRef>
+          <a:effectRef idx="0">
+            <a:schemeClr val="accent1"/>
+          </a:effectRef>
+          <a:fontRef idx="minor">
+            <a:schemeClr val="lt1"/>
+          </a:fontRef>
+        </p:style>
+        <p:txBody>
+          <a:bodyPr rot="0" spcFirstLastPara="0" vertOverflow="overflow" horzOverflow="overflow" vert="horz" wrap="square" lIns="91440" tIns="45720" rIns="91440" bIns="45720" numCol="1" spcCol="0" rtlCol="0" fromWordArt="0" anchor="ctr" anchorCtr="0" forceAA="0" compatLnSpc="1">
+            <a:prstTxWarp prst="textNoShape">
+              <a:avLst/>
+            </a:prstTxWarp>
+            <a:noAutofit/>
+          </a:bodyPr>
+          <a:lstStyle/>
+          <a:p>
+            <a:pPr algn="ctr"/>
+            <a:endParaRPr lang="en-US"/>
+          </a:p>
+        </p:txBody>
+      </p:sp>
+    </p:spTree>
+    <p:extLst>
+      <p:ext uri="{BB962C8B-B14F-4D97-AF65-F5344CB8AC3E}">
+        <p14:creationId xmlns:p14="http://schemas.microsoft.com/office/powerpoint/2010/main" val="985675449"/>
+      </p:ext>
+    </p:extLst>
+  </p:cSld>
+  <p:clrMapOvr>
+    <a:masterClrMapping/>
+  </p:clrMapOvr>
+</p:sld>
+</file>
+
+<file path=ppt/slides/slide7.xml><?xml version="1.0" encoding="utf-8"?>
+<p:sld xmlns:a="http://schemas.openxmlformats.org/drawingml/2006/main" xmlns:r="http://schemas.openxmlformats.org/officeDocument/2006/relationships" xmlns:p="http://schemas.openxmlformats.org/presentationml/2006/main">
+  <p:cSld>
+    <p:spTree>
+      <p:nvGrpSpPr>
+        <p:cNvPr id="1" name=""/>
+        <p:cNvGrpSpPr/>
+        <p:nvPr/>
+      </p:nvGrpSpPr>
+      <p:grpSpPr>
+        <a:xfrm>
+          <a:off x="0" y="0"/>
+          <a:ext cx="0" cy="0"/>
+          <a:chOff x="0" y="0"/>
+          <a:chExt cx="0" cy="0"/>
+        </a:xfrm>
+      </p:grpSpPr>
+      <p:sp>
+        <p:nvSpPr>
+          <p:cNvPr id="15" name="Rectangle 14"/>
+          <p:cNvSpPr/>
+          <p:nvPr/>
+        </p:nvSpPr>
+        <p:spPr>
+          <a:xfrm>
+            <a:off x="6324600" y="3276600"/>
+            <a:ext cx="2286000" cy="1905000"/>
+          </a:xfrm>
+          <a:prstGeom prst="rect">
+            <a:avLst/>
+          </a:prstGeom>
+          <a:solidFill>
+            <a:schemeClr val="tx1">
+              <a:lumMod val="95000"/>
+              <a:lumOff val="5000"/>
+            </a:schemeClr>
+          </a:solidFill>
+          <a:ln w="114300">
+            <a:solidFill>
+              <a:schemeClr val="bg1"/>
+            </a:solidFill>
+            <a:prstDash val="sysDot"/>
+          </a:ln>
+          <a:effectLst/>
+        </p:spPr>
+        <p:style>
+          <a:lnRef idx="2">
+            <a:schemeClr val="accent1">
+              <a:shade val="50000"/>
+            </a:schemeClr>
+          </a:lnRef>
+          <a:fillRef idx="1">
+            <a:schemeClr val="accent1"/>
+          </a:fillRef>
+          <a:effectRef idx="0">
+            <a:schemeClr val="accent1"/>
+          </a:effectRef>
+          <a:fontRef idx="minor">
+            <a:schemeClr val="lt1"/>
+          </a:fontRef>
+        </p:style>
+        <p:txBody>
+          <a:bodyPr rot="0" spcFirstLastPara="0" vertOverflow="overflow" horzOverflow="overflow" vert="horz" wrap="square" lIns="91440" tIns="45720" rIns="91440" bIns="45720" numCol="1" spcCol="0" rtlCol="0" fromWordArt="0" anchor="ctr" anchorCtr="0" forceAA="0" compatLnSpc="1">
+            <a:prstTxWarp prst="textNoShape">
+              <a:avLst/>
+            </a:prstTxWarp>
+            <a:noAutofit/>
+          </a:bodyPr>
+          <a:lstStyle/>
+          <a:p>
+            <a:pPr algn="ctr"/>
+            <a:endParaRPr lang="en-US"/>
+          </a:p>
+        </p:txBody>
+      </p:sp>
+      <p:sp>
+        <p:nvSpPr>
+          <p:cNvPr id="2" name="Title 1"/>
           <p:cNvSpPr>
             <a:spLocks noGrp="1"/>
           </p:cNvSpPr>
           <p:nvPr>
-            <p:ph idx="1"/>
+            <p:ph type="title"/>
           </p:nvPr>
         </p:nvSpPr>
         <p:spPr/>
@@ -13637,14 +18350,3611 @@
           <a:bodyPr/>
           <a:lstStyle/>
           <a:p>
-            <a:endParaRPr lang="en-US" dirty="0"/>
+            <a:endParaRPr lang="en-US"/>
           </a:p>
         </p:txBody>
       </p:sp>
+      <p:pic>
+        <p:nvPicPr>
+          <p:cNvPr id="4" name="Content Placeholder 3"/>
+          <p:cNvPicPr>
+            <a:picLocks noGrp="1" noChangeAspect="1"/>
+          </p:cNvPicPr>
+          <p:nvPr>
+            <p:ph idx="1"/>
+          </p:nvPr>
+        </p:nvPicPr>
+        <p:blipFill>
+          <a:blip r:embed="rId2">
+            <a:extLst>
+              <a:ext uri="{28A0092B-C50C-407E-A947-70E740481C1C}">
+                <a14:useLocalDpi xmlns:a14="http://schemas.microsoft.com/office/drawing/2010/main" val="0"/>
+              </a:ext>
+            </a:extLst>
+          </a:blip>
+          <a:stretch>
+            <a:fillRect/>
+          </a:stretch>
+        </p:blipFill>
+        <p:spPr>
+          <a:xfrm>
+            <a:off x="3063346" y="1600200"/>
+            <a:ext cx="3017308" cy="4525963"/>
+          </a:xfrm>
+        </p:spPr>
+      </p:pic>
+      <p:sp>
+        <p:nvSpPr>
+          <p:cNvPr id="5" name="Rounded Rectangle 4"/>
+          <p:cNvSpPr/>
+          <p:nvPr/>
+        </p:nvSpPr>
+        <p:spPr>
+          <a:xfrm>
+            <a:off x="6459605" y="2057400"/>
+            <a:ext cx="311944" cy="271464"/>
+          </a:xfrm>
+          <a:prstGeom prst="roundRect">
+            <a:avLst/>
+          </a:prstGeom>
+          <a:solidFill>
+            <a:schemeClr val="tx1">
+              <a:lumMod val="75000"/>
+              <a:lumOff val="25000"/>
+            </a:schemeClr>
+          </a:solidFill>
+          <a:ln w="6350">
+            <a:solidFill>
+              <a:schemeClr val="tx1"/>
+            </a:solidFill>
+          </a:ln>
+        </p:spPr>
+        <p:style>
+          <a:lnRef idx="2">
+            <a:schemeClr val="accent1">
+              <a:shade val="50000"/>
+            </a:schemeClr>
+          </a:lnRef>
+          <a:fillRef idx="1">
+            <a:schemeClr val="accent1"/>
+          </a:fillRef>
+          <a:effectRef idx="0">
+            <a:schemeClr val="accent1"/>
+          </a:effectRef>
+          <a:fontRef idx="minor">
+            <a:schemeClr val="lt1"/>
+          </a:fontRef>
+        </p:style>
+        <p:txBody>
+          <a:bodyPr rtlCol="0" anchor="ctr"/>
+          <a:lstStyle/>
+          <a:p>
+            <a:pPr algn="ctr"/>
+            <a:endParaRPr lang="en-US"/>
+          </a:p>
+        </p:txBody>
+      </p:sp>
+      <p:sp>
+        <p:nvSpPr>
+          <p:cNvPr id="6" name="Oval Callout 5"/>
+          <p:cNvSpPr/>
+          <p:nvPr/>
+        </p:nvSpPr>
+        <p:spPr>
+          <a:xfrm>
+            <a:off x="6791718" y="3581400"/>
+            <a:ext cx="1514081" cy="1188966"/>
+          </a:xfrm>
+          <a:prstGeom prst="wedgeEllipseCallout">
+            <a:avLst>
+              <a:gd name="adj1" fmla="val -57179"/>
+              <a:gd name="adj2" fmla="val 56825"/>
+            </a:avLst>
+          </a:prstGeom>
+          <a:solidFill>
+            <a:schemeClr val="bg1"/>
+          </a:solidFill>
+          <a:ln>
+            <a:noFill/>
+          </a:ln>
+        </p:spPr>
+        <p:style>
+          <a:lnRef idx="2">
+            <a:schemeClr val="accent1">
+              <a:shade val="50000"/>
+            </a:schemeClr>
+          </a:lnRef>
+          <a:fillRef idx="1">
+            <a:schemeClr val="accent1"/>
+          </a:fillRef>
+          <a:effectRef idx="0">
+            <a:schemeClr val="accent1"/>
+          </a:effectRef>
+          <a:fontRef idx="minor">
+            <a:schemeClr val="lt1"/>
+          </a:fontRef>
+        </p:style>
+        <p:txBody>
+          <a:bodyPr rtlCol="0" anchor="ctr"/>
+          <a:lstStyle/>
+          <a:p>
+            <a:pPr algn="ctr"/>
+            <a:endParaRPr lang="en-US"/>
+          </a:p>
+        </p:txBody>
+      </p:sp>
+      <p:grpSp>
+        <p:nvGrpSpPr>
+          <p:cNvPr id="19" name="Group 18"/>
+          <p:cNvGrpSpPr/>
+          <p:nvPr/>
+        </p:nvGrpSpPr>
+        <p:grpSpPr>
+          <a:xfrm>
+            <a:off x="7315200" y="1715690"/>
+            <a:ext cx="1521224" cy="1262785"/>
+            <a:chOff x="6784575" y="3507581"/>
+            <a:chExt cx="1521224" cy="1262785"/>
+          </a:xfrm>
+        </p:grpSpPr>
+        <p:sp>
+          <p:nvSpPr>
+            <p:cNvPr id="18" name="Oval Callout 17"/>
+            <p:cNvSpPr/>
+            <p:nvPr/>
+          </p:nvSpPr>
+          <p:spPr>
+            <a:xfrm>
+              <a:off x="6784575" y="3507581"/>
+              <a:ext cx="1514081" cy="1188966"/>
+            </a:xfrm>
+            <a:prstGeom prst="wedgeEllipseCallout">
+              <a:avLst>
+                <a:gd name="adj1" fmla="val -57179"/>
+                <a:gd name="adj2" fmla="val 56825"/>
+              </a:avLst>
+            </a:prstGeom>
+            <a:solidFill>
+              <a:srgbClr val="383838"/>
+            </a:solidFill>
+            <a:ln>
+              <a:noFill/>
+            </a:ln>
+          </p:spPr>
+          <p:style>
+            <a:lnRef idx="2">
+              <a:schemeClr val="accent1">
+                <a:shade val="50000"/>
+              </a:schemeClr>
+            </a:lnRef>
+            <a:fillRef idx="1">
+              <a:schemeClr val="accent1"/>
+            </a:fillRef>
+            <a:effectRef idx="0">
+              <a:schemeClr val="accent1"/>
+            </a:effectRef>
+            <a:fontRef idx="minor">
+              <a:schemeClr val="lt1"/>
+            </a:fontRef>
+          </p:style>
+          <p:txBody>
+            <a:bodyPr rtlCol="0" anchor="ctr"/>
+            <a:lstStyle/>
+            <a:p>
+              <a:pPr algn="ctr"/>
+              <a:endParaRPr lang="en-US"/>
+            </a:p>
+          </p:txBody>
+        </p:sp>
+        <p:sp>
+          <p:nvSpPr>
+            <p:cNvPr id="16" name="Oval Callout 15"/>
+            <p:cNvSpPr/>
+            <p:nvPr/>
+          </p:nvSpPr>
+          <p:spPr>
+            <a:xfrm>
+              <a:off x="6791718" y="3581400"/>
+              <a:ext cx="1514081" cy="1188966"/>
+            </a:xfrm>
+            <a:prstGeom prst="wedgeEllipseCallout">
+              <a:avLst>
+                <a:gd name="adj1" fmla="val -57179"/>
+                <a:gd name="adj2" fmla="val 56825"/>
+              </a:avLst>
+            </a:prstGeom>
+            <a:solidFill>
+              <a:schemeClr val="bg1"/>
+            </a:solidFill>
+            <a:ln>
+              <a:noFill/>
+            </a:ln>
+          </p:spPr>
+          <p:style>
+            <a:lnRef idx="2">
+              <a:schemeClr val="accent1">
+                <a:shade val="50000"/>
+              </a:schemeClr>
+            </a:lnRef>
+            <a:fillRef idx="1">
+              <a:schemeClr val="accent1"/>
+            </a:fillRef>
+            <a:effectRef idx="0">
+              <a:schemeClr val="accent1"/>
+            </a:effectRef>
+            <a:fontRef idx="minor">
+              <a:schemeClr val="lt1"/>
+            </a:fontRef>
+          </p:style>
+          <p:txBody>
+            <a:bodyPr rtlCol="0" anchor="ctr"/>
+            <a:lstStyle/>
+            <a:p>
+              <a:pPr algn="ctr"/>
+              <a:endParaRPr lang="en-US"/>
+            </a:p>
+          </p:txBody>
+        </p:sp>
+      </p:grpSp>
+      <p:pic>
+        <p:nvPicPr>
+          <p:cNvPr id="7170" name="Picture 2"/>
+          <p:cNvPicPr>
+            <a:picLocks noChangeAspect="1" noChangeArrowheads="1"/>
+          </p:cNvPicPr>
+          <p:nvPr/>
+        </p:nvPicPr>
+        <p:blipFill>
+          <a:blip r:embed="rId3" cstate="print">
+            <a:extLst>
+              <a:ext uri="{28A0092B-C50C-407E-A947-70E740481C1C}">
+                <a14:useLocalDpi xmlns:a14="http://schemas.microsoft.com/office/drawing/2010/main" val="0"/>
+              </a:ext>
+            </a:extLst>
+          </a:blip>
+          <a:srcRect/>
+          <a:stretch>
+            <a:fillRect/>
+          </a:stretch>
+        </p:blipFill>
+        <p:spPr bwMode="auto">
+          <a:xfrm>
+            <a:off x="3212313" y="1887691"/>
+            <a:ext cx="250028" cy="204015"/>
+          </a:xfrm>
+          <a:prstGeom prst="rect">
+            <a:avLst/>
+          </a:prstGeom>
+          <a:noFill/>
+          <a:ln>
+            <a:noFill/>
+          </a:ln>
+          <a:effectLst/>
+          <a:extLst>
+            <a:ext uri="{909E8E84-426E-40DD-AFC4-6F175D3DCCD1}">
+              <a14:hiddenFill xmlns:a14="http://schemas.microsoft.com/office/drawing/2010/main">
+                <a:solidFill>
+                  <a:schemeClr val="accent1"/>
+                </a:solidFill>
+              </a14:hiddenFill>
+            </a:ext>
+            <a:ext uri="{91240B29-F687-4F45-9708-019B960494DF}">
+              <a14:hiddenLine xmlns:a14="http://schemas.microsoft.com/office/drawing/2010/main" w="9525">
+                <a:solidFill>
+                  <a:schemeClr val="tx1"/>
+                </a:solidFill>
+                <a:miter lim="800000"/>
+                <a:headEnd/>
+                <a:tailEnd/>
+              </a14:hiddenLine>
+            </a:ext>
+            <a:ext uri="{AF507438-7753-43E0-B8FC-AC1667EBCBE1}">
+              <a14:hiddenEffects xmlns:a14="http://schemas.microsoft.com/office/drawing/2010/main">
+                <a:effectLst>
+                  <a:outerShdw dist="35921" dir="2700000" algn="ctr" rotWithShape="0">
+                    <a:schemeClr val="bg2"/>
+                  </a:outerShdw>
+                </a:effectLst>
+              </a14:hiddenEffects>
+            </a:ext>
+          </a:extLst>
+        </p:spPr>
+      </p:pic>
     </p:spTree>
     <p:extLst>
       <p:ext uri="{BB962C8B-B14F-4D97-AF65-F5344CB8AC3E}">
-        <p14:creationId xmlns:p14="http://schemas.microsoft.com/office/powerpoint/2010/main" val="176522958"/>
+        <p14:creationId xmlns:p14="http://schemas.microsoft.com/office/powerpoint/2010/main" val="1610066704"/>
+      </p:ext>
+    </p:extLst>
+  </p:cSld>
+  <p:clrMapOvr>
+    <a:masterClrMapping/>
+  </p:clrMapOvr>
+</p:sld>
+</file>
+
+<file path=ppt/slides/slide8.xml><?xml version="1.0" encoding="utf-8"?>
+<p:sld xmlns:a="http://schemas.openxmlformats.org/drawingml/2006/main" xmlns:r="http://schemas.openxmlformats.org/officeDocument/2006/relationships" xmlns:p="http://schemas.openxmlformats.org/presentationml/2006/main">
+  <p:cSld>
+    <p:bg>
+      <p:bgPr>
+        <a:solidFill>
+          <a:schemeClr val="accent1">
+            <a:lumMod val="60000"/>
+            <a:lumOff val="40000"/>
+          </a:schemeClr>
+        </a:solidFill>
+        <a:effectLst/>
+      </p:bgPr>
+    </p:bg>
+    <p:spTree>
+      <p:nvGrpSpPr>
+        <p:cNvPr id="1" name=""/>
+        <p:cNvGrpSpPr/>
+        <p:nvPr/>
+      </p:nvGrpSpPr>
+      <p:grpSpPr>
+        <a:xfrm>
+          <a:off x="0" y="0"/>
+          <a:ext cx="0" cy="0"/>
+          <a:chOff x="0" y="0"/>
+          <a:chExt cx="0" cy="0"/>
+        </a:xfrm>
+      </p:grpSpPr>
+      <p:grpSp>
+        <p:nvGrpSpPr>
+          <p:cNvPr id="5178" name="Group 5177"/>
+          <p:cNvGrpSpPr/>
+          <p:nvPr/>
+        </p:nvGrpSpPr>
+        <p:grpSpPr>
+          <a:xfrm>
+            <a:off x="861407" y="1259319"/>
+            <a:ext cx="6888906" cy="4155931"/>
+            <a:chOff x="861407" y="1259319"/>
+            <a:chExt cx="6888906" cy="4155931"/>
+          </a:xfrm>
+        </p:grpSpPr>
+        <p:sp>
+          <p:nvSpPr>
+            <p:cNvPr id="11" name="Parallelogram 10"/>
+            <p:cNvSpPr/>
+            <p:nvPr/>
+          </p:nvSpPr>
+          <p:spPr>
+            <a:xfrm rot="20918055">
+              <a:off x="861407" y="1259319"/>
+              <a:ext cx="2786060" cy="4103173"/>
+            </a:xfrm>
+            <a:prstGeom prst="parallelogram">
+              <a:avLst>
+                <a:gd name="adj" fmla="val 30661"/>
+              </a:avLst>
+            </a:prstGeom>
+            <a:solidFill>
+              <a:schemeClr val="tx1"/>
+            </a:solidFill>
+            <a:ln w="9525">
+              <a:noFill/>
+              <a:prstDash val="solid"/>
+            </a:ln>
+            <a:effectLst/>
+          </p:spPr>
+          <p:style>
+            <a:lnRef idx="2">
+              <a:schemeClr val="accent1">
+                <a:shade val="50000"/>
+              </a:schemeClr>
+            </a:lnRef>
+            <a:fillRef idx="1">
+              <a:schemeClr val="accent1"/>
+            </a:fillRef>
+            <a:effectRef idx="0">
+              <a:schemeClr val="accent1"/>
+            </a:effectRef>
+            <a:fontRef idx="minor">
+              <a:schemeClr val="lt1"/>
+            </a:fontRef>
+          </p:style>
+          <p:txBody>
+            <a:bodyPr rot="0" spcFirstLastPara="0" vertOverflow="overflow" horzOverflow="overflow" vert="horz" wrap="square" lIns="91440" tIns="45720" rIns="91440" bIns="45720" numCol="1" spcCol="0" rtlCol="0" fromWordArt="0" anchor="ctr" anchorCtr="0" forceAA="0" compatLnSpc="1">
+              <a:prstTxWarp prst="textNoShape">
+                <a:avLst/>
+              </a:prstTxWarp>
+              <a:noAutofit/>
+            </a:bodyPr>
+            <a:lstStyle/>
+            <a:p>
+              <a:pPr algn="ctr"/>
+              <a:endParaRPr lang="en-US"/>
+            </a:p>
+          </p:txBody>
+        </p:sp>
+        <p:grpSp>
+          <p:nvGrpSpPr>
+            <p:cNvPr id="5177" name="Group 5176"/>
+            <p:cNvGrpSpPr/>
+            <p:nvPr/>
+          </p:nvGrpSpPr>
+          <p:grpSpPr>
+            <a:xfrm>
+              <a:off x="1428750" y="1282941"/>
+              <a:ext cx="6321563" cy="4132309"/>
+              <a:chOff x="1428750" y="1282941"/>
+              <a:chExt cx="6321563" cy="4132309"/>
+            </a:xfrm>
+          </p:grpSpPr>
+          <p:sp>
+            <p:nvSpPr>
+              <p:cNvPr id="12" name="Parallelogram 11"/>
+              <p:cNvSpPr/>
+              <p:nvPr/>
+            </p:nvSpPr>
+            <p:spPr>
+              <a:xfrm rot="736438" flipH="1">
+                <a:off x="2842220" y="1282941"/>
+                <a:ext cx="2884282" cy="4103173"/>
+              </a:xfrm>
+              <a:prstGeom prst="parallelogram">
+                <a:avLst>
+                  <a:gd name="adj" fmla="val 30209"/>
+                </a:avLst>
+              </a:prstGeom>
+              <a:solidFill>
+                <a:schemeClr val="tx1"/>
+              </a:solidFill>
+              <a:ln w="9525">
+                <a:noFill/>
+                <a:prstDash val="solid"/>
+              </a:ln>
+              <a:effectLst/>
+            </p:spPr>
+            <p:style>
+              <a:lnRef idx="2">
+                <a:schemeClr val="accent1">
+                  <a:shade val="50000"/>
+                </a:schemeClr>
+              </a:lnRef>
+              <a:fillRef idx="1">
+                <a:schemeClr val="accent1"/>
+              </a:fillRef>
+              <a:effectRef idx="0">
+                <a:schemeClr val="accent1"/>
+              </a:effectRef>
+              <a:fontRef idx="minor">
+                <a:schemeClr val="lt1"/>
+              </a:fontRef>
+            </p:style>
+            <p:txBody>
+              <a:bodyPr rot="0" spcFirstLastPara="0" vertOverflow="overflow" horzOverflow="overflow" vert="horz" wrap="square" lIns="91440" tIns="45720" rIns="91440" bIns="45720" numCol="1" spcCol="0" rtlCol="0" fromWordArt="0" anchor="ctr" anchorCtr="0" forceAA="0" compatLnSpc="1">
+                <a:prstTxWarp prst="textNoShape">
+                  <a:avLst/>
+                </a:prstTxWarp>
+                <a:noAutofit/>
+              </a:bodyPr>
+              <a:lstStyle/>
+              <a:p>
+                <a:pPr algn="ctr"/>
+                <a:endParaRPr lang="en-US"/>
+              </a:p>
+            </p:txBody>
+          </p:sp>
+          <p:sp>
+            <p:nvSpPr>
+              <p:cNvPr id="13" name="Parallelogram 12"/>
+              <p:cNvSpPr/>
+              <p:nvPr/>
+            </p:nvSpPr>
+            <p:spPr>
+              <a:xfrm rot="20984158">
+                <a:off x="4964253" y="1312077"/>
+                <a:ext cx="2786060" cy="4103173"/>
+              </a:xfrm>
+              <a:prstGeom prst="parallelogram">
+                <a:avLst>
+                  <a:gd name="adj" fmla="val 27478"/>
+                </a:avLst>
+              </a:prstGeom>
+              <a:solidFill>
+                <a:schemeClr val="tx1"/>
+              </a:solidFill>
+              <a:ln w="9525">
+                <a:noFill/>
+                <a:prstDash val="solid"/>
+              </a:ln>
+              <a:effectLst/>
+            </p:spPr>
+            <p:style>
+              <a:lnRef idx="2">
+                <a:schemeClr val="accent1">
+                  <a:shade val="50000"/>
+                </a:schemeClr>
+              </a:lnRef>
+              <a:fillRef idx="1">
+                <a:schemeClr val="accent1"/>
+              </a:fillRef>
+              <a:effectRef idx="0">
+                <a:schemeClr val="accent1"/>
+              </a:effectRef>
+              <a:fontRef idx="minor">
+                <a:schemeClr val="lt1"/>
+              </a:fontRef>
+            </p:style>
+            <p:txBody>
+              <a:bodyPr rot="0" spcFirstLastPara="0" vertOverflow="overflow" horzOverflow="overflow" vert="horz" wrap="square" lIns="91440" tIns="45720" rIns="91440" bIns="45720" numCol="1" spcCol="0" rtlCol="0" fromWordArt="0" anchor="ctr" anchorCtr="0" forceAA="0" compatLnSpc="1">
+                <a:prstTxWarp prst="textNoShape">
+                  <a:avLst/>
+                </a:prstTxWarp>
+                <a:noAutofit/>
+              </a:bodyPr>
+              <a:lstStyle/>
+              <a:p>
+                <a:pPr algn="ctr"/>
+                <a:endParaRPr lang="en-US"/>
+              </a:p>
+            </p:txBody>
+          </p:sp>
+          <p:sp>
+            <p:nvSpPr>
+              <p:cNvPr id="19" name="Freeform 18"/>
+              <p:cNvSpPr/>
+              <p:nvPr/>
+            </p:nvSpPr>
+            <p:spPr>
+              <a:xfrm>
+                <a:off x="1607505" y="1638491"/>
+                <a:ext cx="607020" cy="763504"/>
+              </a:xfrm>
+              <a:custGeom>
+                <a:avLst/>
+                <a:gdLst>
+                  <a:gd name="connsiteX0" fmla="*/ 0 w 548640"/>
+                  <a:gd name="connsiteY0" fmla="*/ 106680 h 769620"/>
+                  <a:gd name="connsiteX1" fmla="*/ 0 w 548640"/>
+                  <a:gd name="connsiteY1" fmla="*/ 769620 h 769620"/>
+                  <a:gd name="connsiteX2" fmla="*/ 548640 w 548640"/>
+                  <a:gd name="connsiteY2" fmla="*/ 655320 h 769620"/>
+                  <a:gd name="connsiteX3" fmla="*/ 548640 w 548640"/>
+                  <a:gd name="connsiteY3" fmla="*/ 0 h 769620"/>
+                  <a:gd name="connsiteX4" fmla="*/ 0 w 548640"/>
+                  <a:gd name="connsiteY4" fmla="*/ 106680 h 769620"/>
+                </a:gdLst>
+                <a:ahLst/>
+                <a:cxnLst>
+                  <a:cxn ang="0">
+                    <a:pos x="connsiteX0" y="connsiteY0"/>
+                  </a:cxn>
+                  <a:cxn ang="0">
+                    <a:pos x="connsiteX1" y="connsiteY1"/>
+                  </a:cxn>
+                  <a:cxn ang="0">
+                    <a:pos x="connsiteX2" y="connsiteY2"/>
+                  </a:cxn>
+                  <a:cxn ang="0">
+                    <a:pos x="connsiteX3" y="connsiteY3"/>
+                  </a:cxn>
+                  <a:cxn ang="0">
+                    <a:pos x="connsiteX4" y="connsiteY4"/>
+                  </a:cxn>
+                </a:cxnLst>
+                <a:rect l="l" t="t" r="r" b="b"/>
+                <a:pathLst>
+                  <a:path w="548640" h="769620">
+                    <a:moveTo>
+                      <a:pt x="0" y="106680"/>
+                    </a:moveTo>
+                    <a:lnTo>
+                      <a:pt x="0" y="769620"/>
+                    </a:lnTo>
+                    <a:lnTo>
+                      <a:pt x="548640" y="655320"/>
+                    </a:lnTo>
+                    <a:lnTo>
+                      <a:pt x="548640" y="0"/>
+                    </a:lnTo>
+                    <a:lnTo>
+                      <a:pt x="0" y="106680"/>
+                    </a:lnTo>
+                    <a:close/>
+                  </a:path>
+                </a:pathLst>
+              </a:custGeom>
+              <a:solidFill>
+                <a:schemeClr val="bg1"/>
+              </a:solidFill>
+              <a:ln w="50800" cap="sq">
+                <a:solidFill>
+                  <a:schemeClr val="bg1"/>
+                </a:solidFill>
+                <a:prstDash val="solid"/>
+                <a:round/>
+              </a:ln>
+              <a:effectLst/>
+            </p:spPr>
+            <p:style>
+              <a:lnRef idx="2">
+                <a:schemeClr val="accent1">
+                  <a:shade val="50000"/>
+                </a:schemeClr>
+              </a:lnRef>
+              <a:fillRef idx="1">
+                <a:schemeClr val="accent1"/>
+              </a:fillRef>
+              <a:effectRef idx="0">
+                <a:schemeClr val="accent1"/>
+              </a:effectRef>
+              <a:fontRef idx="minor">
+                <a:schemeClr val="lt1"/>
+              </a:fontRef>
+            </p:style>
+            <p:txBody>
+              <a:bodyPr rot="0" spcFirstLastPara="0" vertOverflow="overflow" horzOverflow="overflow" vert="horz" wrap="square" lIns="91440" tIns="45720" rIns="91440" bIns="45720" numCol="1" spcCol="0" rtlCol="0" fromWordArt="0" anchor="ctr" anchorCtr="0" forceAA="0" compatLnSpc="1">
+                <a:prstTxWarp prst="textNoShape">
+                  <a:avLst/>
+                </a:prstTxWarp>
+                <a:noAutofit/>
+              </a:bodyPr>
+              <a:lstStyle/>
+              <a:p>
+                <a:pPr algn="ctr"/>
+                <a:endParaRPr lang="en-US"/>
+              </a:p>
+            </p:txBody>
+          </p:sp>
+          <p:sp>
+            <p:nvSpPr>
+              <p:cNvPr id="21" name="Freeform 20"/>
+              <p:cNvSpPr/>
+              <p:nvPr/>
+            </p:nvSpPr>
+            <p:spPr>
+              <a:xfrm>
+                <a:off x="1820841" y="4228539"/>
+                <a:ext cx="607020" cy="763504"/>
+              </a:xfrm>
+              <a:custGeom>
+                <a:avLst/>
+                <a:gdLst>
+                  <a:gd name="connsiteX0" fmla="*/ 0 w 548640"/>
+                  <a:gd name="connsiteY0" fmla="*/ 106680 h 769620"/>
+                  <a:gd name="connsiteX1" fmla="*/ 0 w 548640"/>
+                  <a:gd name="connsiteY1" fmla="*/ 769620 h 769620"/>
+                  <a:gd name="connsiteX2" fmla="*/ 548640 w 548640"/>
+                  <a:gd name="connsiteY2" fmla="*/ 655320 h 769620"/>
+                  <a:gd name="connsiteX3" fmla="*/ 548640 w 548640"/>
+                  <a:gd name="connsiteY3" fmla="*/ 0 h 769620"/>
+                  <a:gd name="connsiteX4" fmla="*/ 0 w 548640"/>
+                  <a:gd name="connsiteY4" fmla="*/ 106680 h 769620"/>
+                </a:gdLst>
+                <a:ahLst/>
+                <a:cxnLst>
+                  <a:cxn ang="0">
+                    <a:pos x="connsiteX0" y="connsiteY0"/>
+                  </a:cxn>
+                  <a:cxn ang="0">
+                    <a:pos x="connsiteX1" y="connsiteY1"/>
+                  </a:cxn>
+                  <a:cxn ang="0">
+                    <a:pos x="connsiteX2" y="connsiteY2"/>
+                  </a:cxn>
+                  <a:cxn ang="0">
+                    <a:pos x="connsiteX3" y="connsiteY3"/>
+                  </a:cxn>
+                  <a:cxn ang="0">
+                    <a:pos x="connsiteX4" y="connsiteY4"/>
+                  </a:cxn>
+                </a:cxnLst>
+                <a:rect l="l" t="t" r="r" b="b"/>
+                <a:pathLst>
+                  <a:path w="548640" h="769620">
+                    <a:moveTo>
+                      <a:pt x="0" y="106680"/>
+                    </a:moveTo>
+                    <a:lnTo>
+                      <a:pt x="0" y="769620"/>
+                    </a:lnTo>
+                    <a:lnTo>
+                      <a:pt x="548640" y="655320"/>
+                    </a:lnTo>
+                    <a:lnTo>
+                      <a:pt x="548640" y="0"/>
+                    </a:lnTo>
+                    <a:lnTo>
+                      <a:pt x="0" y="106680"/>
+                    </a:lnTo>
+                    <a:close/>
+                  </a:path>
+                </a:pathLst>
+              </a:custGeom>
+              <a:solidFill>
+                <a:schemeClr val="bg1"/>
+              </a:solidFill>
+              <a:ln w="50800" cap="sq">
+                <a:solidFill>
+                  <a:schemeClr val="bg1"/>
+                </a:solidFill>
+                <a:prstDash val="solid"/>
+                <a:round/>
+              </a:ln>
+              <a:effectLst/>
+            </p:spPr>
+            <p:style>
+              <a:lnRef idx="2">
+                <a:schemeClr val="accent1">
+                  <a:shade val="50000"/>
+                </a:schemeClr>
+              </a:lnRef>
+              <a:fillRef idx="1">
+                <a:schemeClr val="accent1"/>
+              </a:fillRef>
+              <a:effectRef idx="0">
+                <a:schemeClr val="accent1"/>
+              </a:effectRef>
+              <a:fontRef idx="minor">
+                <a:schemeClr val="lt1"/>
+              </a:fontRef>
+            </p:style>
+            <p:txBody>
+              <a:bodyPr rot="0" spcFirstLastPara="0" vertOverflow="overflow" horzOverflow="overflow" vert="horz" wrap="square" lIns="91440" tIns="45720" rIns="91440" bIns="45720" numCol="1" spcCol="0" rtlCol="0" fromWordArt="0" anchor="ctr" anchorCtr="0" forceAA="0" compatLnSpc="1">
+                <a:prstTxWarp prst="textNoShape">
+                  <a:avLst/>
+                </a:prstTxWarp>
+                <a:noAutofit/>
+              </a:bodyPr>
+              <a:lstStyle/>
+              <a:p>
+                <a:pPr algn="ctr"/>
+                <a:endParaRPr lang="en-US"/>
+              </a:p>
+            </p:txBody>
+          </p:sp>
+          <p:sp>
+            <p:nvSpPr>
+              <p:cNvPr id="22" name="Freeform 21"/>
+              <p:cNvSpPr/>
+              <p:nvPr/>
+            </p:nvSpPr>
+            <p:spPr>
+              <a:xfrm>
+                <a:off x="6340929" y="2967814"/>
+                <a:ext cx="607020" cy="763504"/>
+              </a:xfrm>
+              <a:custGeom>
+                <a:avLst/>
+                <a:gdLst>
+                  <a:gd name="connsiteX0" fmla="*/ 0 w 548640"/>
+                  <a:gd name="connsiteY0" fmla="*/ 106680 h 769620"/>
+                  <a:gd name="connsiteX1" fmla="*/ 0 w 548640"/>
+                  <a:gd name="connsiteY1" fmla="*/ 769620 h 769620"/>
+                  <a:gd name="connsiteX2" fmla="*/ 548640 w 548640"/>
+                  <a:gd name="connsiteY2" fmla="*/ 655320 h 769620"/>
+                  <a:gd name="connsiteX3" fmla="*/ 548640 w 548640"/>
+                  <a:gd name="connsiteY3" fmla="*/ 0 h 769620"/>
+                  <a:gd name="connsiteX4" fmla="*/ 0 w 548640"/>
+                  <a:gd name="connsiteY4" fmla="*/ 106680 h 769620"/>
+                </a:gdLst>
+                <a:ahLst/>
+                <a:cxnLst>
+                  <a:cxn ang="0">
+                    <a:pos x="connsiteX0" y="connsiteY0"/>
+                  </a:cxn>
+                  <a:cxn ang="0">
+                    <a:pos x="connsiteX1" y="connsiteY1"/>
+                  </a:cxn>
+                  <a:cxn ang="0">
+                    <a:pos x="connsiteX2" y="connsiteY2"/>
+                  </a:cxn>
+                  <a:cxn ang="0">
+                    <a:pos x="connsiteX3" y="connsiteY3"/>
+                  </a:cxn>
+                  <a:cxn ang="0">
+                    <a:pos x="connsiteX4" y="connsiteY4"/>
+                  </a:cxn>
+                </a:cxnLst>
+                <a:rect l="l" t="t" r="r" b="b"/>
+                <a:pathLst>
+                  <a:path w="548640" h="769620">
+                    <a:moveTo>
+                      <a:pt x="0" y="106680"/>
+                    </a:moveTo>
+                    <a:lnTo>
+                      <a:pt x="0" y="769620"/>
+                    </a:lnTo>
+                    <a:lnTo>
+                      <a:pt x="548640" y="655320"/>
+                    </a:lnTo>
+                    <a:lnTo>
+                      <a:pt x="548640" y="0"/>
+                    </a:lnTo>
+                    <a:lnTo>
+                      <a:pt x="0" y="106680"/>
+                    </a:lnTo>
+                    <a:close/>
+                  </a:path>
+                </a:pathLst>
+              </a:custGeom>
+              <a:solidFill>
+                <a:schemeClr val="bg1"/>
+              </a:solidFill>
+              <a:ln w="50800" cap="sq">
+                <a:solidFill>
+                  <a:schemeClr val="bg1"/>
+                </a:solidFill>
+                <a:prstDash val="solid"/>
+                <a:round/>
+              </a:ln>
+              <a:effectLst/>
+            </p:spPr>
+            <p:style>
+              <a:lnRef idx="2">
+                <a:schemeClr val="accent1">
+                  <a:shade val="50000"/>
+                </a:schemeClr>
+              </a:lnRef>
+              <a:fillRef idx="1">
+                <a:schemeClr val="accent1"/>
+              </a:fillRef>
+              <a:effectRef idx="0">
+                <a:schemeClr val="accent1"/>
+              </a:effectRef>
+              <a:fontRef idx="minor">
+                <a:schemeClr val="lt1"/>
+              </a:fontRef>
+            </p:style>
+            <p:txBody>
+              <a:bodyPr rot="0" spcFirstLastPara="0" vertOverflow="overflow" horzOverflow="overflow" vert="horz" wrap="square" lIns="91440" tIns="45720" rIns="91440" bIns="45720" numCol="1" spcCol="0" rtlCol="0" fromWordArt="0" anchor="ctr" anchorCtr="0" forceAA="0" compatLnSpc="1">
+                <a:prstTxWarp prst="textNoShape">
+                  <a:avLst/>
+                </a:prstTxWarp>
+                <a:noAutofit/>
+              </a:bodyPr>
+              <a:lstStyle/>
+              <a:p>
+                <a:pPr algn="ctr"/>
+                <a:endParaRPr lang="en-US"/>
+              </a:p>
+            </p:txBody>
+          </p:sp>
+          <p:sp>
+            <p:nvSpPr>
+              <p:cNvPr id="23" name="Freeform 22"/>
+              <p:cNvSpPr/>
+              <p:nvPr/>
+            </p:nvSpPr>
+            <p:spPr>
+              <a:xfrm>
+                <a:off x="5641380" y="1674896"/>
+                <a:ext cx="607020" cy="763504"/>
+              </a:xfrm>
+              <a:custGeom>
+                <a:avLst/>
+                <a:gdLst>
+                  <a:gd name="connsiteX0" fmla="*/ 0 w 548640"/>
+                  <a:gd name="connsiteY0" fmla="*/ 106680 h 769620"/>
+                  <a:gd name="connsiteX1" fmla="*/ 0 w 548640"/>
+                  <a:gd name="connsiteY1" fmla="*/ 769620 h 769620"/>
+                  <a:gd name="connsiteX2" fmla="*/ 548640 w 548640"/>
+                  <a:gd name="connsiteY2" fmla="*/ 655320 h 769620"/>
+                  <a:gd name="connsiteX3" fmla="*/ 548640 w 548640"/>
+                  <a:gd name="connsiteY3" fmla="*/ 0 h 769620"/>
+                  <a:gd name="connsiteX4" fmla="*/ 0 w 548640"/>
+                  <a:gd name="connsiteY4" fmla="*/ 106680 h 769620"/>
+                </a:gdLst>
+                <a:ahLst/>
+                <a:cxnLst>
+                  <a:cxn ang="0">
+                    <a:pos x="connsiteX0" y="connsiteY0"/>
+                  </a:cxn>
+                  <a:cxn ang="0">
+                    <a:pos x="connsiteX1" y="connsiteY1"/>
+                  </a:cxn>
+                  <a:cxn ang="0">
+                    <a:pos x="connsiteX2" y="connsiteY2"/>
+                  </a:cxn>
+                  <a:cxn ang="0">
+                    <a:pos x="connsiteX3" y="connsiteY3"/>
+                  </a:cxn>
+                  <a:cxn ang="0">
+                    <a:pos x="connsiteX4" y="connsiteY4"/>
+                  </a:cxn>
+                </a:cxnLst>
+                <a:rect l="l" t="t" r="r" b="b"/>
+                <a:pathLst>
+                  <a:path w="548640" h="769620">
+                    <a:moveTo>
+                      <a:pt x="0" y="106680"/>
+                    </a:moveTo>
+                    <a:lnTo>
+                      <a:pt x="0" y="769620"/>
+                    </a:lnTo>
+                    <a:lnTo>
+                      <a:pt x="548640" y="655320"/>
+                    </a:lnTo>
+                    <a:lnTo>
+                      <a:pt x="548640" y="0"/>
+                    </a:lnTo>
+                    <a:lnTo>
+                      <a:pt x="0" y="106680"/>
+                    </a:lnTo>
+                    <a:close/>
+                  </a:path>
+                </a:pathLst>
+              </a:custGeom>
+              <a:solidFill>
+                <a:schemeClr val="bg1"/>
+              </a:solidFill>
+              <a:ln w="50800" cap="sq">
+                <a:solidFill>
+                  <a:schemeClr val="bg1"/>
+                </a:solidFill>
+                <a:prstDash val="solid"/>
+                <a:round/>
+              </a:ln>
+              <a:effectLst/>
+            </p:spPr>
+            <p:style>
+              <a:lnRef idx="2">
+                <a:schemeClr val="accent1">
+                  <a:shade val="50000"/>
+                </a:schemeClr>
+              </a:lnRef>
+              <a:fillRef idx="1">
+                <a:schemeClr val="accent1"/>
+              </a:fillRef>
+              <a:effectRef idx="0">
+                <a:schemeClr val="accent1"/>
+              </a:effectRef>
+              <a:fontRef idx="minor">
+                <a:schemeClr val="lt1"/>
+              </a:fontRef>
+            </p:style>
+            <p:txBody>
+              <a:bodyPr rot="0" spcFirstLastPara="0" vertOverflow="overflow" horzOverflow="overflow" vert="horz" wrap="square" lIns="91440" tIns="45720" rIns="91440" bIns="45720" numCol="1" spcCol="0" rtlCol="0" fromWordArt="0" anchor="ctr" anchorCtr="0" forceAA="0" compatLnSpc="1">
+                <a:prstTxWarp prst="textNoShape">
+                  <a:avLst/>
+                </a:prstTxWarp>
+                <a:noAutofit/>
+              </a:bodyPr>
+              <a:lstStyle/>
+              <a:p>
+                <a:pPr algn="ctr"/>
+                <a:endParaRPr lang="en-US"/>
+              </a:p>
+            </p:txBody>
+          </p:sp>
+          <p:sp>
+            <p:nvSpPr>
+              <p:cNvPr id="28" name="Freeform 27"/>
+              <p:cNvSpPr/>
+              <p:nvPr/>
+            </p:nvSpPr>
+            <p:spPr>
+              <a:xfrm flipH="1">
+                <a:off x="4263384" y="1536139"/>
+                <a:ext cx="561380" cy="788904"/>
+              </a:xfrm>
+              <a:custGeom>
+                <a:avLst/>
+                <a:gdLst>
+                  <a:gd name="connsiteX0" fmla="*/ 0 w 548640"/>
+                  <a:gd name="connsiteY0" fmla="*/ 106680 h 769620"/>
+                  <a:gd name="connsiteX1" fmla="*/ 0 w 548640"/>
+                  <a:gd name="connsiteY1" fmla="*/ 769620 h 769620"/>
+                  <a:gd name="connsiteX2" fmla="*/ 548640 w 548640"/>
+                  <a:gd name="connsiteY2" fmla="*/ 655320 h 769620"/>
+                  <a:gd name="connsiteX3" fmla="*/ 548640 w 548640"/>
+                  <a:gd name="connsiteY3" fmla="*/ 0 h 769620"/>
+                  <a:gd name="connsiteX4" fmla="*/ 0 w 548640"/>
+                  <a:gd name="connsiteY4" fmla="*/ 106680 h 769620"/>
+                  <a:gd name="connsiteX0" fmla="*/ 0 w 555140"/>
+                  <a:gd name="connsiteY0" fmla="*/ 151486 h 769620"/>
+                  <a:gd name="connsiteX1" fmla="*/ 6500 w 555140"/>
+                  <a:gd name="connsiteY1" fmla="*/ 769620 h 769620"/>
+                  <a:gd name="connsiteX2" fmla="*/ 555140 w 555140"/>
+                  <a:gd name="connsiteY2" fmla="*/ 655320 h 769620"/>
+                  <a:gd name="connsiteX3" fmla="*/ 555140 w 555140"/>
+                  <a:gd name="connsiteY3" fmla="*/ 0 h 769620"/>
+                  <a:gd name="connsiteX4" fmla="*/ 0 w 555140"/>
+                  <a:gd name="connsiteY4" fmla="*/ 151486 h 769620"/>
+                  <a:gd name="connsiteX0" fmla="*/ 0 w 555140"/>
+                  <a:gd name="connsiteY0" fmla="*/ 132283 h 769620"/>
+                  <a:gd name="connsiteX1" fmla="*/ 6500 w 555140"/>
+                  <a:gd name="connsiteY1" fmla="*/ 769620 h 769620"/>
+                  <a:gd name="connsiteX2" fmla="*/ 555140 w 555140"/>
+                  <a:gd name="connsiteY2" fmla="*/ 655320 h 769620"/>
+                  <a:gd name="connsiteX3" fmla="*/ 555140 w 555140"/>
+                  <a:gd name="connsiteY3" fmla="*/ 0 h 769620"/>
+                  <a:gd name="connsiteX4" fmla="*/ 0 w 555140"/>
+                  <a:gd name="connsiteY4" fmla="*/ 132283 h 769620"/>
+                  <a:gd name="connsiteX0" fmla="*/ 0 w 555140"/>
+                  <a:gd name="connsiteY0" fmla="*/ 132283 h 795223"/>
+                  <a:gd name="connsiteX1" fmla="*/ 6500 w 555140"/>
+                  <a:gd name="connsiteY1" fmla="*/ 795223 h 795223"/>
+                  <a:gd name="connsiteX2" fmla="*/ 555140 w 555140"/>
+                  <a:gd name="connsiteY2" fmla="*/ 655320 h 795223"/>
+                  <a:gd name="connsiteX3" fmla="*/ 555140 w 555140"/>
+                  <a:gd name="connsiteY3" fmla="*/ 0 h 795223"/>
+                  <a:gd name="connsiteX4" fmla="*/ 0 w 555140"/>
+                  <a:gd name="connsiteY4" fmla="*/ 132283 h 795223"/>
+                  <a:gd name="connsiteX0" fmla="*/ 625 w 555765"/>
+                  <a:gd name="connsiteY0" fmla="*/ 132283 h 776020"/>
+                  <a:gd name="connsiteX1" fmla="*/ 625 w 555765"/>
+                  <a:gd name="connsiteY1" fmla="*/ 776020 h 776020"/>
+                  <a:gd name="connsiteX2" fmla="*/ 555765 w 555765"/>
+                  <a:gd name="connsiteY2" fmla="*/ 655320 h 776020"/>
+                  <a:gd name="connsiteX3" fmla="*/ 555765 w 555765"/>
+                  <a:gd name="connsiteY3" fmla="*/ 0 h 776020"/>
+                  <a:gd name="connsiteX4" fmla="*/ 625 w 555765"/>
+                  <a:gd name="connsiteY4" fmla="*/ 132283 h 776020"/>
+                  <a:gd name="connsiteX0" fmla="*/ 625 w 562265"/>
+                  <a:gd name="connsiteY0" fmla="*/ 132283 h 776020"/>
+                  <a:gd name="connsiteX1" fmla="*/ 625 w 562265"/>
+                  <a:gd name="connsiteY1" fmla="*/ 776020 h 776020"/>
+                  <a:gd name="connsiteX2" fmla="*/ 562265 w 562265"/>
+                  <a:gd name="connsiteY2" fmla="*/ 655320 h 776020"/>
+                  <a:gd name="connsiteX3" fmla="*/ 555765 w 562265"/>
+                  <a:gd name="connsiteY3" fmla="*/ 0 h 776020"/>
+                  <a:gd name="connsiteX4" fmla="*/ 625 w 562265"/>
+                  <a:gd name="connsiteY4" fmla="*/ 132283 h 776020"/>
+                  <a:gd name="connsiteX0" fmla="*/ 0 w 581140"/>
+                  <a:gd name="connsiteY0" fmla="*/ 132283 h 776020"/>
+                  <a:gd name="connsiteX1" fmla="*/ 19500 w 581140"/>
+                  <a:gd name="connsiteY1" fmla="*/ 776020 h 776020"/>
+                  <a:gd name="connsiteX2" fmla="*/ 581140 w 581140"/>
+                  <a:gd name="connsiteY2" fmla="*/ 655320 h 776020"/>
+                  <a:gd name="connsiteX3" fmla="*/ 574640 w 581140"/>
+                  <a:gd name="connsiteY3" fmla="*/ 0 h 776020"/>
+                  <a:gd name="connsiteX4" fmla="*/ 0 w 581140"/>
+                  <a:gd name="connsiteY4" fmla="*/ 132283 h 776020"/>
+                  <a:gd name="connsiteX0" fmla="*/ 0 w 581140"/>
+                  <a:gd name="connsiteY0" fmla="*/ 132283 h 776020"/>
+                  <a:gd name="connsiteX1" fmla="*/ 19500 w 581140"/>
+                  <a:gd name="connsiteY1" fmla="*/ 776020 h 776020"/>
+                  <a:gd name="connsiteX2" fmla="*/ 581140 w 581140"/>
+                  <a:gd name="connsiteY2" fmla="*/ 655320 h 776020"/>
+                  <a:gd name="connsiteX3" fmla="*/ 574640 w 581140"/>
+                  <a:gd name="connsiteY3" fmla="*/ 0 h 776020"/>
+                  <a:gd name="connsiteX4" fmla="*/ 0 w 581140"/>
+                  <a:gd name="connsiteY4" fmla="*/ 132283 h 776020"/>
+                  <a:gd name="connsiteX0" fmla="*/ 0 w 574640"/>
+                  <a:gd name="connsiteY0" fmla="*/ 132283 h 776020"/>
+                  <a:gd name="connsiteX1" fmla="*/ 13000 w 574640"/>
+                  <a:gd name="connsiteY1" fmla="*/ 776020 h 776020"/>
+                  <a:gd name="connsiteX2" fmla="*/ 574640 w 574640"/>
+                  <a:gd name="connsiteY2" fmla="*/ 655320 h 776020"/>
+                  <a:gd name="connsiteX3" fmla="*/ 568140 w 574640"/>
+                  <a:gd name="connsiteY3" fmla="*/ 0 h 776020"/>
+                  <a:gd name="connsiteX4" fmla="*/ 0 w 574640"/>
+                  <a:gd name="connsiteY4" fmla="*/ 132283 h 776020"/>
+                  <a:gd name="connsiteX0" fmla="*/ 0 w 574640"/>
+                  <a:gd name="connsiteY0" fmla="*/ 132283 h 801623"/>
+                  <a:gd name="connsiteX1" fmla="*/ 13000 w 574640"/>
+                  <a:gd name="connsiteY1" fmla="*/ 801623 h 801623"/>
+                  <a:gd name="connsiteX2" fmla="*/ 574640 w 574640"/>
+                  <a:gd name="connsiteY2" fmla="*/ 655320 h 801623"/>
+                  <a:gd name="connsiteX3" fmla="*/ 568140 w 574640"/>
+                  <a:gd name="connsiteY3" fmla="*/ 0 h 801623"/>
+                  <a:gd name="connsiteX4" fmla="*/ 0 w 574640"/>
+                  <a:gd name="connsiteY4" fmla="*/ 132283 h 801623"/>
+                  <a:gd name="connsiteX0" fmla="*/ 0 w 574640"/>
+                  <a:gd name="connsiteY0" fmla="*/ 132283 h 795222"/>
+                  <a:gd name="connsiteX1" fmla="*/ 6500 w 574640"/>
+                  <a:gd name="connsiteY1" fmla="*/ 795222 h 795222"/>
+                  <a:gd name="connsiteX2" fmla="*/ 574640 w 574640"/>
+                  <a:gd name="connsiteY2" fmla="*/ 655320 h 795222"/>
+                  <a:gd name="connsiteX3" fmla="*/ 568140 w 574640"/>
+                  <a:gd name="connsiteY3" fmla="*/ 0 h 795222"/>
+                  <a:gd name="connsiteX4" fmla="*/ 0 w 574640"/>
+                  <a:gd name="connsiteY4" fmla="*/ 132283 h 795222"/>
+                </a:gdLst>
+                <a:ahLst/>
+                <a:cxnLst>
+                  <a:cxn ang="0">
+                    <a:pos x="connsiteX0" y="connsiteY0"/>
+                  </a:cxn>
+                  <a:cxn ang="0">
+                    <a:pos x="connsiteX1" y="connsiteY1"/>
+                  </a:cxn>
+                  <a:cxn ang="0">
+                    <a:pos x="connsiteX2" y="connsiteY2"/>
+                  </a:cxn>
+                  <a:cxn ang="0">
+                    <a:pos x="connsiteX3" y="connsiteY3"/>
+                  </a:cxn>
+                  <a:cxn ang="0">
+                    <a:pos x="connsiteX4" y="connsiteY4"/>
+                  </a:cxn>
+                </a:cxnLst>
+                <a:rect l="l" t="t" r="r" b="b"/>
+                <a:pathLst>
+                  <a:path w="574640" h="795222">
+                    <a:moveTo>
+                      <a:pt x="0" y="132283"/>
+                    </a:moveTo>
+                    <a:cubicBezTo>
+                      <a:pt x="2167" y="338328"/>
+                      <a:pt x="4333" y="589177"/>
+                      <a:pt x="6500" y="795222"/>
+                    </a:cubicBezTo>
+                    <a:lnTo>
+                      <a:pt x="574640" y="655320"/>
+                    </a:lnTo>
+                    <a:cubicBezTo>
+                      <a:pt x="572473" y="436880"/>
+                      <a:pt x="570307" y="218440"/>
+                      <a:pt x="568140" y="0"/>
+                    </a:cubicBezTo>
+                    <a:lnTo>
+                      <a:pt x="0" y="132283"/>
+                    </a:lnTo>
+                    <a:close/>
+                  </a:path>
+                </a:pathLst>
+              </a:custGeom>
+              <a:solidFill>
+                <a:schemeClr val="bg1"/>
+              </a:solidFill>
+              <a:ln w="50800" cap="sq">
+                <a:solidFill>
+                  <a:schemeClr val="bg1"/>
+                </a:solidFill>
+                <a:prstDash val="solid"/>
+                <a:round/>
+              </a:ln>
+              <a:effectLst/>
+            </p:spPr>
+            <p:style>
+              <a:lnRef idx="2">
+                <a:schemeClr val="accent1">
+                  <a:shade val="50000"/>
+                </a:schemeClr>
+              </a:lnRef>
+              <a:fillRef idx="1">
+                <a:schemeClr val="accent1"/>
+              </a:fillRef>
+              <a:effectRef idx="0">
+                <a:schemeClr val="accent1"/>
+              </a:effectRef>
+              <a:fontRef idx="minor">
+                <a:schemeClr val="lt1"/>
+              </a:fontRef>
+            </p:style>
+            <p:txBody>
+              <a:bodyPr rot="0" spcFirstLastPara="0" vertOverflow="overflow" horzOverflow="overflow" vert="horz" wrap="square" lIns="91440" tIns="45720" rIns="91440" bIns="45720" numCol="1" spcCol="0" rtlCol="0" fromWordArt="0" anchor="ctr" anchorCtr="0" forceAA="0" compatLnSpc="1">
+                <a:prstTxWarp prst="textNoShape">
+                  <a:avLst/>
+                </a:prstTxWarp>
+                <a:noAutofit/>
+              </a:bodyPr>
+              <a:lstStyle/>
+              <a:p>
+                <a:pPr algn="ctr"/>
+                <a:endParaRPr lang="en-US"/>
+              </a:p>
+            </p:txBody>
+          </p:sp>
+          <p:sp>
+            <p:nvSpPr>
+              <p:cNvPr id="29" name="Freeform 28"/>
+              <p:cNvSpPr/>
+              <p:nvPr/>
+            </p:nvSpPr>
+            <p:spPr>
+              <a:xfrm flipH="1">
+                <a:off x="3616534" y="2916453"/>
+                <a:ext cx="561380" cy="788904"/>
+              </a:xfrm>
+              <a:custGeom>
+                <a:avLst/>
+                <a:gdLst>
+                  <a:gd name="connsiteX0" fmla="*/ 0 w 548640"/>
+                  <a:gd name="connsiteY0" fmla="*/ 106680 h 769620"/>
+                  <a:gd name="connsiteX1" fmla="*/ 0 w 548640"/>
+                  <a:gd name="connsiteY1" fmla="*/ 769620 h 769620"/>
+                  <a:gd name="connsiteX2" fmla="*/ 548640 w 548640"/>
+                  <a:gd name="connsiteY2" fmla="*/ 655320 h 769620"/>
+                  <a:gd name="connsiteX3" fmla="*/ 548640 w 548640"/>
+                  <a:gd name="connsiteY3" fmla="*/ 0 h 769620"/>
+                  <a:gd name="connsiteX4" fmla="*/ 0 w 548640"/>
+                  <a:gd name="connsiteY4" fmla="*/ 106680 h 769620"/>
+                  <a:gd name="connsiteX0" fmla="*/ 0 w 555140"/>
+                  <a:gd name="connsiteY0" fmla="*/ 151486 h 769620"/>
+                  <a:gd name="connsiteX1" fmla="*/ 6500 w 555140"/>
+                  <a:gd name="connsiteY1" fmla="*/ 769620 h 769620"/>
+                  <a:gd name="connsiteX2" fmla="*/ 555140 w 555140"/>
+                  <a:gd name="connsiteY2" fmla="*/ 655320 h 769620"/>
+                  <a:gd name="connsiteX3" fmla="*/ 555140 w 555140"/>
+                  <a:gd name="connsiteY3" fmla="*/ 0 h 769620"/>
+                  <a:gd name="connsiteX4" fmla="*/ 0 w 555140"/>
+                  <a:gd name="connsiteY4" fmla="*/ 151486 h 769620"/>
+                  <a:gd name="connsiteX0" fmla="*/ 0 w 555140"/>
+                  <a:gd name="connsiteY0" fmla="*/ 132283 h 769620"/>
+                  <a:gd name="connsiteX1" fmla="*/ 6500 w 555140"/>
+                  <a:gd name="connsiteY1" fmla="*/ 769620 h 769620"/>
+                  <a:gd name="connsiteX2" fmla="*/ 555140 w 555140"/>
+                  <a:gd name="connsiteY2" fmla="*/ 655320 h 769620"/>
+                  <a:gd name="connsiteX3" fmla="*/ 555140 w 555140"/>
+                  <a:gd name="connsiteY3" fmla="*/ 0 h 769620"/>
+                  <a:gd name="connsiteX4" fmla="*/ 0 w 555140"/>
+                  <a:gd name="connsiteY4" fmla="*/ 132283 h 769620"/>
+                  <a:gd name="connsiteX0" fmla="*/ 0 w 555140"/>
+                  <a:gd name="connsiteY0" fmla="*/ 132283 h 795223"/>
+                  <a:gd name="connsiteX1" fmla="*/ 6500 w 555140"/>
+                  <a:gd name="connsiteY1" fmla="*/ 795223 h 795223"/>
+                  <a:gd name="connsiteX2" fmla="*/ 555140 w 555140"/>
+                  <a:gd name="connsiteY2" fmla="*/ 655320 h 795223"/>
+                  <a:gd name="connsiteX3" fmla="*/ 555140 w 555140"/>
+                  <a:gd name="connsiteY3" fmla="*/ 0 h 795223"/>
+                  <a:gd name="connsiteX4" fmla="*/ 0 w 555140"/>
+                  <a:gd name="connsiteY4" fmla="*/ 132283 h 795223"/>
+                  <a:gd name="connsiteX0" fmla="*/ 625 w 555765"/>
+                  <a:gd name="connsiteY0" fmla="*/ 132283 h 776020"/>
+                  <a:gd name="connsiteX1" fmla="*/ 625 w 555765"/>
+                  <a:gd name="connsiteY1" fmla="*/ 776020 h 776020"/>
+                  <a:gd name="connsiteX2" fmla="*/ 555765 w 555765"/>
+                  <a:gd name="connsiteY2" fmla="*/ 655320 h 776020"/>
+                  <a:gd name="connsiteX3" fmla="*/ 555765 w 555765"/>
+                  <a:gd name="connsiteY3" fmla="*/ 0 h 776020"/>
+                  <a:gd name="connsiteX4" fmla="*/ 625 w 555765"/>
+                  <a:gd name="connsiteY4" fmla="*/ 132283 h 776020"/>
+                  <a:gd name="connsiteX0" fmla="*/ 625 w 562265"/>
+                  <a:gd name="connsiteY0" fmla="*/ 132283 h 776020"/>
+                  <a:gd name="connsiteX1" fmla="*/ 625 w 562265"/>
+                  <a:gd name="connsiteY1" fmla="*/ 776020 h 776020"/>
+                  <a:gd name="connsiteX2" fmla="*/ 562265 w 562265"/>
+                  <a:gd name="connsiteY2" fmla="*/ 655320 h 776020"/>
+                  <a:gd name="connsiteX3" fmla="*/ 555765 w 562265"/>
+                  <a:gd name="connsiteY3" fmla="*/ 0 h 776020"/>
+                  <a:gd name="connsiteX4" fmla="*/ 625 w 562265"/>
+                  <a:gd name="connsiteY4" fmla="*/ 132283 h 776020"/>
+                  <a:gd name="connsiteX0" fmla="*/ 0 w 581140"/>
+                  <a:gd name="connsiteY0" fmla="*/ 132283 h 776020"/>
+                  <a:gd name="connsiteX1" fmla="*/ 19500 w 581140"/>
+                  <a:gd name="connsiteY1" fmla="*/ 776020 h 776020"/>
+                  <a:gd name="connsiteX2" fmla="*/ 581140 w 581140"/>
+                  <a:gd name="connsiteY2" fmla="*/ 655320 h 776020"/>
+                  <a:gd name="connsiteX3" fmla="*/ 574640 w 581140"/>
+                  <a:gd name="connsiteY3" fmla="*/ 0 h 776020"/>
+                  <a:gd name="connsiteX4" fmla="*/ 0 w 581140"/>
+                  <a:gd name="connsiteY4" fmla="*/ 132283 h 776020"/>
+                  <a:gd name="connsiteX0" fmla="*/ 0 w 581140"/>
+                  <a:gd name="connsiteY0" fmla="*/ 132283 h 776020"/>
+                  <a:gd name="connsiteX1" fmla="*/ 19500 w 581140"/>
+                  <a:gd name="connsiteY1" fmla="*/ 776020 h 776020"/>
+                  <a:gd name="connsiteX2" fmla="*/ 581140 w 581140"/>
+                  <a:gd name="connsiteY2" fmla="*/ 655320 h 776020"/>
+                  <a:gd name="connsiteX3" fmla="*/ 574640 w 581140"/>
+                  <a:gd name="connsiteY3" fmla="*/ 0 h 776020"/>
+                  <a:gd name="connsiteX4" fmla="*/ 0 w 581140"/>
+                  <a:gd name="connsiteY4" fmla="*/ 132283 h 776020"/>
+                  <a:gd name="connsiteX0" fmla="*/ 0 w 574640"/>
+                  <a:gd name="connsiteY0" fmla="*/ 132283 h 776020"/>
+                  <a:gd name="connsiteX1" fmla="*/ 13000 w 574640"/>
+                  <a:gd name="connsiteY1" fmla="*/ 776020 h 776020"/>
+                  <a:gd name="connsiteX2" fmla="*/ 574640 w 574640"/>
+                  <a:gd name="connsiteY2" fmla="*/ 655320 h 776020"/>
+                  <a:gd name="connsiteX3" fmla="*/ 568140 w 574640"/>
+                  <a:gd name="connsiteY3" fmla="*/ 0 h 776020"/>
+                  <a:gd name="connsiteX4" fmla="*/ 0 w 574640"/>
+                  <a:gd name="connsiteY4" fmla="*/ 132283 h 776020"/>
+                  <a:gd name="connsiteX0" fmla="*/ 0 w 574640"/>
+                  <a:gd name="connsiteY0" fmla="*/ 132283 h 801623"/>
+                  <a:gd name="connsiteX1" fmla="*/ 13000 w 574640"/>
+                  <a:gd name="connsiteY1" fmla="*/ 801623 h 801623"/>
+                  <a:gd name="connsiteX2" fmla="*/ 574640 w 574640"/>
+                  <a:gd name="connsiteY2" fmla="*/ 655320 h 801623"/>
+                  <a:gd name="connsiteX3" fmla="*/ 568140 w 574640"/>
+                  <a:gd name="connsiteY3" fmla="*/ 0 h 801623"/>
+                  <a:gd name="connsiteX4" fmla="*/ 0 w 574640"/>
+                  <a:gd name="connsiteY4" fmla="*/ 132283 h 801623"/>
+                  <a:gd name="connsiteX0" fmla="*/ 0 w 574640"/>
+                  <a:gd name="connsiteY0" fmla="*/ 132283 h 795222"/>
+                  <a:gd name="connsiteX1" fmla="*/ 6500 w 574640"/>
+                  <a:gd name="connsiteY1" fmla="*/ 795222 h 795222"/>
+                  <a:gd name="connsiteX2" fmla="*/ 574640 w 574640"/>
+                  <a:gd name="connsiteY2" fmla="*/ 655320 h 795222"/>
+                  <a:gd name="connsiteX3" fmla="*/ 568140 w 574640"/>
+                  <a:gd name="connsiteY3" fmla="*/ 0 h 795222"/>
+                  <a:gd name="connsiteX4" fmla="*/ 0 w 574640"/>
+                  <a:gd name="connsiteY4" fmla="*/ 132283 h 795222"/>
+                </a:gdLst>
+                <a:ahLst/>
+                <a:cxnLst>
+                  <a:cxn ang="0">
+                    <a:pos x="connsiteX0" y="connsiteY0"/>
+                  </a:cxn>
+                  <a:cxn ang="0">
+                    <a:pos x="connsiteX1" y="connsiteY1"/>
+                  </a:cxn>
+                  <a:cxn ang="0">
+                    <a:pos x="connsiteX2" y="connsiteY2"/>
+                  </a:cxn>
+                  <a:cxn ang="0">
+                    <a:pos x="connsiteX3" y="connsiteY3"/>
+                  </a:cxn>
+                  <a:cxn ang="0">
+                    <a:pos x="connsiteX4" y="connsiteY4"/>
+                  </a:cxn>
+                </a:cxnLst>
+                <a:rect l="l" t="t" r="r" b="b"/>
+                <a:pathLst>
+                  <a:path w="574640" h="795222">
+                    <a:moveTo>
+                      <a:pt x="0" y="132283"/>
+                    </a:moveTo>
+                    <a:cubicBezTo>
+                      <a:pt x="2167" y="338328"/>
+                      <a:pt x="4333" y="589177"/>
+                      <a:pt x="6500" y="795222"/>
+                    </a:cubicBezTo>
+                    <a:lnTo>
+                      <a:pt x="574640" y="655320"/>
+                    </a:lnTo>
+                    <a:cubicBezTo>
+                      <a:pt x="572473" y="436880"/>
+                      <a:pt x="570307" y="218440"/>
+                      <a:pt x="568140" y="0"/>
+                    </a:cubicBezTo>
+                    <a:lnTo>
+                      <a:pt x="0" y="132283"/>
+                    </a:lnTo>
+                    <a:close/>
+                  </a:path>
+                </a:pathLst>
+              </a:custGeom>
+              <a:solidFill>
+                <a:schemeClr val="bg1"/>
+              </a:solidFill>
+              <a:ln w="50800" cap="sq">
+                <a:solidFill>
+                  <a:schemeClr val="bg1"/>
+                </a:solidFill>
+                <a:prstDash val="solid"/>
+                <a:round/>
+              </a:ln>
+              <a:effectLst/>
+            </p:spPr>
+            <p:style>
+              <a:lnRef idx="2">
+                <a:schemeClr val="accent1">
+                  <a:shade val="50000"/>
+                </a:schemeClr>
+              </a:lnRef>
+              <a:fillRef idx="1">
+                <a:schemeClr val="accent1"/>
+              </a:fillRef>
+              <a:effectRef idx="0">
+                <a:schemeClr val="accent1"/>
+              </a:effectRef>
+              <a:fontRef idx="minor">
+                <a:schemeClr val="lt1"/>
+              </a:fontRef>
+            </p:style>
+            <p:txBody>
+              <a:bodyPr rot="0" spcFirstLastPara="0" vertOverflow="overflow" horzOverflow="overflow" vert="horz" wrap="square" lIns="91440" tIns="45720" rIns="91440" bIns="45720" numCol="1" spcCol="0" rtlCol="0" fromWordArt="0" anchor="ctr" anchorCtr="0" forceAA="0" compatLnSpc="1">
+                <a:prstTxWarp prst="textNoShape">
+                  <a:avLst/>
+                </a:prstTxWarp>
+                <a:noAutofit/>
+              </a:bodyPr>
+              <a:lstStyle/>
+              <a:p>
+                <a:pPr algn="ctr"/>
+                <a:endParaRPr lang="en-US"/>
+              </a:p>
+            </p:txBody>
+          </p:sp>
+          <p:sp>
+            <p:nvSpPr>
+              <p:cNvPr id="30" name="Freeform 29"/>
+              <p:cNvSpPr/>
+              <p:nvPr/>
+            </p:nvSpPr>
+            <p:spPr>
+              <a:xfrm flipH="1">
+                <a:off x="4495800" y="4610291"/>
+                <a:ext cx="561380" cy="788904"/>
+              </a:xfrm>
+              <a:custGeom>
+                <a:avLst/>
+                <a:gdLst>
+                  <a:gd name="connsiteX0" fmla="*/ 0 w 548640"/>
+                  <a:gd name="connsiteY0" fmla="*/ 106680 h 769620"/>
+                  <a:gd name="connsiteX1" fmla="*/ 0 w 548640"/>
+                  <a:gd name="connsiteY1" fmla="*/ 769620 h 769620"/>
+                  <a:gd name="connsiteX2" fmla="*/ 548640 w 548640"/>
+                  <a:gd name="connsiteY2" fmla="*/ 655320 h 769620"/>
+                  <a:gd name="connsiteX3" fmla="*/ 548640 w 548640"/>
+                  <a:gd name="connsiteY3" fmla="*/ 0 h 769620"/>
+                  <a:gd name="connsiteX4" fmla="*/ 0 w 548640"/>
+                  <a:gd name="connsiteY4" fmla="*/ 106680 h 769620"/>
+                  <a:gd name="connsiteX0" fmla="*/ 0 w 555140"/>
+                  <a:gd name="connsiteY0" fmla="*/ 151486 h 769620"/>
+                  <a:gd name="connsiteX1" fmla="*/ 6500 w 555140"/>
+                  <a:gd name="connsiteY1" fmla="*/ 769620 h 769620"/>
+                  <a:gd name="connsiteX2" fmla="*/ 555140 w 555140"/>
+                  <a:gd name="connsiteY2" fmla="*/ 655320 h 769620"/>
+                  <a:gd name="connsiteX3" fmla="*/ 555140 w 555140"/>
+                  <a:gd name="connsiteY3" fmla="*/ 0 h 769620"/>
+                  <a:gd name="connsiteX4" fmla="*/ 0 w 555140"/>
+                  <a:gd name="connsiteY4" fmla="*/ 151486 h 769620"/>
+                  <a:gd name="connsiteX0" fmla="*/ 0 w 555140"/>
+                  <a:gd name="connsiteY0" fmla="*/ 132283 h 769620"/>
+                  <a:gd name="connsiteX1" fmla="*/ 6500 w 555140"/>
+                  <a:gd name="connsiteY1" fmla="*/ 769620 h 769620"/>
+                  <a:gd name="connsiteX2" fmla="*/ 555140 w 555140"/>
+                  <a:gd name="connsiteY2" fmla="*/ 655320 h 769620"/>
+                  <a:gd name="connsiteX3" fmla="*/ 555140 w 555140"/>
+                  <a:gd name="connsiteY3" fmla="*/ 0 h 769620"/>
+                  <a:gd name="connsiteX4" fmla="*/ 0 w 555140"/>
+                  <a:gd name="connsiteY4" fmla="*/ 132283 h 769620"/>
+                  <a:gd name="connsiteX0" fmla="*/ 0 w 555140"/>
+                  <a:gd name="connsiteY0" fmla="*/ 132283 h 795223"/>
+                  <a:gd name="connsiteX1" fmla="*/ 6500 w 555140"/>
+                  <a:gd name="connsiteY1" fmla="*/ 795223 h 795223"/>
+                  <a:gd name="connsiteX2" fmla="*/ 555140 w 555140"/>
+                  <a:gd name="connsiteY2" fmla="*/ 655320 h 795223"/>
+                  <a:gd name="connsiteX3" fmla="*/ 555140 w 555140"/>
+                  <a:gd name="connsiteY3" fmla="*/ 0 h 795223"/>
+                  <a:gd name="connsiteX4" fmla="*/ 0 w 555140"/>
+                  <a:gd name="connsiteY4" fmla="*/ 132283 h 795223"/>
+                  <a:gd name="connsiteX0" fmla="*/ 625 w 555765"/>
+                  <a:gd name="connsiteY0" fmla="*/ 132283 h 776020"/>
+                  <a:gd name="connsiteX1" fmla="*/ 625 w 555765"/>
+                  <a:gd name="connsiteY1" fmla="*/ 776020 h 776020"/>
+                  <a:gd name="connsiteX2" fmla="*/ 555765 w 555765"/>
+                  <a:gd name="connsiteY2" fmla="*/ 655320 h 776020"/>
+                  <a:gd name="connsiteX3" fmla="*/ 555765 w 555765"/>
+                  <a:gd name="connsiteY3" fmla="*/ 0 h 776020"/>
+                  <a:gd name="connsiteX4" fmla="*/ 625 w 555765"/>
+                  <a:gd name="connsiteY4" fmla="*/ 132283 h 776020"/>
+                  <a:gd name="connsiteX0" fmla="*/ 625 w 562265"/>
+                  <a:gd name="connsiteY0" fmla="*/ 132283 h 776020"/>
+                  <a:gd name="connsiteX1" fmla="*/ 625 w 562265"/>
+                  <a:gd name="connsiteY1" fmla="*/ 776020 h 776020"/>
+                  <a:gd name="connsiteX2" fmla="*/ 562265 w 562265"/>
+                  <a:gd name="connsiteY2" fmla="*/ 655320 h 776020"/>
+                  <a:gd name="connsiteX3" fmla="*/ 555765 w 562265"/>
+                  <a:gd name="connsiteY3" fmla="*/ 0 h 776020"/>
+                  <a:gd name="connsiteX4" fmla="*/ 625 w 562265"/>
+                  <a:gd name="connsiteY4" fmla="*/ 132283 h 776020"/>
+                  <a:gd name="connsiteX0" fmla="*/ 0 w 581140"/>
+                  <a:gd name="connsiteY0" fmla="*/ 132283 h 776020"/>
+                  <a:gd name="connsiteX1" fmla="*/ 19500 w 581140"/>
+                  <a:gd name="connsiteY1" fmla="*/ 776020 h 776020"/>
+                  <a:gd name="connsiteX2" fmla="*/ 581140 w 581140"/>
+                  <a:gd name="connsiteY2" fmla="*/ 655320 h 776020"/>
+                  <a:gd name="connsiteX3" fmla="*/ 574640 w 581140"/>
+                  <a:gd name="connsiteY3" fmla="*/ 0 h 776020"/>
+                  <a:gd name="connsiteX4" fmla="*/ 0 w 581140"/>
+                  <a:gd name="connsiteY4" fmla="*/ 132283 h 776020"/>
+                  <a:gd name="connsiteX0" fmla="*/ 0 w 581140"/>
+                  <a:gd name="connsiteY0" fmla="*/ 132283 h 776020"/>
+                  <a:gd name="connsiteX1" fmla="*/ 19500 w 581140"/>
+                  <a:gd name="connsiteY1" fmla="*/ 776020 h 776020"/>
+                  <a:gd name="connsiteX2" fmla="*/ 581140 w 581140"/>
+                  <a:gd name="connsiteY2" fmla="*/ 655320 h 776020"/>
+                  <a:gd name="connsiteX3" fmla="*/ 574640 w 581140"/>
+                  <a:gd name="connsiteY3" fmla="*/ 0 h 776020"/>
+                  <a:gd name="connsiteX4" fmla="*/ 0 w 581140"/>
+                  <a:gd name="connsiteY4" fmla="*/ 132283 h 776020"/>
+                  <a:gd name="connsiteX0" fmla="*/ 0 w 574640"/>
+                  <a:gd name="connsiteY0" fmla="*/ 132283 h 776020"/>
+                  <a:gd name="connsiteX1" fmla="*/ 13000 w 574640"/>
+                  <a:gd name="connsiteY1" fmla="*/ 776020 h 776020"/>
+                  <a:gd name="connsiteX2" fmla="*/ 574640 w 574640"/>
+                  <a:gd name="connsiteY2" fmla="*/ 655320 h 776020"/>
+                  <a:gd name="connsiteX3" fmla="*/ 568140 w 574640"/>
+                  <a:gd name="connsiteY3" fmla="*/ 0 h 776020"/>
+                  <a:gd name="connsiteX4" fmla="*/ 0 w 574640"/>
+                  <a:gd name="connsiteY4" fmla="*/ 132283 h 776020"/>
+                  <a:gd name="connsiteX0" fmla="*/ 0 w 574640"/>
+                  <a:gd name="connsiteY0" fmla="*/ 132283 h 801623"/>
+                  <a:gd name="connsiteX1" fmla="*/ 13000 w 574640"/>
+                  <a:gd name="connsiteY1" fmla="*/ 801623 h 801623"/>
+                  <a:gd name="connsiteX2" fmla="*/ 574640 w 574640"/>
+                  <a:gd name="connsiteY2" fmla="*/ 655320 h 801623"/>
+                  <a:gd name="connsiteX3" fmla="*/ 568140 w 574640"/>
+                  <a:gd name="connsiteY3" fmla="*/ 0 h 801623"/>
+                  <a:gd name="connsiteX4" fmla="*/ 0 w 574640"/>
+                  <a:gd name="connsiteY4" fmla="*/ 132283 h 801623"/>
+                  <a:gd name="connsiteX0" fmla="*/ 0 w 574640"/>
+                  <a:gd name="connsiteY0" fmla="*/ 132283 h 795222"/>
+                  <a:gd name="connsiteX1" fmla="*/ 6500 w 574640"/>
+                  <a:gd name="connsiteY1" fmla="*/ 795222 h 795222"/>
+                  <a:gd name="connsiteX2" fmla="*/ 574640 w 574640"/>
+                  <a:gd name="connsiteY2" fmla="*/ 655320 h 795222"/>
+                  <a:gd name="connsiteX3" fmla="*/ 568140 w 574640"/>
+                  <a:gd name="connsiteY3" fmla="*/ 0 h 795222"/>
+                  <a:gd name="connsiteX4" fmla="*/ 0 w 574640"/>
+                  <a:gd name="connsiteY4" fmla="*/ 132283 h 795222"/>
+                </a:gdLst>
+                <a:ahLst/>
+                <a:cxnLst>
+                  <a:cxn ang="0">
+                    <a:pos x="connsiteX0" y="connsiteY0"/>
+                  </a:cxn>
+                  <a:cxn ang="0">
+                    <a:pos x="connsiteX1" y="connsiteY1"/>
+                  </a:cxn>
+                  <a:cxn ang="0">
+                    <a:pos x="connsiteX2" y="connsiteY2"/>
+                  </a:cxn>
+                  <a:cxn ang="0">
+                    <a:pos x="connsiteX3" y="connsiteY3"/>
+                  </a:cxn>
+                  <a:cxn ang="0">
+                    <a:pos x="connsiteX4" y="connsiteY4"/>
+                  </a:cxn>
+                </a:cxnLst>
+                <a:rect l="l" t="t" r="r" b="b"/>
+                <a:pathLst>
+                  <a:path w="574640" h="795222">
+                    <a:moveTo>
+                      <a:pt x="0" y="132283"/>
+                    </a:moveTo>
+                    <a:cubicBezTo>
+                      <a:pt x="2167" y="338328"/>
+                      <a:pt x="4333" y="589177"/>
+                      <a:pt x="6500" y="795222"/>
+                    </a:cubicBezTo>
+                    <a:lnTo>
+                      <a:pt x="574640" y="655320"/>
+                    </a:lnTo>
+                    <a:cubicBezTo>
+                      <a:pt x="572473" y="436880"/>
+                      <a:pt x="570307" y="218440"/>
+                      <a:pt x="568140" y="0"/>
+                    </a:cubicBezTo>
+                    <a:lnTo>
+                      <a:pt x="0" y="132283"/>
+                    </a:lnTo>
+                    <a:close/>
+                  </a:path>
+                </a:pathLst>
+              </a:custGeom>
+              <a:solidFill>
+                <a:schemeClr val="bg1"/>
+              </a:solidFill>
+              <a:ln w="50800" cap="sq">
+                <a:solidFill>
+                  <a:schemeClr val="bg1"/>
+                </a:solidFill>
+                <a:prstDash val="solid"/>
+                <a:round/>
+              </a:ln>
+              <a:effectLst/>
+            </p:spPr>
+            <p:style>
+              <a:lnRef idx="2">
+                <a:schemeClr val="accent1">
+                  <a:shade val="50000"/>
+                </a:schemeClr>
+              </a:lnRef>
+              <a:fillRef idx="1">
+                <a:schemeClr val="accent1"/>
+              </a:fillRef>
+              <a:effectRef idx="0">
+                <a:schemeClr val="accent1"/>
+              </a:effectRef>
+              <a:fontRef idx="minor">
+                <a:schemeClr val="lt1"/>
+              </a:fontRef>
+            </p:style>
+            <p:txBody>
+              <a:bodyPr rot="0" spcFirstLastPara="0" vertOverflow="overflow" horzOverflow="overflow" vert="horz" wrap="square" lIns="91440" tIns="45720" rIns="91440" bIns="45720" numCol="1" spcCol="0" rtlCol="0" fromWordArt="0" anchor="ctr" anchorCtr="0" forceAA="0" compatLnSpc="1">
+                <a:prstTxWarp prst="textNoShape">
+                  <a:avLst/>
+                </a:prstTxWarp>
+                <a:noAutofit/>
+              </a:bodyPr>
+              <a:lstStyle/>
+              <a:p>
+                <a:pPr algn="ctr"/>
+                <a:endParaRPr lang="en-US"/>
+              </a:p>
+            </p:txBody>
+          </p:sp>
+          <p:sp>
+            <p:nvSpPr>
+              <p:cNvPr id="5155" name="Freeform 5154"/>
+              <p:cNvSpPr/>
+              <p:nvPr/>
+            </p:nvSpPr>
+            <p:spPr>
+              <a:xfrm>
+                <a:off x="7190015" y="3208373"/>
+                <a:ext cx="0" cy="0"/>
+              </a:xfrm>
+              <a:custGeom>
+                <a:avLst/>
+                <a:gdLst>
+                  <a:gd name="connsiteX0" fmla="*/ 0 w 0"/>
+                  <a:gd name="connsiteY0" fmla="*/ 0 h 0"/>
+                  <a:gd name="connsiteX1" fmla="*/ 0 w 0"/>
+                  <a:gd name="connsiteY1" fmla="*/ 0 h 0"/>
+                </a:gdLst>
+                <a:ahLst/>
+                <a:cxnLst>
+                  <a:cxn ang="0">
+                    <a:pos x="connsiteX0" y="connsiteY0"/>
+                  </a:cxn>
+                  <a:cxn ang="0">
+                    <a:pos x="connsiteX1" y="connsiteY1"/>
+                  </a:cxn>
+                </a:cxnLst>
+                <a:rect l="l" t="t" r="r" b="b"/>
+                <a:pathLst>
+                  <a:path>
+                    <a:moveTo>
+                      <a:pt x="0" y="0"/>
+                    </a:moveTo>
+                    <a:lnTo>
+                      <a:pt x="0" y="0"/>
+                    </a:lnTo>
+                  </a:path>
+                </a:pathLst>
+              </a:custGeom>
+              <a:noFill/>
+              <a:ln w="114300">
+                <a:solidFill>
+                  <a:schemeClr val="bg1"/>
+                </a:solidFill>
+                <a:prstDash val="sysDot"/>
+              </a:ln>
+              <a:effectLst/>
+            </p:spPr>
+            <p:style>
+              <a:lnRef idx="2">
+                <a:schemeClr val="accent1">
+                  <a:shade val="50000"/>
+                </a:schemeClr>
+              </a:lnRef>
+              <a:fillRef idx="1">
+                <a:schemeClr val="accent1"/>
+              </a:fillRef>
+              <a:effectRef idx="0">
+                <a:schemeClr val="accent1"/>
+              </a:effectRef>
+              <a:fontRef idx="minor">
+                <a:schemeClr val="lt1"/>
+              </a:fontRef>
+            </p:style>
+            <p:txBody>
+              <a:bodyPr rtlCol="0" anchor="ctr"/>
+              <a:lstStyle/>
+              <a:p>
+                <a:pPr algn="ctr"/>
+                <a:endParaRPr lang="en-US"/>
+              </a:p>
+            </p:txBody>
+          </p:sp>
+          <p:sp>
+            <p:nvSpPr>
+              <p:cNvPr id="5163" name="Freeform 5162"/>
+              <p:cNvSpPr/>
+              <p:nvPr/>
+            </p:nvSpPr>
+            <p:spPr>
+              <a:xfrm>
+                <a:off x="4278086" y="3355521"/>
+                <a:ext cx="922564" cy="195943"/>
+              </a:xfrm>
+              <a:custGeom>
+                <a:avLst/>
+                <a:gdLst>
+                  <a:gd name="connsiteX0" fmla="*/ 0 w 922564"/>
+                  <a:gd name="connsiteY0" fmla="*/ 0 h 195943"/>
+                  <a:gd name="connsiteX1" fmla="*/ 65314 w 922564"/>
+                  <a:gd name="connsiteY1" fmla="*/ 8165 h 195943"/>
+                  <a:gd name="connsiteX2" fmla="*/ 138793 w 922564"/>
+                  <a:gd name="connsiteY2" fmla="*/ 32658 h 195943"/>
+                  <a:gd name="connsiteX3" fmla="*/ 163285 w 922564"/>
+                  <a:gd name="connsiteY3" fmla="*/ 40822 h 195943"/>
+                  <a:gd name="connsiteX4" fmla="*/ 244928 w 922564"/>
+                  <a:gd name="connsiteY4" fmla="*/ 65315 h 195943"/>
+                  <a:gd name="connsiteX5" fmla="*/ 269421 w 922564"/>
+                  <a:gd name="connsiteY5" fmla="*/ 73479 h 195943"/>
+                  <a:gd name="connsiteX6" fmla="*/ 334735 w 922564"/>
+                  <a:gd name="connsiteY6" fmla="*/ 81643 h 195943"/>
+                  <a:gd name="connsiteX7" fmla="*/ 400050 w 922564"/>
+                  <a:gd name="connsiteY7" fmla="*/ 97972 h 195943"/>
+                  <a:gd name="connsiteX8" fmla="*/ 440871 w 922564"/>
+                  <a:gd name="connsiteY8" fmla="*/ 114300 h 195943"/>
+                  <a:gd name="connsiteX9" fmla="*/ 522514 w 922564"/>
+                  <a:gd name="connsiteY9" fmla="*/ 130629 h 195943"/>
+                  <a:gd name="connsiteX10" fmla="*/ 751114 w 922564"/>
+                  <a:gd name="connsiteY10" fmla="*/ 138793 h 195943"/>
+                  <a:gd name="connsiteX11" fmla="*/ 849085 w 922564"/>
+                  <a:gd name="connsiteY11" fmla="*/ 155122 h 195943"/>
+                  <a:gd name="connsiteX12" fmla="*/ 898071 w 922564"/>
+                  <a:gd name="connsiteY12" fmla="*/ 187779 h 195943"/>
+                  <a:gd name="connsiteX13" fmla="*/ 922564 w 922564"/>
+                  <a:gd name="connsiteY13" fmla="*/ 195943 h 195943"/>
+                </a:gdLst>
+                <a:ahLst/>
+                <a:cxnLst>
+                  <a:cxn ang="0">
+                    <a:pos x="connsiteX0" y="connsiteY0"/>
+                  </a:cxn>
+                  <a:cxn ang="0">
+                    <a:pos x="connsiteX1" y="connsiteY1"/>
+                  </a:cxn>
+                  <a:cxn ang="0">
+                    <a:pos x="connsiteX2" y="connsiteY2"/>
+                  </a:cxn>
+                  <a:cxn ang="0">
+                    <a:pos x="connsiteX3" y="connsiteY3"/>
+                  </a:cxn>
+                  <a:cxn ang="0">
+                    <a:pos x="connsiteX4" y="connsiteY4"/>
+                  </a:cxn>
+                  <a:cxn ang="0">
+                    <a:pos x="connsiteX5" y="connsiteY5"/>
+                  </a:cxn>
+                  <a:cxn ang="0">
+                    <a:pos x="connsiteX6" y="connsiteY6"/>
+                  </a:cxn>
+                  <a:cxn ang="0">
+                    <a:pos x="connsiteX7" y="connsiteY7"/>
+                  </a:cxn>
+                  <a:cxn ang="0">
+                    <a:pos x="connsiteX8" y="connsiteY8"/>
+                  </a:cxn>
+                  <a:cxn ang="0">
+                    <a:pos x="connsiteX9" y="connsiteY9"/>
+                  </a:cxn>
+                  <a:cxn ang="0">
+                    <a:pos x="connsiteX10" y="connsiteY10"/>
+                  </a:cxn>
+                  <a:cxn ang="0">
+                    <a:pos x="connsiteX11" y="connsiteY11"/>
+                  </a:cxn>
+                  <a:cxn ang="0">
+                    <a:pos x="connsiteX12" y="connsiteY12"/>
+                  </a:cxn>
+                  <a:cxn ang="0">
+                    <a:pos x="connsiteX13" y="connsiteY13"/>
+                  </a:cxn>
+                </a:cxnLst>
+                <a:rect l="l" t="t" r="r" b="b"/>
+                <a:pathLst>
+                  <a:path w="922564" h="195943">
+                    <a:moveTo>
+                      <a:pt x="0" y="0"/>
+                    </a:moveTo>
+                    <a:cubicBezTo>
+                      <a:pt x="21771" y="2722"/>
+                      <a:pt x="43860" y="3568"/>
+                      <a:pt x="65314" y="8165"/>
+                    </a:cubicBezTo>
+                    <a:cubicBezTo>
+                      <a:pt x="65336" y="8170"/>
+                      <a:pt x="126536" y="28572"/>
+                      <a:pt x="138793" y="32658"/>
+                    </a:cubicBezTo>
+                    <a:cubicBezTo>
+                      <a:pt x="146957" y="35379"/>
+                      <a:pt x="154936" y="38735"/>
+                      <a:pt x="163285" y="40822"/>
+                    </a:cubicBezTo>
+                    <a:cubicBezTo>
+                      <a:pt x="212645" y="53161"/>
+                      <a:pt x="185291" y="45436"/>
+                      <a:pt x="244928" y="65315"/>
+                    </a:cubicBezTo>
+                    <a:cubicBezTo>
+                      <a:pt x="253092" y="68036"/>
+                      <a:pt x="260882" y="72412"/>
+                      <a:pt x="269421" y="73479"/>
+                    </a:cubicBezTo>
+                    <a:lnTo>
+                      <a:pt x="334735" y="81643"/>
+                    </a:lnTo>
+                    <a:cubicBezTo>
+                      <a:pt x="356507" y="87086"/>
+                      <a:pt x="379213" y="89638"/>
+                      <a:pt x="400050" y="97972"/>
+                    </a:cubicBezTo>
+                    <a:cubicBezTo>
+                      <a:pt x="413657" y="103415"/>
+                      <a:pt x="426968" y="109666"/>
+                      <a:pt x="440871" y="114300"/>
+                    </a:cubicBezTo>
+                    <a:cubicBezTo>
+                      <a:pt x="458811" y="120280"/>
+                      <a:pt x="507864" y="129767"/>
+                      <a:pt x="522514" y="130629"/>
+                    </a:cubicBezTo>
+                    <a:cubicBezTo>
+                      <a:pt x="598631" y="135106"/>
+                      <a:pt x="674914" y="136072"/>
+                      <a:pt x="751114" y="138793"/>
+                    </a:cubicBezTo>
+                    <a:cubicBezTo>
+                      <a:pt x="783771" y="144236"/>
+                      <a:pt x="821538" y="136757"/>
+                      <a:pt x="849085" y="155122"/>
+                    </a:cubicBezTo>
+                    <a:cubicBezTo>
+                      <a:pt x="865414" y="166008"/>
+                      <a:pt x="879453" y="181573"/>
+                      <a:pt x="898071" y="187779"/>
+                    </a:cubicBezTo>
+                    <a:lnTo>
+                      <a:pt x="922564" y="195943"/>
+                    </a:lnTo>
+                  </a:path>
+                </a:pathLst>
+              </a:custGeom>
+              <a:noFill/>
+              <a:ln w="114300">
+                <a:solidFill>
+                  <a:schemeClr val="bg1"/>
+                </a:solidFill>
+                <a:prstDash val="sysDot"/>
+              </a:ln>
+              <a:effectLst/>
+            </p:spPr>
+            <p:style>
+              <a:lnRef idx="2">
+                <a:schemeClr val="accent1">
+                  <a:shade val="50000"/>
+                </a:schemeClr>
+              </a:lnRef>
+              <a:fillRef idx="1">
+                <a:schemeClr val="accent1"/>
+              </a:fillRef>
+              <a:effectRef idx="0">
+                <a:schemeClr val="accent1"/>
+              </a:effectRef>
+              <a:fontRef idx="minor">
+                <a:schemeClr val="lt1"/>
+              </a:fontRef>
+            </p:style>
+            <p:txBody>
+              <a:bodyPr rtlCol="0" anchor="ctr"/>
+              <a:lstStyle/>
+              <a:p>
+                <a:pPr algn="ctr"/>
+                <a:endParaRPr lang="en-US"/>
+              </a:p>
+            </p:txBody>
+          </p:sp>
+          <p:sp>
+            <p:nvSpPr>
+              <p:cNvPr id="5164" name="Freeform 5163"/>
+              <p:cNvSpPr/>
+              <p:nvPr/>
+            </p:nvSpPr>
+            <p:spPr>
+              <a:xfrm>
+                <a:off x="5421086" y="3404507"/>
+                <a:ext cx="808264" cy="204857"/>
+              </a:xfrm>
+              <a:custGeom>
+                <a:avLst/>
+                <a:gdLst>
+                  <a:gd name="connsiteX0" fmla="*/ 808264 w 808264"/>
+                  <a:gd name="connsiteY0" fmla="*/ 0 h 204857"/>
+                  <a:gd name="connsiteX1" fmla="*/ 767443 w 808264"/>
+                  <a:gd name="connsiteY1" fmla="*/ 16329 h 204857"/>
+                  <a:gd name="connsiteX2" fmla="*/ 734785 w 808264"/>
+                  <a:gd name="connsiteY2" fmla="*/ 24493 h 204857"/>
+                  <a:gd name="connsiteX3" fmla="*/ 661307 w 808264"/>
+                  <a:gd name="connsiteY3" fmla="*/ 48986 h 204857"/>
+                  <a:gd name="connsiteX4" fmla="*/ 636814 w 808264"/>
+                  <a:gd name="connsiteY4" fmla="*/ 57150 h 204857"/>
+                  <a:gd name="connsiteX5" fmla="*/ 612321 w 808264"/>
+                  <a:gd name="connsiteY5" fmla="*/ 65314 h 204857"/>
+                  <a:gd name="connsiteX6" fmla="*/ 579664 w 808264"/>
+                  <a:gd name="connsiteY6" fmla="*/ 81643 h 204857"/>
+                  <a:gd name="connsiteX7" fmla="*/ 538843 w 808264"/>
+                  <a:gd name="connsiteY7" fmla="*/ 89807 h 204857"/>
+                  <a:gd name="connsiteX8" fmla="*/ 449035 w 808264"/>
+                  <a:gd name="connsiteY8" fmla="*/ 106136 h 204857"/>
+                  <a:gd name="connsiteX9" fmla="*/ 400050 w 808264"/>
+                  <a:gd name="connsiteY9" fmla="*/ 122464 h 204857"/>
+                  <a:gd name="connsiteX10" fmla="*/ 375557 w 808264"/>
+                  <a:gd name="connsiteY10" fmla="*/ 130629 h 204857"/>
+                  <a:gd name="connsiteX11" fmla="*/ 277585 w 808264"/>
+                  <a:gd name="connsiteY11" fmla="*/ 146957 h 204857"/>
+                  <a:gd name="connsiteX12" fmla="*/ 195943 w 808264"/>
+                  <a:gd name="connsiteY12" fmla="*/ 155122 h 204857"/>
+                  <a:gd name="connsiteX13" fmla="*/ 122464 w 808264"/>
+                  <a:gd name="connsiteY13" fmla="*/ 179614 h 204857"/>
+                  <a:gd name="connsiteX14" fmla="*/ 97971 w 808264"/>
+                  <a:gd name="connsiteY14" fmla="*/ 187779 h 204857"/>
+                  <a:gd name="connsiteX15" fmla="*/ 65314 w 808264"/>
+                  <a:gd name="connsiteY15" fmla="*/ 195943 h 204857"/>
+                  <a:gd name="connsiteX16" fmla="*/ 40821 w 808264"/>
+                  <a:gd name="connsiteY16" fmla="*/ 204107 h 204857"/>
+                  <a:gd name="connsiteX17" fmla="*/ 0 w 808264"/>
+                  <a:gd name="connsiteY17" fmla="*/ 204107 h 204857"/>
+                </a:gdLst>
+                <a:ahLst/>
+                <a:cxnLst>
+                  <a:cxn ang="0">
+                    <a:pos x="connsiteX0" y="connsiteY0"/>
+                  </a:cxn>
+                  <a:cxn ang="0">
+                    <a:pos x="connsiteX1" y="connsiteY1"/>
+                  </a:cxn>
+                  <a:cxn ang="0">
+                    <a:pos x="connsiteX2" y="connsiteY2"/>
+                  </a:cxn>
+                  <a:cxn ang="0">
+                    <a:pos x="connsiteX3" y="connsiteY3"/>
+                  </a:cxn>
+                  <a:cxn ang="0">
+                    <a:pos x="connsiteX4" y="connsiteY4"/>
+                  </a:cxn>
+                  <a:cxn ang="0">
+                    <a:pos x="connsiteX5" y="connsiteY5"/>
+                  </a:cxn>
+                  <a:cxn ang="0">
+                    <a:pos x="connsiteX6" y="connsiteY6"/>
+                  </a:cxn>
+                  <a:cxn ang="0">
+                    <a:pos x="connsiteX7" y="connsiteY7"/>
+                  </a:cxn>
+                  <a:cxn ang="0">
+                    <a:pos x="connsiteX8" y="connsiteY8"/>
+                  </a:cxn>
+                  <a:cxn ang="0">
+                    <a:pos x="connsiteX9" y="connsiteY9"/>
+                  </a:cxn>
+                  <a:cxn ang="0">
+                    <a:pos x="connsiteX10" y="connsiteY10"/>
+                  </a:cxn>
+                  <a:cxn ang="0">
+                    <a:pos x="connsiteX11" y="connsiteY11"/>
+                  </a:cxn>
+                  <a:cxn ang="0">
+                    <a:pos x="connsiteX12" y="connsiteY12"/>
+                  </a:cxn>
+                  <a:cxn ang="0">
+                    <a:pos x="connsiteX13" y="connsiteY13"/>
+                  </a:cxn>
+                  <a:cxn ang="0">
+                    <a:pos x="connsiteX14" y="connsiteY14"/>
+                  </a:cxn>
+                  <a:cxn ang="0">
+                    <a:pos x="connsiteX15" y="connsiteY15"/>
+                  </a:cxn>
+                  <a:cxn ang="0">
+                    <a:pos x="connsiteX16" y="connsiteY16"/>
+                  </a:cxn>
+                  <a:cxn ang="0">
+                    <a:pos x="connsiteX17" y="connsiteY17"/>
+                  </a:cxn>
+                </a:cxnLst>
+                <a:rect l="l" t="t" r="r" b="b"/>
+                <a:pathLst>
+                  <a:path w="808264" h="204857">
+                    <a:moveTo>
+                      <a:pt x="808264" y="0"/>
+                    </a:moveTo>
+                    <a:cubicBezTo>
+                      <a:pt x="794657" y="5443"/>
+                      <a:pt x="781346" y="11695"/>
+                      <a:pt x="767443" y="16329"/>
+                    </a:cubicBezTo>
+                    <a:cubicBezTo>
+                      <a:pt x="756798" y="19877"/>
+                      <a:pt x="745533" y="21269"/>
+                      <a:pt x="734785" y="24493"/>
+                    </a:cubicBezTo>
+                    <a:cubicBezTo>
+                      <a:pt x="710056" y="31912"/>
+                      <a:pt x="685800" y="40822"/>
+                      <a:pt x="661307" y="48986"/>
+                    </a:cubicBezTo>
+                    <a:lnTo>
+                      <a:pt x="636814" y="57150"/>
+                    </a:lnTo>
+                    <a:cubicBezTo>
+                      <a:pt x="628650" y="59871"/>
+                      <a:pt x="620018" y="61465"/>
+                      <a:pt x="612321" y="65314"/>
+                    </a:cubicBezTo>
+                    <a:cubicBezTo>
+                      <a:pt x="601435" y="70757"/>
+                      <a:pt x="591210" y="77794"/>
+                      <a:pt x="579664" y="81643"/>
+                    </a:cubicBezTo>
+                    <a:cubicBezTo>
+                      <a:pt x="566500" y="86031"/>
+                      <a:pt x="552305" y="86441"/>
+                      <a:pt x="538843" y="89807"/>
+                    </a:cubicBezTo>
+                    <a:cubicBezTo>
+                      <a:pt x="463326" y="108687"/>
+                      <a:pt x="599908" y="87278"/>
+                      <a:pt x="449035" y="106136"/>
+                    </a:cubicBezTo>
+                    <a:lnTo>
+                      <a:pt x="400050" y="122464"/>
+                    </a:lnTo>
+                    <a:cubicBezTo>
+                      <a:pt x="391886" y="125186"/>
+                      <a:pt x="383996" y="128941"/>
+                      <a:pt x="375557" y="130629"/>
+                    </a:cubicBezTo>
+                    <a:cubicBezTo>
+                      <a:pt x="331511" y="139438"/>
+                      <a:pt x="326776" y="141170"/>
+                      <a:pt x="277585" y="146957"/>
+                    </a:cubicBezTo>
+                    <a:cubicBezTo>
+                      <a:pt x="250423" y="150153"/>
+                      <a:pt x="223157" y="152400"/>
+                      <a:pt x="195943" y="155122"/>
+                    </a:cubicBezTo>
+                    <a:lnTo>
+                      <a:pt x="122464" y="179614"/>
+                    </a:lnTo>
+                    <a:cubicBezTo>
+                      <a:pt x="114300" y="182336"/>
+                      <a:pt x="106320" y="185692"/>
+                      <a:pt x="97971" y="187779"/>
+                    </a:cubicBezTo>
+                    <a:cubicBezTo>
+                      <a:pt x="87085" y="190500"/>
+                      <a:pt x="76103" y="192861"/>
+                      <a:pt x="65314" y="195943"/>
+                    </a:cubicBezTo>
+                    <a:cubicBezTo>
+                      <a:pt x="57039" y="198307"/>
+                      <a:pt x="49360" y="203040"/>
+                      <a:pt x="40821" y="204107"/>
+                    </a:cubicBezTo>
+                    <a:cubicBezTo>
+                      <a:pt x="27319" y="205795"/>
+                      <a:pt x="13607" y="204107"/>
+                      <a:pt x="0" y="204107"/>
+                    </a:cubicBezTo>
+                  </a:path>
+                </a:pathLst>
+              </a:custGeom>
+              <a:noFill/>
+              <a:ln w="114300">
+                <a:solidFill>
+                  <a:schemeClr val="bg1"/>
+                </a:solidFill>
+                <a:prstDash val="sysDot"/>
+              </a:ln>
+              <a:effectLst/>
+            </p:spPr>
+            <p:style>
+              <a:lnRef idx="2">
+                <a:schemeClr val="accent1">
+                  <a:shade val="50000"/>
+                </a:schemeClr>
+              </a:lnRef>
+              <a:fillRef idx="1">
+                <a:schemeClr val="accent1"/>
+              </a:fillRef>
+              <a:effectRef idx="0">
+                <a:schemeClr val="accent1"/>
+              </a:effectRef>
+              <a:fontRef idx="minor">
+                <a:schemeClr val="lt1"/>
+              </a:fontRef>
+            </p:style>
+            <p:txBody>
+              <a:bodyPr rtlCol="0" anchor="ctr"/>
+              <a:lstStyle/>
+              <a:p>
+                <a:pPr algn="ctr"/>
+                <a:endParaRPr lang="en-US"/>
+              </a:p>
+            </p:txBody>
+          </p:sp>
+          <p:sp>
+            <p:nvSpPr>
+              <p:cNvPr id="5165" name="Freeform 5164"/>
+              <p:cNvSpPr/>
+              <p:nvPr/>
+            </p:nvSpPr>
+            <p:spPr>
+              <a:xfrm>
+                <a:off x="7013121" y="3175907"/>
+                <a:ext cx="269422" cy="114300"/>
+              </a:xfrm>
+              <a:custGeom>
+                <a:avLst/>
+                <a:gdLst>
+                  <a:gd name="connsiteX0" fmla="*/ 0 w 269422"/>
+                  <a:gd name="connsiteY0" fmla="*/ 114300 h 114300"/>
+                  <a:gd name="connsiteX1" fmla="*/ 40822 w 269422"/>
+                  <a:gd name="connsiteY1" fmla="*/ 106136 h 114300"/>
+                  <a:gd name="connsiteX2" fmla="*/ 89808 w 269422"/>
+                  <a:gd name="connsiteY2" fmla="*/ 73479 h 114300"/>
+                  <a:gd name="connsiteX3" fmla="*/ 212272 w 269422"/>
+                  <a:gd name="connsiteY3" fmla="*/ 32657 h 114300"/>
+                  <a:gd name="connsiteX4" fmla="*/ 236765 w 269422"/>
+                  <a:gd name="connsiteY4" fmla="*/ 24493 h 114300"/>
+                  <a:gd name="connsiteX5" fmla="*/ 261258 w 269422"/>
+                  <a:gd name="connsiteY5" fmla="*/ 16329 h 114300"/>
+                  <a:gd name="connsiteX6" fmla="*/ 269422 w 269422"/>
+                  <a:gd name="connsiteY6" fmla="*/ 0 h 114300"/>
+                </a:gdLst>
+                <a:ahLst/>
+                <a:cxnLst>
+                  <a:cxn ang="0">
+                    <a:pos x="connsiteX0" y="connsiteY0"/>
+                  </a:cxn>
+                  <a:cxn ang="0">
+                    <a:pos x="connsiteX1" y="connsiteY1"/>
+                  </a:cxn>
+                  <a:cxn ang="0">
+                    <a:pos x="connsiteX2" y="connsiteY2"/>
+                  </a:cxn>
+                  <a:cxn ang="0">
+                    <a:pos x="connsiteX3" y="connsiteY3"/>
+                  </a:cxn>
+                  <a:cxn ang="0">
+                    <a:pos x="connsiteX4" y="connsiteY4"/>
+                  </a:cxn>
+                  <a:cxn ang="0">
+                    <a:pos x="connsiteX5" y="connsiteY5"/>
+                  </a:cxn>
+                  <a:cxn ang="0">
+                    <a:pos x="connsiteX6" y="connsiteY6"/>
+                  </a:cxn>
+                </a:cxnLst>
+                <a:rect l="l" t="t" r="r" b="b"/>
+                <a:pathLst>
+                  <a:path w="269422" h="114300">
+                    <a:moveTo>
+                      <a:pt x="0" y="114300"/>
+                    </a:moveTo>
+                    <a:cubicBezTo>
+                      <a:pt x="13607" y="111579"/>
+                      <a:pt x="28189" y="111878"/>
+                      <a:pt x="40822" y="106136"/>
+                    </a:cubicBezTo>
+                    <a:cubicBezTo>
+                      <a:pt x="58688" y="98015"/>
+                      <a:pt x="71191" y="79685"/>
+                      <a:pt x="89808" y="73479"/>
+                    </a:cubicBezTo>
+                    <a:lnTo>
+                      <a:pt x="212272" y="32657"/>
+                    </a:lnTo>
+                    <a:lnTo>
+                      <a:pt x="236765" y="24493"/>
+                    </a:lnTo>
+                    <a:cubicBezTo>
+                      <a:pt x="244929" y="21772"/>
+                      <a:pt x="257410" y="24026"/>
+                      <a:pt x="261258" y="16329"/>
+                    </a:cubicBezTo>
+                    <a:lnTo>
+                      <a:pt x="269422" y="0"/>
+                    </a:lnTo>
+                  </a:path>
+                </a:pathLst>
+              </a:custGeom>
+              <a:noFill/>
+              <a:ln w="114300">
+                <a:solidFill>
+                  <a:schemeClr val="bg1"/>
+                </a:solidFill>
+                <a:prstDash val="sysDot"/>
+              </a:ln>
+              <a:effectLst/>
+            </p:spPr>
+            <p:style>
+              <a:lnRef idx="2">
+                <a:schemeClr val="accent1">
+                  <a:shade val="50000"/>
+                </a:schemeClr>
+              </a:lnRef>
+              <a:fillRef idx="1">
+                <a:schemeClr val="accent1"/>
+              </a:fillRef>
+              <a:effectRef idx="0">
+                <a:schemeClr val="accent1"/>
+              </a:effectRef>
+              <a:fontRef idx="minor">
+                <a:schemeClr val="lt1"/>
+              </a:fontRef>
+            </p:style>
+            <p:txBody>
+              <a:bodyPr rtlCol="0" anchor="ctr"/>
+              <a:lstStyle/>
+              <a:p>
+                <a:pPr algn="ctr"/>
+                <a:endParaRPr lang="en-US"/>
+              </a:p>
+            </p:txBody>
+          </p:sp>
+          <p:sp>
+            <p:nvSpPr>
+              <p:cNvPr id="5166" name="Freeform 5165"/>
+              <p:cNvSpPr/>
+              <p:nvPr/>
+            </p:nvSpPr>
+            <p:spPr>
+              <a:xfrm>
+                <a:off x="3380014" y="3159579"/>
+                <a:ext cx="138793" cy="48985"/>
+              </a:xfrm>
+              <a:custGeom>
+                <a:avLst/>
+                <a:gdLst>
+                  <a:gd name="connsiteX0" fmla="*/ 138793 w 138793"/>
+                  <a:gd name="connsiteY0" fmla="*/ 48985 h 48985"/>
+                  <a:gd name="connsiteX1" fmla="*/ 73479 w 138793"/>
+                  <a:gd name="connsiteY1" fmla="*/ 32657 h 48985"/>
+                  <a:gd name="connsiteX2" fmla="*/ 40822 w 138793"/>
+                  <a:gd name="connsiteY2" fmla="*/ 16328 h 48985"/>
+                  <a:gd name="connsiteX3" fmla="*/ 0 w 138793"/>
+                  <a:gd name="connsiteY3" fmla="*/ 0 h 48985"/>
+                </a:gdLst>
+                <a:ahLst/>
+                <a:cxnLst>
+                  <a:cxn ang="0">
+                    <a:pos x="connsiteX0" y="connsiteY0"/>
+                  </a:cxn>
+                  <a:cxn ang="0">
+                    <a:pos x="connsiteX1" y="connsiteY1"/>
+                  </a:cxn>
+                  <a:cxn ang="0">
+                    <a:pos x="connsiteX2" y="connsiteY2"/>
+                  </a:cxn>
+                  <a:cxn ang="0">
+                    <a:pos x="connsiteX3" y="connsiteY3"/>
+                  </a:cxn>
+                </a:cxnLst>
+                <a:rect l="l" t="t" r="r" b="b"/>
+                <a:pathLst>
+                  <a:path w="138793" h="48985">
+                    <a:moveTo>
+                      <a:pt x="138793" y="48985"/>
+                    </a:moveTo>
+                    <a:cubicBezTo>
+                      <a:pt x="114837" y="44194"/>
+                      <a:pt x="95444" y="42070"/>
+                      <a:pt x="73479" y="32657"/>
+                    </a:cubicBezTo>
+                    <a:cubicBezTo>
+                      <a:pt x="62292" y="27863"/>
+                      <a:pt x="52009" y="21122"/>
+                      <a:pt x="40822" y="16328"/>
+                    </a:cubicBezTo>
+                    <a:cubicBezTo>
+                      <a:pt x="-29825" y="-13949"/>
+                      <a:pt x="52580" y="26288"/>
+                      <a:pt x="0" y="0"/>
+                    </a:cubicBezTo>
+                  </a:path>
+                </a:pathLst>
+              </a:custGeom>
+              <a:noFill/>
+              <a:ln w="114300">
+                <a:solidFill>
+                  <a:schemeClr val="bg1"/>
+                </a:solidFill>
+                <a:prstDash val="sysDot"/>
+              </a:ln>
+              <a:effectLst/>
+            </p:spPr>
+            <p:style>
+              <a:lnRef idx="2">
+                <a:schemeClr val="accent1">
+                  <a:shade val="50000"/>
+                </a:schemeClr>
+              </a:lnRef>
+              <a:fillRef idx="1">
+                <a:schemeClr val="accent1"/>
+              </a:fillRef>
+              <a:effectRef idx="0">
+                <a:schemeClr val="accent1"/>
+              </a:effectRef>
+              <a:fontRef idx="minor">
+                <a:schemeClr val="lt1"/>
+              </a:fontRef>
+            </p:style>
+            <p:txBody>
+              <a:bodyPr rtlCol="0" anchor="ctr"/>
+              <a:lstStyle/>
+              <a:p>
+                <a:pPr algn="ctr"/>
+                <a:endParaRPr lang="en-US"/>
+              </a:p>
+            </p:txBody>
+          </p:sp>
+          <p:sp>
+            <p:nvSpPr>
+              <p:cNvPr id="5168" name="Freeform 5167"/>
+              <p:cNvSpPr/>
+              <p:nvPr/>
+            </p:nvSpPr>
+            <p:spPr>
+              <a:xfrm>
+                <a:off x="1428750" y="3167743"/>
+                <a:ext cx="1665514" cy="367393"/>
+              </a:xfrm>
+              <a:custGeom>
+                <a:avLst/>
+                <a:gdLst>
+                  <a:gd name="connsiteX0" fmla="*/ 1665514 w 1665514"/>
+                  <a:gd name="connsiteY0" fmla="*/ 0 h 367393"/>
+                  <a:gd name="connsiteX1" fmla="*/ 1583871 w 1665514"/>
+                  <a:gd name="connsiteY1" fmla="*/ 8164 h 367393"/>
+                  <a:gd name="connsiteX2" fmla="*/ 1469571 w 1665514"/>
+                  <a:gd name="connsiteY2" fmla="*/ 32657 h 367393"/>
+                  <a:gd name="connsiteX3" fmla="*/ 1436914 w 1665514"/>
+                  <a:gd name="connsiteY3" fmla="*/ 48986 h 367393"/>
+                  <a:gd name="connsiteX4" fmla="*/ 1347107 w 1665514"/>
+                  <a:gd name="connsiteY4" fmla="*/ 65314 h 367393"/>
+                  <a:gd name="connsiteX5" fmla="*/ 1281793 w 1665514"/>
+                  <a:gd name="connsiteY5" fmla="*/ 89807 h 367393"/>
+                  <a:gd name="connsiteX6" fmla="*/ 1240971 w 1665514"/>
+                  <a:gd name="connsiteY6" fmla="*/ 106136 h 367393"/>
+                  <a:gd name="connsiteX7" fmla="*/ 1175657 w 1665514"/>
+                  <a:gd name="connsiteY7" fmla="*/ 122464 h 367393"/>
+                  <a:gd name="connsiteX8" fmla="*/ 1126671 w 1665514"/>
+                  <a:gd name="connsiteY8" fmla="*/ 138793 h 367393"/>
+                  <a:gd name="connsiteX9" fmla="*/ 1102179 w 1665514"/>
+                  <a:gd name="connsiteY9" fmla="*/ 146957 h 367393"/>
+                  <a:gd name="connsiteX10" fmla="*/ 1069521 w 1665514"/>
+                  <a:gd name="connsiteY10" fmla="*/ 163286 h 367393"/>
+                  <a:gd name="connsiteX11" fmla="*/ 1028700 w 1665514"/>
+                  <a:gd name="connsiteY11" fmla="*/ 171450 h 367393"/>
+                  <a:gd name="connsiteX12" fmla="*/ 996043 w 1665514"/>
+                  <a:gd name="connsiteY12" fmla="*/ 187778 h 367393"/>
+                  <a:gd name="connsiteX13" fmla="*/ 930729 w 1665514"/>
+                  <a:gd name="connsiteY13" fmla="*/ 204107 h 367393"/>
+                  <a:gd name="connsiteX14" fmla="*/ 906236 w 1665514"/>
+                  <a:gd name="connsiteY14" fmla="*/ 220436 h 367393"/>
+                  <a:gd name="connsiteX15" fmla="*/ 840921 w 1665514"/>
+                  <a:gd name="connsiteY15" fmla="*/ 236764 h 367393"/>
+                  <a:gd name="connsiteX16" fmla="*/ 791936 w 1665514"/>
+                  <a:gd name="connsiteY16" fmla="*/ 253093 h 367393"/>
+                  <a:gd name="connsiteX17" fmla="*/ 595993 w 1665514"/>
+                  <a:gd name="connsiteY17" fmla="*/ 269421 h 367393"/>
+                  <a:gd name="connsiteX18" fmla="*/ 261257 w 1665514"/>
+                  <a:gd name="connsiteY18" fmla="*/ 285750 h 367393"/>
+                  <a:gd name="connsiteX19" fmla="*/ 236764 w 1665514"/>
+                  <a:gd name="connsiteY19" fmla="*/ 293914 h 367393"/>
+                  <a:gd name="connsiteX20" fmla="*/ 204107 w 1665514"/>
+                  <a:gd name="connsiteY20" fmla="*/ 302078 h 367393"/>
+                  <a:gd name="connsiteX21" fmla="*/ 179614 w 1665514"/>
+                  <a:gd name="connsiteY21" fmla="*/ 310243 h 367393"/>
+                  <a:gd name="connsiteX22" fmla="*/ 146957 w 1665514"/>
+                  <a:gd name="connsiteY22" fmla="*/ 318407 h 367393"/>
+                  <a:gd name="connsiteX23" fmla="*/ 73479 w 1665514"/>
+                  <a:gd name="connsiteY23" fmla="*/ 342900 h 367393"/>
+                  <a:gd name="connsiteX24" fmla="*/ 24493 w 1665514"/>
+                  <a:gd name="connsiteY24" fmla="*/ 359228 h 367393"/>
+                  <a:gd name="connsiteX25" fmla="*/ 0 w 1665514"/>
+                  <a:gd name="connsiteY25" fmla="*/ 367393 h 367393"/>
+                </a:gdLst>
+                <a:ahLst/>
+                <a:cxnLst>
+                  <a:cxn ang="0">
+                    <a:pos x="connsiteX0" y="connsiteY0"/>
+                  </a:cxn>
+                  <a:cxn ang="0">
+                    <a:pos x="connsiteX1" y="connsiteY1"/>
+                  </a:cxn>
+                  <a:cxn ang="0">
+                    <a:pos x="connsiteX2" y="connsiteY2"/>
+                  </a:cxn>
+                  <a:cxn ang="0">
+                    <a:pos x="connsiteX3" y="connsiteY3"/>
+                  </a:cxn>
+                  <a:cxn ang="0">
+                    <a:pos x="connsiteX4" y="connsiteY4"/>
+                  </a:cxn>
+                  <a:cxn ang="0">
+                    <a:pos x="connsiteX5" y="connsiteY5"/>
+                  </a:cxn>
+                  <a:cxn ang="0">
+                    <a:pos x="connsiteX6" y="connsiteY6"/>
+                  </a:cxn>
+                  <a:cxn ang="0">
+                    <a:pos x="connsiteX7" y="connsiteY7"/>
+                  </a:cxn>
+                  <a:cxn ang="0">
+                    <a:pos x="connsiteX8" y="connsiteY8"/>
+                  </a:cxn>
+                  <a:cxn ang="0">
+                    <a:pos x="connsiteX9" y="connsiteY9"/>
+                  </a:cxn>
+                  <a:cxn ang="0">
+                    <a:pos x="connsiteX10" y="connsiteY10"/>
+                  </a:cxn>
+                  <a:cxn ang="0">
+                    <a:pos x="connsiteX11" y="connsiteY11"/>
+                  </a:cxn>
+                  <a:cxn ang="0">
+                    <a:pos x="connsiteX12" y="connsiteY12"/>
+                  </a:cxn>
+                  <a:cxn ang="0">
+                    <a:pos x="connsiteX13" y="connsiteY13"/>
+                  </a:cxn>
+                  <a:cxn ang="0">
+                    <a:pos x="connsiteX14" y="connsiteY14"/>
+                  </a:cxn>
+                  <a:cxn ang="0">
+                    <a:pos x="connsiteX15" y="connsiteY15"/>
+                  </a:cxn>
+                  <a:cxn ang="0">
+                    <a:pos x="connsiteX16" y="connsiteY16"/>
+                  </a:cxn>
+                  <a:cxn ang="0">
+                    <a:pos x="connsiteX17" y="connsiteY17"/>
+                  </a:cxn>
+                  <a:cxn ang="0">
+                    <a:pos x="connsiteX18" y="connsiteY18"/>
+                  </a:cxn>
+                  <a:cxn ang="0">
+                    <a:pos x="connsiteX19" y="connsiteY19"/>
+                  </a:cxn>
+                  <a:cxn ang="0">
+                    <a:pos x="connsiteX20" y="connsiteY20"/>
+                  </a:cxn>
+                  <a:cxn ang="0">
+                    <a:pos x="connsiteX21" y="connsiteY21"/>
+                  </a:cxn>
+                  <a:cxn ang="0">
+                    <a:pos x="connsiteX22" y="connsiteY22"/>
+                  </a:cxn>
+                  <a:cxn ang="0">
+                    <a:pos x="connsiteX23" y="connsiteY23"/>
+                  </a:cxn>
+                  <a:cxn ang="0">
+                    <a:pos x="connsiteX24" y="connsiteY24"/>
+                  </a:cxn>
+                  <a:cxn ang="0">
+                    <a:pos x="connsiteX25" y="connsiteY25"/>
+                  </a:cxn>
+                </a:cxnLst>
+                <a:rect l="l" t="t" r="r" b="b"/>
+                <a:pathLst>
+                  <a:path w="1665514" h="367393">
+                    <a:moveTo>
+                      <a:pt x="1665514" y="0"/>
+                    </a:moveTo>
+                    <a:cubicBezTo>
+                      <a:pt x="1638300" y="2721"/>
+                      <a:pt x="1610918" y="4107"/>
+                      <a:pt x="1583871" y="8164"/>
+                    </a:cubicBezTo>
+                    <a:cubicBezTo>
+                      <a:pt x="1537562" y="15110"/>
+                      <a:pt x="1510419" y="22446"/>
+                      <a:pt x="1469571" y="32657"/>
+                    </a:cubicBezTo>
+                    <a:cubicBezTo>
+                      <a:pt x="1458685" y="38100"/>
+                      <a:pt x="1448460" y="45137"/>
+                      <a:pt x="1436914" y="48986"/>
+                    </a:cubicBezTo>
+                    <a:cubicBezTo>
+                      <a:pt x="1425503" y="52790"/>
+                      <a:pt x="1355331" y="63943"/>
+                      <a:pt x="1347107" y="65314"/>
+                    </a:cubicBezTo>
+                    <a:cubicBezTo>
+                      <a:pt x="1280300" y="98719"/>
+                      <a:pt x="1348489" y="67575"/>
+                      <a:pt x="1281793" y="89807"/>
+                    </a:cubicBezTo>
+                    <a:cubicBezTo>
+                      <a:pt x="1267890" y="94441"/>
+                      <a:pt x="1254978" y="101826"/>
+                      <a:pt x="1240971" y="106136"/>
+                    </a:cubicBezTo>
+                    <a:cubicBezTo>
+                      <a:pt x="1219522" y="112736"/>
+                      <a:pt x="1196947" y="115367"/>
+                      <a:pt x="1175657" y="122464"/>
+                    </a:cubicBezTo>
+                    <a:lnTo>
+                      <a:pt x="1126671" y="138793"/>
+                    </a:lnTo>
+                    <a:cubicBezTo>
+                      <a:pt x="1118507" y="141514"/>
+                      <a:pt x="1109876" y="143108"/>
+                      <a:pt x="1102179" y="146957"/>
+                    </a:cubicBezTo>
+                    <a:cubicBezTo>
+                      <a:pt x="1091293" y="152400"/>
+                      <a:pt x="1081067" y="159437"/>
+                      <a:pt x="1069521" y="163286"/>
+                    </a:cubicBezTo>
+                    <a:cubicBezTo>
+                      <a:pt x="1056357" y="167674"/>
+                      <a:pt x="1042307" y="168729"/>
+                      <a:pt x="1028700" y="171450"/>
+                    </a:cubicBezTo>
+                    <a:cubicBezTo>
+                      <a:pt x="1017814" y="176893"/>
+                      <a:pt x="1007589" y="183929"/>
+                      <a:pt x="996043" y="187778"/>
+                    </a:cubicBezTo>
+                    <a:cubicBezTo>
+                      <a:pt x="974753" y="194875"/>
+                      <a:pt x="930729" y="204107"/>
+                      <a:pt x="930729" y="204107"/>
+                    </a:cubicBezTo>
+                    <a:cubicBezTo>
+                      <a:pt x="922565" y="209550"/>
+                      <a:pt x="915012" y="216048"/>
+                      <a:pt x="906236" y="220436"/>
+                    </a:cubicBezTo>
+                    <a:cubicBezTo>
+                      <a:pt x="886419" y="230345"/>
+                      <a:pt x="861415" y="231175"/>
+                      <a:pt x="840921" y="236764"/>
+                    </a:cubicBezTo>
+                    <a:cubicBezTo>
+                      <a:pt x="824316" y="241293"/>
+                      <a:pt x="808264" y="247650"/>
+                      <a:pt x="791936" y="253093"/>
+                    </a:cubicBezTo>
+                    <a:cubicBezTo>
+                      <a:pt x="713169" y="279349"/>
+                      <a:pt x="776006" y="260849"/>
+                      <a:pt x="595993" y="269421"/>
+                    </a:cubicBezTo>
+                    <a:cubicBezTo>
+                      <a:pt x="471266" y="311000"/>
+                      <a:pt x="605272" y="268969"/>
+                      <a:pt x="261257" y="285750"/>
+                    </a:cubicBezTo>
+                    <a:cubicBezTo>
+                      <a:pt x="252661" y="286169"/>
+                      <a:pt x="245039" y="291550"/>
+                      <a:pt x="236764" y="293914"/>
+                    </a:cubicBezTo>
+                    <a:cubicBezTo>
+                      <a:pt x="225975" y="296996"/>
+                      <a:pt x="214896" y="298995"/>
+                      <a:pt x="204107" y="302078"/>
+                    </a:cubicBezTo>
+                    <a:cubicBezTo>
+                      <a:pt x="195832" y="304442"/>
+                      <a:pt x="187889" y="307879"/>
+                      <a:pt x="179614" y="310243"/>
+                    </a:cubicBezTo>
+                    <a:cubicBezTo>
+                      <a:pt x="168825" y="313326"/>
+                      <a:pt x="157704" y="315183"/>
+                      <a:pt x="146957" y="318407"/>
+                    </a:cubicBezTo>
+                    <a:cubicBezTo>
+                      <a:pt x="122228" y="325826"/>
+                      <a:pt x="97972" y="334736"/>
+                      <a:pt x="73479" y="342900"/>
+                    </a:cubicBezTo>
+                    <a:lnTo>
+                      <a:pt x="24493" y="359228"/>
+                    </a:lnTo>
+                    <a:lnTo>
+                      <a:pt x="0" y="367393"/>
+                    </a:lnTo>
+                  </a:path>
+                </a:pathLst>
+              </a:custGeom>
+              <a:noFill/>
+              <a:ln w="114300">
+                <a:solidFill>
+                  <a:schemeClr val="bg1"/>
+                </a:solidFill>
+                <a:prstDash val="sysDot"/>
+              </a:ln>
+              <a:effectLst/>
+            </p:spPr>
+            <p:style>
+              <a:lnRef idx="2">
+                <a:schemeClr val="accent1">
+                  <a:shade val="50000"/>
+                </a:schemeClr>
+              </a:lnRef>
+              <a:fillRef idx="1">
+                <a:schemeClr val="accent1"/>
+              </a:fillRef>
+              <a:effectRef idx="0">
+                <a:schemeClr val="accent1"/>
+              </a:effectRef>
+              <a:fontRef idx="minor">
+                <a:schemeClr val="lt1"/>
+              </a:fontRef>
+            </p:style>
+            <p:txBody>
+              <a:bodyPr rtlCol="0" anchor="ctr"/>
+              <a:lstStyle/>
+              <a:p>
+                <a:pPr algn="ctr"/>
+                <a:endParaRPr lang="en-US"/>
+              </a:p>
+            </p:txBody>
+          </p:sp>
+          <p:sp>
+            <p:nvSpPr>
+              <p:cNvPr id="5169" name="Freeform 5168"/>
+              <p:cNvSpPr/>
+              <p:nvPr/>
+            </p:nvSpPr>
+            <p:spPr>
+              <a:xfrm>
+                <a:off x="6662057" y="3788229"/>
+                <a:ext cx="114300" cy="1453242"/>
+              </a:xfrm>
+              <a:custGeom>
+                <a:avLst/>
+                <a:gdLst>
+                  <a:gd name="connsiteX0" fmla="*/ 0 w 114300"/>
+                  <a:gd name="connsiteY0" fmla="*/ 0 h 1453242"/>
+                  <a:gd name="connsiteX1" fmla="*/ 24493 w 114300"/>
+                  <a:gd name="connsiteY1" fmla="*/ 65314 h 1453242"/>
+                  <a:gd name="connsiteX2" fmla="*/ 32657 w 114300"/>
+                  <a:gd name="connsiteY2" fmla="*/ 130628 h 1453242"/>
+                  <a:gd name="connsiteX3" fmla="*/ 40822 w 114300"/>
+                  <a:gd name="connsiteY3" fmla="*/ 171450 h 1453242"/>
+                  <a:gd name="connsiteX4" fmla="*/ 65314 w 114300"/>
+                  <a:gd name="connsiteY4" fmla="*/ 253092 h 1453242"/>
+                  <a:gd name="connsiteX5" fmla="*/ 73479 w 114300"/>
+                  <a:gd name="connsiteY5" fmla="*/ 293914 h 1453242"/>
+                  <a:gd name="connsiteX6" fmla="*/ 81643 w 114300"/>
+                  <a:gd name="connsiteY6" fmla="*/ 318407 h 1453242"/>
+                  <a:gd name="connsiteX7" fmla="*/ 97972 w 114300"/>
+                  <a:gd name="connsiteY7" fmla="*/ 400050 h 1453242"/>
+                  <a:gd name="connsiteX8" fmla="*/ 114300 w 114300"/>
+                  <a:gd name="connsiteY8" fmla="*/ 449035 h 1453242"/>
+                  <a:gd name="connsiteX9" fmla="*/ 106136 w 114300"/>
+                  <a:gd name="connsiteY9" fmla="*/ 759278 h 1453242"/>
+                  <a:gd name="connsiteX10" fmla="*/ 97972 w 114300"/>
+                  <a:gd name="connsiteY10" fmla="*/ 849085 h 1453242"/>
+                  <a:gd name="connsiteX11" fmla="*/ 81643 w 114300"/>
+                  <a:gd name="connsiteY11" fmla="*/ 938892 h 1453242"/>
+                  <a:gd name="connsiteX12" fmla="*/ 73479 w 114300"/>
+                  <a:gd name="connsiteY12" fmla="*/ 1453242 h 1453242"/>
+                </a:gdLst>
+                <a:ahLst/>
+                <a:cxnLst>
+                  <a:cxn ang="0">
+                    <a:pos x="connsiteX0" y="connsiteY0"/>
+                  </a:cxn>
+                  <a:cxn ang="0">
+                    <a:pos x="connsiteX1" y="connsiteY1"/>
+                  </a:cxn>
+                  <a:cxn ang="0">
+                    <a:pos x="connsiteX2" y="connsiteY2"/>
+                  </a:cxn>
+                  <a:cxn ang="0">
+                    <a:pos x="connsiteX3" y="connsiteY3"/>
+                  </a:cxn>
+                  <a:cxn ang="0">
+                    <a:pos x="connsiteX4" y="connsiteY4"/>
+                  </a:cxn>
+                  <a:cxn ang="0">
+                    <a:pos x="connsiteX5" y="connsiteY5"/>
+                  </a:cxn>
+                  <a:cxn ang="0">
+                    <a:pos x="connsiteX6" y="connsiteY6"/>
+                  </a:cxn>
+                  <a:cxn ang="0">
+                    <a:pos x="connsiteX7" y="connsiteY7"/>
+                  </a:cxn>
+                  <a:cxn ang="0">
+                    <a:pos x="connsiteX8" y="connsiteY8"/>
+                  </a:cxn>
+                  <a:cxn ang="0">
+                    <a:pos x="connsiteX9" y="connsiteY9"/>
+                  </a:cxn>
+                  <a:cxn ang="0">
+                    <a:pos x="connsiteX10" y="connsiteY10"/>
+                  </a:cxn>
+                  <a:cxn ang="0">
+                    <a:pos x="connsiteX11" y="connsiteY11"/>
+                  </a:cxn>
+                  <a:cxn ang="0">
+                    <a:pos x="connsiteX12" y="connsiteY12"/>
+                  </a:cxn>
+                </a:cxnLst>
+                <a:rect l="l" t="t" r="r" b="b"/>
+                <a:pathLst>
+                  <a:path w="114300" h="1453242">
+                    <a:moveTo>
+                      <a:pt x="0" y="0"/>
+                    </a:moveTo>
+                    <a:cubicBezTo>
+                      <a:pt x="1364" y="3411"/>
+                      <a:pt x="22359" y="53578"/>
+                      <a:pt x="24493" y="65314"/>
+                    </a:cubicBezTo>
+                    <a:cubicBezTo>
+                      <a:pt x="28418" y="86901"/>
+                      <a:pt x="29321" y="108942"/>
+                      <a:pt x="32657" y="130628"/>
+                    </a:cubicBezTo>
+                    <a:cubicBezTo>
+                      <a:pt x="34767" y="144343"/>
+                      <a:pt x="38541" y="157762"/>
+                      <a:pt x="40822" y="171450"/>
+                    </a:cubicBezTo>
+                    <a:cubicBezTo>
+                      <a:pt x="52497" y="241498"/>
+                      <a:pt x="37229" y="210964"/>
+                      <a:pt x="65314" y="253092"/>
+                    </a:cubicBezTo>
+                    <a:cubicBezTo>
+                      <a:pt x="68036" y="266699"/>
+                      <a:pt x="70113" y="280451"/>
+                      <a:pt x="73479" y="293914"/>
+                    </a:cubicBezTo>
+                    <a:cubicBezTo>
+                      <a:pt x="75566" y="302263"/>
+                      <a:pt x="79708" y="310021"/>
+                      <a:pt x="81643" y="318407"/>
+                    </a:cubicBezTo>
+                    <a:cubicBezTo>
+                      <a:pt x="87884" y="345450"/>
+                      <a:pt x="89196" y="373721"/>
+                      <a:pt x="97972" y="400050"/>
+                    </a:cubicBezTo>
+                    <a:lnTo>
+                      <a:pt x="114300" y="449035"/>
+                    </a:lnTo>
+                    <a:cubicBezTo>
+                      <a:pt x="111579" y="552449"/>
+                      <a:pt x="110355" y="655914"/>
+                      <a:pt x="106136" y="759278"/>
+                    </a:cubicBezTo>
+                    <a:cubicBezTo>
+                      <a:pt x="104910" y="789312"/>
+                      <a:pt x="101119" y="819191"/>
+                      <a:pt x="97972" y="849085"/>
+                    </a:cubicBezTo>
+                    <a:cubicBezTo>
+                      <a:pt x="90871" y="916546"/>
+                      <a:pt x="95910" y="896092"/>
+                      <a:pt x="81643" y="938892"/>
+                    </a:cubicBezTo>
+                    <a:cubicBezTo>
+                      <a:pt x="71689" y="1317147"/>
+                      <a:pt x="73479" y="1145685"/>
+                      <a:pt x="73479" y="1453242"/>
+                    </a:cubicBezTo>
+                  </a:path>
+                </a:pathLst>
+              </a:custGeom>
+              <a:noFill/>
+              <a:ln w="114300">
+                <a:solidFill>
+                  <a:schemeClr val="bg1"/>
+                </a:solidFill>
+                <a:prstDash val="sysDot"/>
+              </a:ln>
+              <a:effectLst/>
+            </p:spPr>
+            <p:style>
+              <a:lnRef idx="2">
+                <a:schemeClr val="accent1">
+                  <a:shade val="50000"/>
+                </a:schemeClr>
+              </a:lnRef>
+              <a:fillRef idx="1">
+                <a:schemeClr val="accent1"/>
+              </a:fillRef>
+              <a:effectRef idx="0">
+                <a:schemeClr val="accent1"/>
+              </a:effectRef>
+              <a:fontRef idx="minor">
+                <a:schemeClr val="lt1"/>
+              </a:fontRef>
+            </p:style>
+            <p:txBody>
+              <a:bodyPr rtlCol="0" anchor="ctr"/>
+              <a:lstStyle/>
+              <a:p>
+                <a:pPr algn="ctr"/>
+                <a:endParaRPr lang="en-US"/>
+              </a:p>
+            </p:txBody>
+          </p:sp>
+          <p:sp>
+            <p:nvSpPr>
+              <p:cNvPr id="5170" name="Freeform 5169"/>
+              <p:cNvSpPr/>
+              <p:nvPr/>
+            </p:nvSpPr>
+            <p:spPr>
+              <a:xfrm>
+                <a:off x="6310993" y="1952261"/>
+                <a:ext cx="351853" cy="970913"/>
+              </a:xfrm>
+              <a:custGeom>
+                <a:avLst/>
+                <a:gdLst>
+                  <a:gd name="connsiteX0" fmla="*/ 0 w 351853"/>
+                  <a:gd name="connsiteY0" fmla="*/ 7168 h 970913"/>
+                  <a:gd name="connsiteX1" fmla="*/ 220436 w 351853"/>
+                  <a:gd name="connsiteY1" fmla="*/ 113303 h 970913"/>
+                  <a:gd name="connsiteX2" fmla="*/ 228600 w 351853"/>
+                  <a:gd name="connsiteY2" fmla="*/ 137796 h 970913"/>
+                  <a:gd name="connsiteX3" fmla="*/ 236764 w 351853"/>
+                  <a:gd name="connsiteY3" fmla="*/ 194946 h 970913"/>
+                  <a:gd name="connsiteX4" fmla="*/ 244928 w 351853"/>
+                  <a:gd name="connsiteY4" fmla="*/ 292918 h 970913"/>
+                  <a:gd name="connsiteX5" fmla="*/ 261257 w 351853"/>
+                  <a:gd name="connsiteY5" fmla="*/ 341903 h 970913"/>
+                  <a:gd name="connsiteX6" fmla="*/ 277586 w 351853"/>
+                  <a:gd name="connsiteY6" fmla="*/ 423546 h 970913"/>
+                  <a:gd name="connsiteX7" fmla="*/ 293914 w 351853"/>
+                  <a:gd name="connsiteY7" fmla="*/ 480696 h 970913"/>
+                  <a:gd name="connsiteX8" fmla="*/ 302078 w 351853"/>
+                  <a:gd name="connsiteY8" fmla="*/ 537846 h 970913"/>
+                  <a:gd name="connsiteX9" fmla="*/ 310243 w 351853"/>
+                  <a:gd name="connsiteY9" fmla="*/ 839925 h 970913"/>
+                  <a:gd name="connsiteX10" fmla="*/ 318407 w 351853"/>
+                  <a:gd name="connsiteY10" fmla="*/ 864418 h 970913"/>
+                  <a:gd name="connsiteX11" fmla="*/ 342900 w 351853"/>
+                  <a:gd name="connsiteY11" fmla="*/ 946060 h 970913"/>
+                  <a:gd name="connsiteX12" fmla="*/ 342900 w 351853"/>
+                  <a:gd name="connsiteY12" fmla="*/ 962389 h 970913"/>
+                </a:gdLst>
+                <a:ahLst/>
+                <a:cxnLst>
+                  <a:cxn ang="0">
+                    <a:pos x="connsiteX0" y="connsiteY0"/>
+                  </a:cxn>
+                  <a:cxn ang="0">
+                    <a:pos x="connsiteX1" y="connsiteY1"/>
+                  </a:cxn>
+                  <a:cxn ang="0">
+                    <a:pos x="connsiteX2" y="connsiteY2"/>
+                  </a:cxn>
+                  <a:cxn ang="0">
+                    <a:pos x="connsiteX3" y="connsiteY3"/>
+                  </a:cxn>
+                  <a:cxn ang="0">
+                    <a:pos x="connsiteX4" y="connsiteY4"/>
+                  </a:cxn>
+                  <a:cxn ang="0">
+                    <a:pos x="connsiteX5" y="connsiteY5"/>
+                  </a:cxn>
+                  <a:cxn ang="0">
+                    <a:pos x="connsiteX6" y="connsiteY6"/>
+                  </a:cxn>
+                  <a:cxn ang="0">
+                    <a:pos x="connsiteX7" y="connsiteY7"/>
+                  </a:cxn>
+                  <a:cxn ang="0">
+                    <a:pos x="connsiteX8" y="connsiteY8"/>
+                  </a:cxn>
+                  <a:cxn ang="0">
+                    <a:pos x="connsiteX9" y="connsiteY9"/>
+                  </a:cxn>
+                  <a:cxn ang="0">
+                    <a:pos x="connsiteX10" y="connsiteY10"/>
+                  </a:cxn>
+                  <a:cxn ang="0">
+                    <a:pos x="connsiteX11" y="connsiteY11"/>
+                  </a:cxn>
+                  <a:cxn ang="0">
+                    <a:pos x="connsiteX12" y="connsiteY12"/>
+                  </a:cxn>
+                </a:cxnLst>
+                <a:rect l="l" t="t" r="r" b="b"/>
+                <a:pathLst>
+                  <a:path w="351853" h="970913">
+                    <a:moveTo>
+                      <a:pt x="0" y="7168"/>
+                    </a:moveTo>
+                    <a:cubicBezTo>
+                      <a:pt x="263318" y="17295"/>
+                      <a:pt x="197921" y="-55558"/>
+                      <a:pt x="220436" y="113303"/>
+                    </a:cubicBezTo>
+                    <a:cubicBezTo>
+                      <a:pt x="221573" y="121833"/>
+                      <a:pt x="225879" y="129632"/>
+                      <a:pt x="228600" y="137796"/>
+                    </a:cubicBezTo>
+                    <a:cubicBezTo>
+                      <a:pt x="231321" y="156846"/>
+                      <a:pt x="234750" y="175808"/>
+                      <a:pt x="236764" y="194946"/>
+                    </a:cubicBezTo>
+                    <a:cubicBezTo>
+                      <a:pt x="240194" y="227536"/>
+                      <a:pt x="239541" y="260593"/>
+                      <a:pt x="244928" y="292918"/>
+                    </a:cubicBezTo>
+                    <a:cubicBezTo>
+                      <a:pt x="247758" y="309895"/>
+                      <a:pt x="257881" y="325026"/>
+                      <a:pt x="261257" y="341903"/>
+                    </a:cubicBezTo>
+                    <a:cubicBezTo>
+                      <a:pt x="266700" y="369117"/>
+                      <a:pt x="268810" y="397217"/>
+                      <a:pt x="277586" y="423546"/>
+                    </a:cubicBezTo>
+                    <a:cubicBezTo>
+                      <a:pt x="284581" y="444531"/>
+                      <a:pt x="289814" y="458143"/>
+                      <a:pt x="293914" y="480696"/>
+                    </a:cubicBezTo>
+                    <a:cubicBezTo>
+                      <a:pt x="297356" y="499629"/>
+                      <a:pt x="299357" y="518796"/>
+                      <a:pt x="302078" y="537846"/>
+                    </a:cubicBezTo>
+                    <a:cubicBezTo>
+                      <a:pt x="304800" y="638539"/>
+                      <a:pt x="305213" y="739321"/>
+                      <a:pt x="310243" y="839925"/>
+                    </a:cubicBezTo>
+                    <a:cubicBezTo>
+                      <a:pt x="310673" y="848520"/>
+                      <a:pt x="316043" y="856143"/>
+                      <a:pt x="318407" y="864418"/>
+                    </a:cubicBezTo>
+                    <a:cubicBezTo>
+                      <a:pt x="343082" y="950783"/>
+                      <a:pt x="304099" y="829660"/>
+                      <a:pt x="342900" y="946060"/>
+                    </a:cubicBezTo>
+                    <a:cubicBezTo>
+                      <a:pt x="352282" y="974205"/>
+                      <a:pt x="357149" y="976638"/>
+                      <a:pt x="342900" y="962389"/>
+                    </a:cubicBezTo>
+                  </a:path>
+                </a:pathLst>
+              </a:custGeom>
+              <a:noFill/>
+              <a:ln w="114300">
+                <a:solidFill>
+                  <a:schemeClr val="bg1"/>
+                </a:solidFill>
+                <a:prstDash val="sysDot"/>
+              </a:ln>
+              <a:effectLst/>
+            </p:spPr>
+            <p:style>
+              <a:lnRef idx="2">
+                <a:schemeClr val="accent1">
+                  <a:shade val="50000"/>
+                </a:schemeClr>
+              </a:lnRef>
+              <a:fillRef idx="1">
+                <a:schemeClr val="accent1"/>
+              </a:fillRef>
+              <a:effectRef idx="0">
+                <a:schemeClr val="accent1"/>
+              </a:effectRef>
+              <a:fontRef idx="minor">
+                <a:schemeClr val="lt1"/>
+              </a:fontRef>
+            </p:style>
+            <p:txBody>
+              <a:bodyPr rtlCol="0" anchor="ctr"/>
+              <a:lstStyle/>
+              <a:p>
+                <a:pPr algn="ctr"/>
+                <a:endParaRPr lang="en-US"/>
+              </a:p>
+            </p:txBody>
+          </p:sp>
+          <p:sp>
+            <p:nvSpPr>
+              <p:cNvPr id="5171" name="Freeform 5170"/>
+              <p:cNvSpPr/>
+              <p:nvPr/>
+            </p:nvSpPr>
+            <p:spPr>
+              <a:xfrm>
+                <a:off x="3837212" y="1845129"/>
+                <a:ext cx="277588" cy="1004207"/>
+              </a:xfrm>
+              <a:custGeom>
+                <a:avLst/>
+                <a:gdLst>
+                  <a:gd name="connsiteX0" fmla="*/ 277588 w 277588"/>
+                  <a:gd name="connsiteY0" fmla="*/ 0 h 1004207"/>
+                  <a:gd name="connsiteX1" fmla="*/ 138795 w 277588"/>
+                  <a:gd name="connsiteY1" fmla="*/ 8164 h 1004207"/>
+                  <a:gd name="connsiteX2" fmla="*/ 89809 w 277588"/>
+                  <a:gd name="connsiteY2" fmla="*/ 32657 h 1004207"/>
+                  <a:gd name="connsiteX3" fmla="*/ 65317 w 277588"/>
+                  <a:gd name="connsiteY3" fmla="*/ 57150 h 1004207"/>
+                  <a:gd name="connsiteX4" fmla="*/ 16331 w 277588"/>
+                  <a:gd name="connsiteY4" fmla="*/ 97971 h 1004207"/>
+                  <a:gd name="connsiteX5" fmla="*/ 2 w 277588"/>
+                  <a:gd name="connsiteY5" fmla="*/ 146957 h 1004207"/>
+                  <a:gd name="connsiteX6" fmla="*/ 8167 w 277588"/>
+                  <a:gd name="connsiteY6" fmla="*/ 1004207 h 1004207"/>
+                </a:gdLst>
+                <a:ahLst/>
+                <a:cxnLst>
+                  <a:cxn ang="0">
+                    <a:pos x="connsiteX0" y="connsiteY0"/>
+                  </a:cxn>
+                  <a:cxn ang="0">
+                    <a:pos x="connsiteX1" y="connsiteY1"/>
+                  </a:cxn>
+                  <a:cxn ang="0">
+                    <a:pos x="connsiteX2" y="connsiteY2"/>
+                  </a:cxn>
+                  <a:cxn ang="0">
+                    <a:pos x="connsiteX3" y="connsiteY3"/>
+                  </a:cxn>
+                  <a:cxn ang="0">
+                    <a:pos x="connsiteX4" y="connsiteY4"/>
+                  </a:cxn>
+                  <a:cxn ang="0">
+                    <a:pos x="connsiteX5" y="connsiteY5"/>
+                  </a:cxn>
+                  <a:cxn ang="0">
+                    <a:pos x="connsiteX6" y="connsiteY6"/>
+                  </a:cxn>
+                </a:cxnLst>
+                <a:rect l="l" t="t" r="r" b="b"/>
+                <a:pathLst>
+                  <a:path w="277588" h="1004207">
+                    <a:moveTo>
+                      <a:pt x="277588" y="0"/>
+                    </a:moveTo>
+                    <a:cubicBezTo>
+                      <a:pt x="231324" y="2721"/>
+                      <a:pt x="184909" y="3553"/>
+                      <a:pt x="138795" y="8164"/>
+                    </a:cubicBezTo>
+                    <a:cubicBezTo>
+                      <a:pt x="122057" y="9838"/>
+                      <a:pt x="102006" y="22492"/>
+                      <a:pt x="89809" y="32657"/>
+                    </a:cubicBezTo>
+                    <a:cubicBezTo>
+                      <a:pt x="80939" y="40049"/>
+                      <a:pt x="74187" y="49758"/>
+                      <a:pt x="65317" y="57150"/>
+                    </a:cubicBezTo>
+                    <a:cubicBezTo>
+                      <a:pt x="-2890" y="113989"/>
+                      <a:pt x="87896" y="26406"/>
+                      <a:pt x="16331" y="97971"/>
+                    </a:cubicBezTo>
+                    <a:cubicBezTo>
+                      <a:pt x="10888" y="114300"/>
+                      <a:pt x="-174" y="129746"/>
+                      <a:pt x="2" y="146957"/>
+                    </a:cubicBezTo>
+                    <a:cubicBezTo>
+                      <a:pt x="2918" y="432705"/>
+                      <a:pt x="8167" y="718444"/>
+                      <a:pt x="8167" y="1004207"/>
+                    </a:cubicBezTo>
+                  </a:path>
+                </a:pathLst>
+              </a:custGeom>
+              <a:noFill/>
+              <a:ln w="114300">
+                <a:solidFill>
+                  <a:schemeClr val="bg1"/>
+                </a:solidFill>
+                <a:prstDash val="sysDot"/>
+              </a:ln>
+              <a:effectLst/>
+            </p:spPr>
+            <p:style>
+              <a:lnRef idx="2">
+                <a:schemeClr val="accent1">
+                  <a:shade val="50000"/>
+                </a:schemeClr>
+              </a:lnRef>
+              <a:fillRef idx="1">
+                <a:schemeClr val="accent1"/>
+              </a:fillRef>
+              <a:effectRef idx="0">
+                <a:schemeClr val="accent1"/>
+              </a:effectRef>
+              <a:fontRef idx="minor">
+                <a:schemeClr val="lt1"/>
+              </a:fontRef>
+            </p:style>
+            <p:txBody>
+              <a:bodyPr rtlCol="0" anchor="ctr"/>
+              <a:lstStyle/>
+              <a:p>
+                <a:pPr algn="ctr"/>
+                <a:endParaRPr lang="en-US"/>
+              </a:p>
+            </p:txBody>
+          </p:sp>
+          <p:sp>
+            <p:nvSpPr>
+              <p:cNvPr id="5172" name="Freeform 5171"/>
+              <p:cNvSpPr/>
+              <p:nvPr/>
+            </p:nvSpPr>
+            <p:spPr>
+              <a:xfrm>
+                <a:off x="4751500" y="3633107"/>
+                <a:ext cx="57264" cy="930729"/>
+              </a:xfrm>
+              <a:custGeom>
+                <a:avLst/>
+                <a:gdLst>
+                  <a:gd name="connsiteX0" fmla="*/ 57264 w 57264"/>
+                  <a:gd name="connsiteY0" fmla="*/ 930729 h 930729"/>
+                  <a:gd name="connsiteX1" fmla="*/ 40936 w 57264"/>
+                  <a:gd name="connsiteY1" fmla="*/ 146957 h 930729"/>
+                  <a:gd name="connsiteX2" fmla="*/ 32771 w 57264"/>
+                  <a:gd name="connsiteY2" fmla="*/ 114300 h 930729"/>
+                  <a:gd name="connsiteX3" fmla="*/ 8279 w 57264"/>
+                  <a:gd name="connsiteY3" fmla="*/ 40822 h 930729"/>
+                  <a:gd name="connsiteX4" fmla="*/ 114 w 57264"/>
+                  <a:gd name="connsiteY4" fmla="*/ 0 h 930729"/>
+                </a:gdLst>
+                <a:ahLst/>
+                <a:cxnLst>
+                  <a:cxn ang="0">
+                    <a:pos x="connsiteX0" y="connsiteY0"/>
+                  </a:cxn>
+                  <a:cxn ang="0">
+                    <a:pos x="connsiteX1" y="connsiteY1"/>
+                  </a:cxn>
+                  <a:cxn ang="0">
+                    <a:pos x="connsiteX2" y="connsiteY2"/>
+                  </a:cxn>
+                  <a:cxn ang="0">
+                    <a:pos x="connsiteX3" y="connsiteY3"/>
+                  </a:cxn>
+                  <a:cxn ang="0">
+                    <a:pos x="connsiteX4" y="connsiteY4"/>
+                  </a:cxn>
+                </a:cxnLst>
+                <a:rect l="l" t="t" r="r" b="b"/>
+                <a:pathLst>
+                  <a:path w="57264" h="930729">
+                    <a:moveTo>
+                      <a:pt x="57264" y="930729"/>
+                    </a:moveTo>
+                    <a:cubicBezTo>
+                      <a:pt x="54" y="644666"/>
+                      <a:pt x="57766" y="946352"/>
+                      <a:pt x="40936" y="146957"/>
+                    </a:cubicBezTo>
+                    <a:cubicBezTo>
+                      <a:pt x="40700" y="135739"/>
+                      <a:pt x="35995" y="125048"/>
+                      <a:pt x="32771" y="114300"/>
+                    </a:cubicBezTo>
+                    <a:cubicBezTo>
+                      <a:pt x="32767" y="114287"/>
+                      <a:pt x="12364" y="53075"/>
+                      <a:pt x="8279" y="40822"/>
+                    </a:cubicBezTo>
+                    <a:cubicBezTo>
+                      <a:pt x="-1607" y="11164"/>
+                      <a:pt x="114" y="24936"/>
+                      <a:pt x="114" y="0"/>
+                    </a:cubicBezTo>
+                  </a:path>
+                </a:pathLst>
+              </a:custGeom>
+              <a:noFill/>
+              <a:ln w="114300">
+                <a:solidFill>
+                  <a:schemeClr val="bg1"/>
+                </a:solidFill>
+                <a:prstDash val="sysDot"/>
+              </a:ln>
+              <a:effectLst/>
+            </p:spPr>
+            <p:style>
+              <a:lnRef idx="2">
+                <a:schemeClr val="accent1">
+                  <a:shade val="50000"/>
+                </a:schemeClr>
+              </a:lnRef>
+              <a:fillRef idx="1">
+                <a:schemeClr val="accent1"/>
+              </a:fillRef>
+              <a:effectRef idx="0">
+                <a:schemeClr val="accent1"/>
+              </a:effectRef>
+              <a:fontRef idx="minor">
+                <a:schemeClr val="lt1"/>
+              </a:fontRef>
+            </p:style>
+            <p:txBody>
+              <a:bodyPr rtlCol="0" anchor="ctr"/>
+              <a:lstStyle/>
+              <a:p>
+                <a:pPr algn="ctr"/>
+                <a:endParaRPr lang="en-US"/>
+              </a:p>
+            </p:txBody>
+          </p:sp>
+          <p:sp>
+            <p:nvSpPr>
+              <p:cNvPr id="5173" name="Freeform 5172"/>
+              <p:cNvSpPr/>
+              <p:nvPr/>
+            </p:nvSpPr>
+            <p:spPr>
+              <a:xfrm>
+                <a:off x="1877786" y="2473779"/>
+                <a:ext cx="0" cy="849085"/>
+              </a:xfrm>
+              <a:custGeom>
+                <a:avLst/>
+                <a:gdLst>
+                  <a:gd name="connsiteX0" fmla="*/ 0 w 0"/>
+                  <a:gd name="connsiteY0" fmla="*/ 0 h 849085"/>
+                  <a:gd name="connsiteX1" fmla="*/ 0 w 0"/>
+                  <a:gd name="connsiteY1" fmla="*/ 849085 h 849085"/>
+                </a:gdLst>
+                <a:ahLst/>
+                <a:cxnLst>
+                  <a:cxn ang="0">
+                    <a:pos x="connsiteX0" y="connsiteY0"/>
+                  </a:cxn>
+                  <a:cxn ang="0">
+                    <a:pos x="connsiteX1" y="connsiteY1"/>
+                  </a:cxn>
+                </a:cxnLst>
+                <a:rect l="l" t="t" r="r" b="b"/>
+                <a:pathLst>
+                  <a:path h="849085">
+                    <a:moveTo>
+                      <a:pt x="0" y="0"/>
+                    </a:moveTo>
+                    <a:lnTo>
+                      <a:pt x="0" y="849085"/>
+                    </a:lnTo>
+                  </a:path>
+                </a:pathLst>
+              </a:custGeom>
+              <a:noFill/>
+              <a:ln w="114300">
+                <a:solidFill>
+                  <a:schemeClr val="bg1"/>
+                </a:solidFill>
+                <a:prstDash val="sysDot"/>
+              </a:ln>
+              <a:effectLst/>
+            </p:spPr>
+            <p:style>
+              <a:lnRef idx="2">
+                <a:schemeClr val="accent1">
+                  <a:shade val="50000"/>
+                </a:schemeClr>
+              </a:lnRef>
+              <a:fillRef idx="1">
+                <a:schemeClr val="accent1"/>
+              </a:fillRef>
+              <a:effectRef idx="0">
+                <a:schemeClr val="accent1"/>
+              </a:effectRef>
+              <a:fontRef idx="minor">
+                <a:schemeClr val="lt1"/>
+              </a:fontRef>
+            </p:style>
+            <p:txBody>
+              <a:bodyPr rtlCol="0" anchor="ctr"/>
+              <a:lstStyle/>
+              <a:p>
+                <a:pPr algn="ctr"/>
+                <a:endParaRPr lang="en-US"/>
+              </a:p>
+            </p:txBody>
+          </p:sp>
+          <p:sp>
+            <p:nvSpPr>
+              <p:cNvPr id="5174" name="Freeform 5173"/>
+              <p:cNvSpPr/>
+              <p:nvPr/>
+            </p:nvSpPr>
+            <p:spPr>
+              <a:xfrm>
+                <a:off x="2547257" y="3347357"/>
+                <a:ext cx="325084" cy="1240972"/>
+              </a:xfrm>
+              <a:custGeom>
+                <a:avLst/>
+                <a:gdLst>
+                  <a:gd name="connsiteX0" fmla="*/ 0 w 325084"/>
+                  <a:gd name="connsiteY0" fmla="*/ 1240972 h 1240972"/>
+                  <a:gd name="connsiteX1" fmla="*/ 179614 w 325084"/>
+                  <a:gd name="connsiteY1" fmla="*/ 1232807 h 1240972"/>
+                  <a:gd name="connsiteX2" fmla="*/ 204107 w 325084"/>
+                  <a:gd name="connsiteY2" fmla="*/ 1224643 h 1240972"/>
+                  <a:gd name="connsiteX3" fmla="*/ 228600 w 325084"/>
+                  <a:gd name="connsiteY3" fmla="*/ 1208314 h 1240972"/>
+                  <a:gd name="connsiteX4" fmla="*/ 261257 w 325084"/>
+                  <a:gd name="connsiteY4" fmla="*/ 1159329 h 1240972"/>
+                  <a:gd name="connsiteX5" fmla="*/ 277586 w 325084"/>
+                  <a:gd name="connsiteY5" fmla="*/ 0 h 1240972"/>
+                </a:gdLst>
+                <a:ahLst/>
+                <a:cxnLst>
+                  <a:cxn ang="0">
+                    <a:pos x="connsiteX0" y="connsiteY0"/>
+                  </a:cxn>
+                  <a:cxn ang="0">
+                    <a:pos x="connsiteX1" y="connsiteY1"/>
+                  </a:cxn>
+                  <a:cxn ang="0">
+                    <a:pos x="connsiteX2" y="connsiteY2"/>
+                  </a:cxn>
+                  <a:cxn ang="0">
+                    <a:pos x="connsiteX3" y="connsiteY3"/>
+                  </a:cxn>
+                  <a:cxn ang="0">
+                    <a:pos x="connsiteX4" y="connsiteY4"/>
+                  </a:cxn>
+                  <a:cxn ang="0">
+                    <a:pos x="connsiteX5" y="connsiteY5"/>
+                  </a:cxn>
+                </a:cxnLst>
+                <a:rect l="l" t="t" r="r" b="b"/>
+                <a:pathLst>
+                  <a:path w="325084" h="1240972">
+                    <a:moveTo>
+                      <a:pt x="0" y="1240972"/>
+                    </a:moveTo>
+                    <a:cubicBezTo>
+                      <a:pt x="59871" y="1238250"/>
+                      <a:pt x="119872" y="1237587"/>
+                      <a:pt x="179614" y="1232807"/>
+                    </a:cubicBezTo>
+                    <a:cubicBezTo>
+                      <a:pt x="188193" y="1232121"/>
+                      <a:pt x="196410" y="1228492"/>
+                      <a:pt x="204107" y="1224643"/>
+                    </a:cubicBezTo>
+                    <a:cubicBezTo>
+                      <a:pt x="212883" y="1220255"/>
+                      <a:pt x="220436" y="1213757"/>
+                      <a:pt x="228600" y="1208314"/>
+                    </a:cubicBezTo>
+                    <a:cubicBezTo>
+                      <a:pt x="239486" y="1191986"/>
+                      <a:pt x="255051" y="1177946"/>
+                      <a:pt x="261257" y="1159329"/>
+                    </a:cubicBezTo>
+                    <a:cubicBezTo>
+                      <a:pt x="394629" y="759222"/>
+                      <a:pt x="277586" y="1127555"/>
+                      <a:pt x="277586" y="0"/>
+                    </a:cubicBezTo>
+                  </a:path>
+                </a:pathLst>
+              </a:custGeom>
+              <a:noFill/>
+              <a:ln w="114300">
+                <a:solidFill>
+                  <a:schemeClr val="bg1"/>
+                </a:solidFill>
+                <a:prstDash val="sysDot"/>
+              </a:ln>
+              <a:effectLst/>
+            </p:spPr>
+            <p:style>
+              <a:lnRef idx="2">
+                <a:schemeClr val="accent1">
+                  <a:shade val="50000"/>
+                </a:schemeClr>
+              </a:lnRef>
+              <a:fillRef idx="1">
+                <a:schemeClr val="accent1"/>
+              </a:fillRef>
+              <a:effectRef idx="0">
+                <a:schemeClr val="accent1"/>
+              </a:effectRef>
+              <a:fontRef idx="minor">
+                <a:schemeClr val="lt1"/>
+              </a:fontRef>
+            </p:style>
+            <p:txBody>
+              <a:bodyPr rtlCol="0" anchor="ctr"/>
+              <a:lstStyle/>
+              <a:p>
+                <a:pPr algn="ctr"/>
+                <a:endParaRPr lang="en-US"/>
+              </a:p>
+            </p:txBody>
+          </p:sp>
+          <p:sp>
+            <p:nvSpPr>
+              <p:cNvPr id="5176" name="Freeform 5175"/>
+              <p:cNvSpPr/>
+              <p:nvPr/>
+            </p:nvSpPr>
+            <p:spPr>
+              <a:xfrm>
+                <a:off x="1836964" y="1363436"/>
+                <a:ext cx="24493" cy="261257"/>
+              </a:xfrm>
+              <a:custGeom>
+                <a:avLst/>
+                <a:gdLst>
+                  <a:gd name="connsiteX0" fmla="*/ 0 w 24493"/>
+                  <a:gd name="connsiteY0" fmla="*/ 261257 h 261257"/>
+                  <a:gd name="connsiteX1" fmla="*/ 16329 w 24493"/>
+                  <a:gd name="connsiteY1" fmla="*/ 24493 h 261257"/>
+                  <a:gd name="connsiteX2" fmla="*/ 24493 w 24493"/>
+                  <a:gd name="connsiteY2" fmla="*/ 0 h 261257"/>
+                </a:gdLst>
+                <a:ahLst/>
+                <a:cxnLst>
+                  <a:cxn ang="0">
+                    <a:pos x="connsiteX0" y="connsiteY0"/>
+                  </a:cxn>
+                  <a:cxn ang="0">
+                    <a:pos x="connsiteX1" y="connsiteY1"/>
+                  </a:cxn>
+                  <a:cxn ang="0">
+                    <a:pos x="connsiteX2" y="connsiteY2"/>
+                  </a:cxn>
+                </a:cxnLst>
+                <a:rect l="l" t="t" r="r" b="b"/>
+                <a:pathLst>
+                  <a:path w="24493" h="261257">
+                    <a:moveTo>
+                      <a:pt x="0" y="261257"/>
+                    </a:moveTo>
+                    <a:cubicBezTo>
+                      <a:pt x="21818" y="130358"/>
+                      <a:pt x="-5243" y="304936"/>
+                      <a:pt x="16329" y="24493"/>
+                    </a:cubicBezTo>
+                    <a:cubicBezTo>
+                      <a:pt x="16989" y="15912"/>
+                      <a:pt x="24493" y="0"/>
+                      <a:pt x="24493" y="0"/>
+                    </a:cubicBezTo>
+                  </a:path>
+                </a:pathLst>
+              </a:custGeom>
+              <a:noFill/>
+              <a:ln w="114300">
+                <a:solidFill>
+                  <a:schemeClr val="bg1"/>
+                </a:solidFill>
+                <a:prstDash val="sysDot"/>
+              </a:ln>
+              <a:effectLst/>
+            </p:spPr>
+            <p:style>
+              <a:lnRef idx="2">
+                <a:schemeClr val="accent1">
+                  <a:shade val="50000"/>
+                </a:schemeClr>
+              </a:lnRef>
+              <a:fillRef idx="1">
+                <a:schemeClr val="accent1"/>
+              </a:fillRef>
+              <a:effectRef idx="0">
+                <a:schemeClr val="accent1"/>
+              </a:effectRef>
+              <a:fontRef idx="minor">
+                <a:schemeClr val="lt1"/>
+              </a:fontRef>
+            </p:style>
+            <p:txBody>
+              <a:bodyPr rtlCol="0" anchor="ctr"/>
+              <a:lstStyle/>
+              <a:p>
+                <a:pPr algn="ctr"/>
+                <a:endParaRPr lang="en-US"/>
+              </a:p>
+            </p:txBody>
+          </p:sp>
+        </p:grpSp>
+      </p:grpSp>
+    </p:spTree>
+    <p:extLst>
+      <p:ext uri="{BB962C8B-B14F-4D97-AF65-F5344CB8AC3E}">
+        <p14:creationId xmlns:p14="http://schemas.microsoft.com/office/powerpoint/2010/main" val="782913508"/>
+      </p:ext>
+    </p:extLst>
+  </p:cSld>
+  <p:clrMapOvr>
+    <a:masterClrMapping/>
+  </p:clrMapOvr>
+</p:sld>
+</file>
+
+<file path=ppt/slides/slide9.xml><?xml version="1.0" encoding="utf-8"?>
+<p:sld xmlns:a="http://schemas.openxmlformats.org/drawingml/2006/main" xmlns:r="http://schemas.openxmlformats.org/officeDocument/2006/relationships" xmlns:p="http://schemas.openxmlformats.org/presentationml/2006/main">
+  <p:cSld>
+    <p:spTree>
+      <p:nvGrpSpPr>
+        <p:cNvPr id="1" name=""/>
+        <p:cNvGrpSpPr/>
+        <p:nvPr/>
+      </p:nvGrpSpPr>
+      <p:grpSpPr>
+        <a:xfrm>
+          <a:off x="0" y="0"/>
+          <a:ext cx="0" cy="0"/>
+          <a:chOff x="0" y="0"/>
+          <a:chExt cx="0" cy="0"/>
+        </a:xfrm>
+      </p:grpSpPr>
+      <p:pic>
+        <p:nvPicPr>
+          <p:cNvPr id="6146" name="Picture 2"/>
+          <p:cNvPicPr>
+            <a:picLocks noChangeAspect="1" noChangeArrowheads="1"/>
+          </p:cNvPicPr>
+          <p:nvPr/>
+        </p:nvPicPr>
+        <p:blipFill>
+          <a:blip r:embed="rId2" cstate="print">
+            <a:extLst>
+              <a:ext uri="{28A0092B-C50C-407E-A947-70E740481C1C}">
+                <a14:useLocalDpi xmlns:a14="http://schemas.microsoft.com/office/drawing/2010/main" val="0"/>
+              </a:ext>
+            </a:extLst>
+          </a:blip>
+          <a:srcRect/>
+          <a:stretch>
+            <a:fillRect/>
+          </a:stretch>
+        </p:blipFill>
+        <p:spPr bwMode="auto">
+          <a:xfrm>
+            <a:off x="1536700" y="1117600"/>
+            <a:ext cx="5473700" cy="4622800"/>
+          </a:xfrm>
+          <a:prstGeom prst="rect">
+            <a:avLst/>
+          </a:prstGeom>
+          <a:noFill/>
+          <a:ln>
+            <a:noFill/>
+          </a:ln>
+          <a:effectLst/>
+          <a:extLst>
+            <a:ext uri="{909E8E84-426E-40DD-AFC4-6F175D3DCCD1}">
+              <a14:hiddenFill xmlns:a14="http://schemas.microsoft.com/office/drawing/2010/main">
+                <a:solidFill>
+                  <a:schemeClr val="accent1"/>
+                </a:solidFill>
+              </a14:hiddenFill>
+            </a:ext>
+            <a:ext uri="{91240B29-F687-4F45-9708-019B960494DF}">
+              <a14:hiddenLine xmlns:a14="http://schemas.microsoft.com/office/drawing/2010/main" w="9525">
+                <a:solidFill>
+                  <a:schemeClr val="tx1"/>
+                </a:solidFill>
+                <a:miter lim="800000"/>
+                <a:headEnd/>
+                <a:tailEnd/>
+              </a14:hiddenLine>
+            </a:ext>
+            <a:ext uri="{AF507438-7753-43E0-B8FC-AC1667EBCBE1}">
+              <a14:hiddenEffects xmlns:a14="http://schemas.microsoft.com/office/drawing/2010/main">
+                <a:effectLst>
+                  <a:outerShdw dist="35921" dir="2700000" algn="ctr" rotWithShape="0">
+                    <a:schemeClr val="bg2"/>
+                  </a:outerShdw>
+                </a:effectLst>
+              </a14:hiddenEffects>
+            </a:ext>
+          </a:extLst>
+        </p:spPr>
+      </p:pic>
+    </p:spTree>
+    <p:extLst>
+      <p:ext uri="{BB962C8B-B14F-4D97-AF65-F5344CB8AC3E}">
+        <p14:creationId xmlns:p14="http://schemas.microsoft.com/office/powerpoint/2010/main" val="2625021937"/>
       </p:ext>
     </p:extLst>
   </p:cSld>
@@ -13934,7 +22244,42 @@
       </a:bgFillStyleLst>
     </a:fmtScheme>
   </a:themeElements>
-  <a:objectDefaults/>
+  <a:objectDefaults>
+    <a:spDef>
+      <a:spPr>
+        <a:noFill/>
+        <a:ln w="114300">
+          <a:solidFill>
+            <a:schemeClr val="bg1"/>
+          </a:solidFill>
+          <a:prstDash val="sysDot"/>
+        </a:ln>
+        <a:effectLst/>
+      </a:spPr>
+      <a:bodyPr rtlCol="0" anchor="ctr"/>
+      <a:lstStyle>
+        <a:defPPr algn="ctr">
+          <a:defRPr/>
+        </a:defPPr>
+      </a:lstStyle>
+      <a:style>
+        <a:lnRef idx="2">
+          <a:schemeClr val="accent1">
+            <a:shade val="50000"/>
+          </a:schemeClr>
+        </a:lnRef>
+        <a:fillRef idx="1">
+          <a:schemeClr val="accent1"/>
+        </a:fillRef>
+        <a:effectRef idx="0">
+          <a:schemeClr val="accent1"/>
+        </a:effectRef>
+        <a:fontRef idx="minor">
+          <a:schemeClr val="lt1"/>
+        </a:fontRef>
+      </a:style>
+    </a:spDef>
+  </a:objectDefaults>
   <a:extraClrSchemeLst/>
 </a:theme>
 </file>
